--- a/install/build_all.pptx
+++ b/install/build_all.pptx
@@ -165,7 +165,7 @@
           <a:noFill/>
           <a:extLst>
             <a:ext uri="{909E8E84-426E-40dd-AFC4-6F175D3DCCD1}">
-              <a14:hiddenFill xmlns:a14="http://schemas.microsoft.com/office/drawing/2010/main" xmlns="">
+              <a14:hiddenFill xmlns="" xmlns:a14="http://schemas.microsoft.com/office/drawing/2010/main">
                 <a:solidFill>
                   <a:srgbClr val="FFFFFF"/>
                 </a:solidFill>
@@ -225,7 +225,7 @@
             </a:ln>
             <a:extLst>
               <a:ext uri="{91240B29-F687-4f45-9708-019B960494DF}">
-                <a14:hiddenLine xmlns:a14="http://schemas.microsoft.com/office/drawing/2010/main" xmlns="" w="9525">
+                <a14:hiddenLine xmlns="" xmlns:a14="http://schemas.microsoft.com/office/drawing/2010/main" w="9525">
                   <a:solidFill>
                     <a:srgbClr val="000000"/>
                   </a:solidFill>
@@ -315,7 +315,7 @@
             </a:ln>
             <a:extLst>
               <a:ext uri="{91240B29-F687-4f45-9708-019B960494DF}">
-                <a14:hiddenLine xmlns:a14="http://schemas.microsoft.com/office/drawing/2010/main" xmlns="" w="9525">
+                <a14:hiddenLine xmlns="" xmlns:a14="http://schemas.microsoft.com/office/drawing/2010/main" w="9525">
                   <a:solidFill>
                     <a:srgbClr val="000000"/>
                   </a:solidFill>
@@ -405,7 +405,7 @@
             </a:ln>
             <a:extLst>
               <a:ext uri="{91240B29-F687-4f45-9708-019B960494DF}">
-                <a14:hiddenLine xmlns:a14="http://schemas.microsoft.com/office/drawing/2010/main" xmlns="" w="9525">
+                <a14:hiddenLine xmlns="" xmlns:a14="http://schemas.microsoft.com/office/drawing/2010/main" w="9525">
                   <a:solidFill>
                     <a:srgbClr val="000000"/>
                   </a:solidFill>
@@ -439,7 +439,7 @@
             </a:ln>
             <a:extLst>
               <a:ext uri="{91240B29-F687-4f45-9708-019B960494DF}">
-                <a14:hiddenLine xmlns:a14="http://schemas.microsoft.com/office/drawing/2010/main" xmlns="" w="9525">
+                <a14:hiddenLine xmlns="" xmlns:a14="http://schemas.microsoft.com/office/drawing/2010/main" w="9525">
                   <a:solidFill>
                     <a:srgbClr val="000000"/>
                   </a:solidFill>
@@ -529,7 +529,7 @@
             </a:ln>
             <a:extLst>
               <a:ext uri="{91240B29-F687-4f45-9708-019B960494DF}">
-                <a14:hiddenLine xmlns:a14="http://schemas.microsoft.com/office/drawing/2010/main" xmlns="" w="9525">
+                <a14:hiddenLine xmlns="" xmlns:a14="http://schemas.microsoft.com/office/drawing/2010/main" w="9525">
                   <a:solidFill>
                     <a:srgbClr val="000000"/>
                   </a:solidFill>
@@ -591,7 +591,7 @@
             </a:ln>
             <a:extLst>
               <a:ext uri="{91240B29-F687-4f45-9708-019B960494DF}">
-                <a14:hiddenLine xmlns:a14="http://schemas.microsoft.com/office/drawing/2010/main" xmlns="" w="9525">
+                <a14:hiddenLine xmlns="" xmlns:a14="http://schemas.microsoft.com/office/drawing/2010/main" w="9525">
                   <a:solidFill>
                     <a:srgbClr val="000000"/>
                   </a:solidFill>
@@ -653,7 +653,7 @@
             </a:ln>
             <a:extLst>
               <a:ext uri="{91240B29-F687-4f45-9708-019B960494DF}">
-                <a14:hiddenLine xmlns:a14="http://schemas.microsoft.com/office/drawing/2010/main" xmlns="" w="9525">
+                <a14:hiddenLine xmlns="" xmlns:a14="http://schemas.microsoft.com/office/drawing/2010/main" w="9525">
                   <a:solidFill>
                     <a:srgbClr val="000000"/>
                   </a:solidFill>
@@ -743,7 +743,7 @@
             </a:ln>
             <a:extLst>
               <a:ext uri="{91240B29-F687-4f45-9708-019B960494DF}">
-                <a14:hiddenLine xmlns:a14="http://schemas.microsoft.com/office/drawing/2010/main" xmlns="" w="9525">
+                <a14:hiddenLine xmlns="" xmlns:a14="http://schemas.microsoft.com/office/drawing/2010/main" w="9525">
                   <a:solidFill>
                     <a:srgbClr val="000000"/>
                   </a:solidFill>
@@ -805,7 +805,7 @@
             </a:ln>
             <a:extLst>
               <a:ext uri="{91240B29-F687-4f45-9708-019B960494DF}">
-                <a14:hiddenLine xmlns:a14="http://schemas.microsoft.com/office/drawing/2010/main" xmlns="" w="9525">
+                <a14:hiddenLine xmlns="" xmlns:a14="http://schemas.microsoft.com/office/drawing/2010/main" w="9525">
                   <a:solidFill>
                     <a:srgbClr val="000000"/>
                   </a:solidFill>
@@ -867,7 +867,7 @@
             </a:ln>
             <a:extLst>
               <a:ext uri="{91240B29-F687-4f45-9708-019B960494DF}">
-                <a14:hiddenLine xmlns:a14="http://schemas.microsoft.com/office/drawing/2010/main" xmlns="" w="9525">
+                <a14:hiddenLine xmlns="" xmlns:a14="http://schemas.microsoft.com/office/drawing/2010/main" w="9525">
                   <a:solidFill>
                     <a:srgbClr val="000000"/>
                   </a:solidFill>
@@ -957,7 +957,7 @@
             </a:ln>
             <a:extLst>
               <a:ext uri="{91240B29-F687-4f45-9708-019B960494DF}">
-                <a14:hiddenLine xmlns:a14="http://schemas.microsoft.com/office/drawing/2010/main" xmlns="" w="9525">
+                <a14:hiddenLine xmlns="" xmlns:a14="http://schemas.microsoft.com/office/drawing/2010/main" w="9525">
                   <a:solidFill>
                     <a:srgbClr val="000000"/>
                   </a:solidFill>
@@ -1047,7 +1047,7 @@
             </a:ln>
             <a:extLst>
               <a:ext uri="{91240B29-F687-4f45-9708-019B960494DF}">
-                <a14:hiddenLine xmlns:a14="http://schemas.microsoft.com/office/drawing/2010/main" xmlns="" w="9525">
+                <a14:hiddenLine xmlns="" xmlns:a14="http://schemas.microsoft.com/office/drawing/2010/main" w="9525">
                   <a:solidFill>
                     <a:srgbClr val="000000"/>
                   </a:solidFill>
@@ -1109,7 +1109,7 @@
             </a:ln>
             <a:extLst>
               <a:ext uri="{91240B29-F687-4f45-9708-019B960494DF}">
-                <a14:hiddenLine xmlns:a14="http://schemas.microsoft.com/office/drawing/2010/main" xmlns="" w="9525">
+                <a14:hiddenLine xmlns="" xmlns:a14="http://schemas.microsoft.com/office/drawing/2010/main" w="9525">
                   <a:solidFill>
                     <a:srgbClr val="000000"/>
                   </a:solidFill>
@@ -1219,7 +1219,7 @@
             </a:ln>
             <a:extLst>
               <a:ext uri="{91240B29-F687-4f45-9708-019B960494DF}">
-                <a14:hiddenLine xmlns:a14="http://schemas.microsoft.com/office/drawing/2010/main" xmlns="" w="9525">
+                <a14:hiddenLine xmlns="" xmlns:a14="http://schemas.microsoft.com/office/drawing/2010/main" w="9525">
                   <a:solidFill>
                     <a:srgbClr val="000000"/>
                   </a:solidFill>
@@ -1281,7 +1281,7 @@
             </a:ln>
             <a:extLst>
               <a:ext uri="{91240B29-F687-4f45-9708-019B960494DF}">
-                <a14:hiddenLine xmlns:a14="http://schemas.microsoft.com/office/drawing/2010/main" xmlns="" w="9525">
+                <a14:hiddenLine xmlns="" xmlns:a14="http://schemas.microsoft.com/office/drawing/2010/main" w="9525">
                   <a:solidFill>
                     <a:srgbClr val="000000"/>
                   </a:solidFill>
@@ -1371,7 +1371,7 @@
             </a:ln>
             <a:extLst>
               <a:ext uri="{91240B29-F687-4f45-9708-019B960494DF}">
-                <a14:hiddenLine xmlns:a14="http://schemas.microsoft.com/office/drawing/2010/main" xmlns="" w="9525">
+                <a14:hiddenLine xmlns="" xmlns:a14="http://schemas.microsoft.com/office/drawing/2010/main" w="9525">
                   <a:solidFill>
                     <a:srgbClr val="000000"/>
                   </a:solidFill>
@@ -1461,7 +1461,7 @@
             </a:ln>
             <a:extLst>
               <a:ext uri="{91240B29-F687-4f45-9708-019B960494DF}">
-                <a14:hiddenLine xmlns:a14="http://schemas.microsoft.com/office/drawing/2010/main" xmlns="" w="9525">
+                <a14:hiddenLine xmlns="" xmlns:a14="http://schemas.microsoft.com/office/drawing/2010/main" w="9525">
                   <a:solidFill>
                     <a:srgbClr val="000000"/>
                   </a:solidFill>
@@ -1523,7 +1523,7 @@
             </a:ln>
             <a:extLst>
               <a:ext uri="{91240B29-F687-4f45-9708-019B960494DF}">
-                <a14:hiddenLine xmlns:a14="http://schemas.microsoft.com/office/drawing/2010/main" xmlns="" w="9525">
+                <a14:hiddenLine xmlns="" xmlns:a14="http://schemas.microsoft.com/office/drawing/2010/main" w="9525">
                   <a:solidFill>
                     <a:srgbClr val="000000"/>
                   </a:solidFill>
@@ -1613,7 +1613,7 @@
             </a:ln>
             <a:extLst>
               <a:ext uri="{91240B29-F687-4f45-9708-019B960494DF}">
-                <a14:hiddenLine xmlns:a14="http://schemas.microsoft.com/office/drawing/2010/main" xmlns="" w="9525">
+                <a14:hiddenLine xmlns="" xmlns:a14="http://schemas.microsoft.com/office/drawing/2010/main" w="9525">
                   <a:solidFill>
                     <a:srgbClr val="000000"/>
                   </a:solidFill>
@@ -1703,7 +1703,7 @@
             </a:ln>
             <a:extLst>
               <a:ext uri="{91240B29-F687-4f45-9708-019B960494DF}">
-                <a14:hiddenLine xmlns:a14="http://schemas.microsoft.com/office/drawing/2010/main" xmlns="" w="9525">
+                <a14:hiddenLine xmlns="" xmlns:a14="http://schemas.microsoft.com/office/drawing/2010/main" w="9525">
                   <a:solidFill>
                     <a:srgbClr val="000000"/>
                   </a:solidFill>
@@ -1759,7 +1759,7 @@
             </a:ln>
             <a:extLst>
               <a:ext uri="{91240B29-F687-4f45-9708-019B960494DF}">
-                <a14:hiddenLine xmlns:a14="http://schemas.microsoft.com/office/drawing/2010/main" xmlns="" w="9525">
+                <a14:hiddenLine xmlns="" xmlns:a14="http://schemas.microsoft.com/office/drawing/2010/main" w="9525">
                   <a:solidFill>
                     <a:srgbClr val="000000"/>
                   </a:solidFill>
@@ -1849,7 +1849,7 @@
             </a:ln>
             <a:extLst>
               <a:ext uri="{91240B29-F687-4f45-9708-019B960494DF}">
-                <a14:hiddenLine xmlns:a14="http://schemas.microsoft.com/office/drawing/2010/main" xmlns="" w="9525">
+                <a14:hiddenLine xmlns="" xmlns:a14="http://schemas.microsoft.com/office/drawing/2010/main" w="9525">
                   <a:solidFill>
                     <a:srgbClr val="000000"/>
                   </a:solidFill>
@@ -1905,7 +1905,7 @@
             </a:ln>
             <a:extLst>
               <a:ext uri="{91240B29-F687-4f45-9708-019B960494DF}">
-                <a14:hiddenLine xmlns:a14="http://schemas.microsoft.com/office/drawing/2010/main" xmlns="" w="9525">
+                <a14:hiddenLine xmlns="" xmlns:a14="http://schemas.microsoft.com/office/drawing/2010/main" w="9525">
                   <a:solidFill>
                     <a:srgbClr val="000000"/>
                   </a:solidFill>
@@ -1995,7 +1995,7 @@
             </a:ln>
             <a:extLst>
               <a:ext uri="{91240B29-F687-4f45-9708-019B960494DF}">
-                <a14:hiddenLine xmlns:a14="http://schemas.microsoft.com/office/drawing/2010/main" xmlns="" w="9525">
+                <a14:hiddenLine xmlns="" xmlns:a14="http://schemas.microsoft.com/office/drawing/2010/main" w="9525">
                   <a:solidFill>
                     <a:srgbClr val="000000"/>
                   </a:solidFill>
@@ -2063,7 +2063,7 @@
             </a:ln>
             <a:extLst>
               <a:ext uri="{91240B29-F687-4f45-9708-019B960494DF}">
-                <a14:hiddenLine xmlns:a14="http://schemas.microsoft.com/office/drawing/2010/main" xmlns="" w="9525">
+                <a14:hiddenLine xmlns="" xmlns:a14="http://schemas.microsoft.com/office/drawing/2010/main" w="9525">
                   <a:solidFill>
                     <a:srgbClr val="000000"/>
                   </a:solidFill>
@@ -2153,7 +2153,7 @@
             </a:ln>
             <a:extLst>
               <a:ext uri="{91240B29-F687-4f45-9708-019B960494DF}">
-                <a14:hiddenLine xmlns:a14="http://schemas.microsoft.com/office/drawing/2010/main" xmlns="" w="9525">
+                <a14:hiddenLine xmlns="" xmlns:a14="http://schemas.microsoft.com/office/drawing/2010/main" w="9525">
                   <a:solidFill>
                     <a:srgbClr val="000000"/>
                   </a:solidFill>
@@ -2221,7 +2221,7 @@
             </a:ln>
             <a:extLst>
               <a:ext uri="{91240B29-F687-4f45-9708-019B960494DF}">
-                <a14:hiddenLine xmlns:a14="http://schemas.microsoft.com/office/drawing/2010/main" xmlns="" w="9525">
+                <a14:hiddenLine xmlns="" xmlns:a14="http://schemas.microsoft.com/office/drawing/2010/main" w="9525">
                   <a:solidFill>
                     <a:srgbClr val="000000"/>
                   </a:solidFill>
@@ -2311,7 +2311,7 @@
             </a:ln>
             <a:extLst>
               <a:ext uri="{91240B29-F687-4f45-9708-019B960494DF}">
-                <a14:hiddenLine xmlns:a14="http://schemas.microsoft.com/office/drawing/2010/main" xmlns="" w="9525">
+                <a14:hiddenLine xmlns="" xmlns:a14="http://schemas.microsoft.com/office/drawing/2010/main" w="9525">
                   <a:solidFill>
                     <a:srgbClr val="000000"/>
                   </a:solidFill>
@@ -2345,7 +2345,7 @@
             </a:ln>
             <a:extLst>
               <a:ext uri="{91240B29-F687-4f45-9708-019B960494DF}">
-                <a14:hiddenLine xmlns:a14="http://schemas.microsoft.com/office/drawing/2010/main" xmlns="" w="9525">
+                <a14:hiddenLine xmlns="" xmlns:a14="http://schemas.microsoft.com/office/drawing/2010/main" w="9525">
                   <a:solidFill>
                     <a:srgbClr val="000000"/>
                   </a:solidFill>
@@ -2435,7 +2435,7 @@
             </a:ln>
             <a:extLst>
               <a:ext uri="{91240B29-F687-4f45-9708-019B960494DF}">
-                <a14:hiddenLine xmlns:a14="http://schemas.microsoft.com/office/drawing/2010/main" xmlns="" w="9525">
+                <a14:hiddenLine xmlns="" xmlns:a14="http://schemas.microsoft.com/office/drawing/2010/main" w="9525">
                   <a:solidFill>
                     <a:srgbClr val="000000"/>
                   </a:solidFill>
@@ -2497,7 +2497,7 @@
             </a:ln>
             <a:extLst>
               <a:ext uri="{91240B29-F687-4f45-9708-019B960494DF}">
-                <a14:hiddenLine xmlns:a14="http://schemas.microsoft.com/office/drawing/2010/main" xmlns="" w="9525">
+                <a14:hiddenLine xmlns="" xmlns:a14="http://schemas.microsoft.com/office/drawing/2010/main" w="9525">
                   <a:solidFill>
                     <a:srgbClr val="000000"/>
                   </a:solidFill>
@@ -2559,7 +2559,7 @@
             </a:ln>
             <a:extLst>
               <a:ext uri="{91240B29-F687-4f45-9708-019B960494DF}">
-                <a14:hiddenLine xmlns:a14="http://schemas.microsoft.com/office/drawing/2010/main" xmlns="" w="9525">
+                <a14:hiddenLine xmlns="" xmlns:a14="http://schemas.microsoft.com/office/drawing/2010/main" w="9525">
                   <a:solidFill>
                     <a:srgbClr val="000000"/>
                   </a:solidFill>
@@ -2649,7 +2649,7 @@
             </a:ln>
             <a:extLst>
               <a:ext uri="{91240B29-F687-4f45-9708-019B960494DF}">
-                <a14:hiddenLine xmlns:a14="http://schemas.microsoft.com/office/drawing/2010/main" xmlns="" w="9525">
+                <a14:hiddenLine xmlns="" xmlns:a14="http://schemas.microsoft.com/office/drawing/2010/main" w="9525">
                   <a:solidFill>
                     <a:srgbClr val="000000"/>
                   </a:solidFill>
@@ -2717,7 +2717,7 @@
             </a:ln>
             <a:extLst>
               <a:ext uri="{91240B29-F687-4f45-9708-019B960494DF}">
-                <a14:hiddenLine xmlns:a14="http://schemas.microsoft.com/office/drawing/2010/main" xmlns="" w="9525">
+                <a14:hiddenLine xmlns="" xmlns:a14="http://schemas.microsoft.com/office/drawing/2010/main" w="9525">
                   <a:solidFill>
                     <a:srgbClr val="000000"/>
                   </a:solidFill>
@@ -2779,7 +2779,7 @@
             </a:ln>
             <a:extLst>
               <a:ext uri="{91240B29-F687-4f45-9708-019B960494DF}">
-                <a14:hiddenLine xmlns:a14="http://schemas.microsoft.com/office/drawing/2010/main" xmlns="" w="9525">
+                <a14:hiddenLine xmlns="" xmlns:a14="http://schemas.microsoft.com/office/drawing/2010/main" w="9525">
                   <a:solidFill>
                     <a:srgbClr val="000000"/>
                   </a:solidFill>
@@ -2869,7 +2869,7 @@
             </a:ln>
             <a:extLst>
               <a:ext uri="{91240B29-F687-4f45-9708-019B960494DF}">
-                <a14:hiddenLine xmlns:a14="http://schemas.microsoft.com/office/drawing/2010/main" xmlns="" w="9525">
+                <a14:hiddenLine xmlns="" xmlns:a14="http://schemas.microsoft.com/office/drawing/2010/main" w="9525">
                   <a:solidFill>
                     <a:srgbClr val="000000"/>
                   </a:solidFill>
@@ -2931,7 +2931,7 @@
             </a:ln>
             <a:extLst>
               <a:ext uri="{91240B29-F687-4f45-9708-019B960494DF}">
-                <a14:hiddenLine xmlns:a14="http://schemas.microsoft.com/office/drawing/2010/main" xmlns="" w="9525">
+                <a14:hiddenLine xmlns="" xmlns:a14="http://schemas.microsoft.com/office/drawing/2010/main" w="9525">
                   <a:solidFill>
                     <a:srgbClr val="000000"/>
                   </a:solidFill>
@@ -3021,7 +3021,7 @@
             </a:ln>
             <a:extLst>
               <a:ext uri="{91240B29-F687-4f45-9708-019B960494DF}">
-                <a14:hiddenLine xmlns:a14="http://schemas.microsoft.com/office/drawing/2010/main" xmlns="" w="9525">
+                <a14:hiddenLine xmlns="" xmlns:a14="http://schemas.microsoft.com/office/drawing/2010/main" w="9525">
                   <a:solidFill>
                     <a:srgbClr val="000000"/>
                   </a:solidFill>
@@ -3083,7 +3083,7 @@
             </a:ln>
             <a:extLst>
               <a:ext uri="{91240B29-F687-4f45-9708-019B960494DF}">
-                <a14:hiddenLine xmlns:a14="http://schemas.microsoft.com/office/drawing/2010/main" xmlns="" w="9525">
+                <a14:hiddenLine xmlns="" xmlns:a14="http://schemas.microsoft.com/office/drawing/2010/main" w="9525">
                   <a:solidFill>
                     <a:srgbClr val="000000"/>
                   </a:solidFill>
@@ -3173,7 +3173,7 @@
             </a:ln>
             <a:extLst>
               <a:ext uri="{91240B29-F687-4f45-9708-019B960494DF}">
-                <a14:hiddenLine xmlns:a14="http://schemas.microsoft.com/office/drawing/2010/main" xmlns="" w="9525">
+                <a14:hiddenLine xmlns="" xmlns:a14="http://schemas.microsoft.com/office/drawing/2010/main" w="9525">
                   <a:solidFill>
                     <a:srgbClr val="000000"/>
                   </a:solidFill>
@@ -3207,7 +3207,7 @@
             </a:ln>
             <a:extLst>
               <a:ext uri="{91240B29-F687-4f45-9708-019B960494DF}">
-                <a14:hiddenLine xmlns:a14="http://schemas.microsoft.com/office/drawing/2010/main" xmlns="" w="9525">
+                <a14:hiddenLine xmlns="" xmlns:a14="http://schemas.microsoft.com/office/drawing/2010/main" w="9525">
                   <a:solidFill>
                     <a:srgbClr val="000000"/>
                   </a:solidFill>
@@ -3272,7 +3272,7 @@
             </a:ln>
             <a:extLst>
               <a:ext uri="{91240B29-F687-4f45-9708-019B960494DF}">
-                <a14:hiddenLine xmlns:a14="http://schemas.microsoft.com/office/drawing/2010/main" xmlns="" w="9525">
+                <a14:hiddenLine xmlns="" xmlns:a14="http://schemas.microsoft.com/office/drawing/2010/main" w="9525">
                   <a:solidFill>
                     <a:srgbClr val="000000"/>
                   </a:solidFill>
@@ -3362,7 +3362,7 @@
             </a:ln>
             <a:extLst>
               <a:ext uri="{91240B29-F687-4f45-9708-019B960494DF}">
-                <a14:hiddenLine xmlns:a14="http://schemas.microsoft.com/office/drawing/2010/main" xmlns="" w="9525">
+                <a14:hiddenLine xmlns="" xmlns:a14="http://schemas.microsoft.com/office/drawing/2010/main" w="9525">
                   <a:solidFill>
                     <a:srgbClr val="000000"/>
                   </a:solidFill>
@@ -3424,7 +3424,7 @@
             </a:ln>
             <a:extLst>
               <a:ext uri="{91240B29-F687-4f45-9708-019B960494DF}">
-                <a14:hiddenLine xmlns:a14="http://schemas.microsoft.com/office/drawing/2010/main" xmlns="" w="9525">
+                <a14:hiddenLine xmlns="" xmlns:a14="http://schemas.microsoft.com/office/drawing/2010/main" w="9525">
                   <a:solidFill>
                     <a:srgbClr val="000000"/>
                   </a:solidFill>
@@ -3514,7 +3514,7 @@
             </a:ln>
             <a:extLst>
               <a:ext uri="{91240B29-F687-4f45-9708-019B960494DF}">
-                <a14:hiddenLine xmlns:a14="http://schemas.microsoft.com/office/drawing/2010/main" xmlns="" w="9525">
+                <a14:hiddenLine xmlns="" xmlns:a14="http://schemas.microsoft.com/office/drawing/2010/main" w="9525">
                   <a:solidFill>
                     <a:srgbClr val="000000"/>
                   </a:solidFill>
@@ -3604,7 +3604,7 @@
             </a:ln>
             <a:extLst>
               <a:ext uri="{91240B29-F687-4f45-9708-019B960494DF}">
-                <a14:hiddenLine xmlns:a14="http://schemas.microsoft.com/office/drawing/2010/main" xmlns="" w="9525">
+                <a14:hiddenLine xmlns="" xmlns:a14="http://schemas.microsoft.com/office/drawing/2010/main" w="9525">
                   <a:solidFill>
                     <a:srgbClr val="000000"/>
                   </a:solidFill>
@@ -3669,7 +3669,7 @@
             </a:ln>
             <a:extLst>
               <a:ext uri="{91240B29-F687-4f45-9708-019B960494DF}">
-                <a14:hiddenLine xmlns:a14="http://schemas.microsoft.com/office/drawing/2010/main" xmlns="" w="9525">
+                <a14:hiddenLine xmlns="" xmlns:a14="http://schemas.microsoft.com/office/drawing/2010/main" w="9525">
                   <a:solidFill>
                     <a:srgbClr val="000000"/>
                   </a:solidFill>
@@ -3731,7 +3731,7 @@
             </a:ln>
             <a:extLst>
               <a:ext uri="{91240B29-F687-4f45-9708-019B960494DF}">
-                <a14:hiddenLine xmlns:a14="http://schemas.microsoft.com/office/drawing/2010/main" xmlns="" w="9525">
+                <a14:hiddenLine xmlns="" xmlns:a14="http://schemas.microsoft.com/office/drawing/2010/main" w="9525">
                   <a:solidFill>
                     <a:srgbClr val="000000"/>
                   </a:solidFill>
@@ -3821,7 +3821,7 @@
             </a:ln>
             <a:extLst>
               <a:ext uri="{91240B29-F687-4f45-9708-019B960494DF}">
-                <a14:hiddenLine xmlns:a14="http://schemas.microsoft.com/office/drawing/2010/main" xmlns="" w="9525">
+                <a14:hiddenLine xmlns="" xmlns:a14="http://schemas.microsoft.com/office/drawing/2010/main" w="9525">
                   <a:solidFill>
                     <a:srgbClr val="000000"/>
                   </a:solidFill>
@@ -3911,7 +3911,7 @@
             </a:ln>
             <a:extLst>
               <a:ext uri="{91240B29-F687-4f45-9708-019B960494DF}">
-                <a14:hiddenLine xmlns:a14="http://schemas.microsoft.com/office/drawing/2010/main" xmlns="" w="9525">
+                <a14:hiddenLine xmlns="" xmlns:a14="http://schemas.microsoft.com/office/drawing/2010/main" w="9525">
                   <a:solidFill>
                     <a:srgbClr val="000000"/>
                   </a:solidFill>
@@ -3973,7 +3973,7 @@
             </a:ln>
             <a:extLst>
               <a:ext uri="{91240B29-F687-4f45-9708-019B960494DF}">
-                <a14:hiddenLine xmlns:a14="http://schemas.microsoft.com/office/drawing/2010/main" xmlns="" w="9525">
+                <a14:hiddenLine xmlns="" xmlns:a14="http://schemas.microsoft.com/office/drawing/2010/main" w="9525">
                   <a:solidFill>
                     <a:srgbClr val="000000"/>
                   </a:solidFill>
@@ -4093,7 +4093,7 @@
             </a:ln>
             <a:extLst>
               <a:ext uri="{91240B29-F687-4f45-9708-019B960494DF}">
-                <a14:hiddenLine xmlns:a14="http://schemas.microsoft.com/office/drawing/2010/main" xmlns="" w="9525">
+                <a14:hiddenLine xmlns="" xmlns:a14="http://schemas.microsoft.com/office/drawing/2010/main" w="9525">
                   <a:solidFill>
                     <a:srgbClr val="000000"/>
                   </a:solidFill>
@@ -4161,7 +4161,7 @@
             </a:ln>
             <a:extLst>
               <a:ext uri="{91240B29-F687-4f45-9708-019B960494DF}">
-                <a14:hiddenLine xmlns:a14="http://schemas.microsoft.com/office/drawing/2010/main" xmlns="" w="9525">
+                <a14:hiddenLine xmlns="" xmlns:a14="http://schemas.microsoft.com/office/drawing/2010/main" w="9525">
                   <a:solidFill>
                     <a:srgbClr val="000000"/>
                   </a:solidFill>
@@ -4251,7 +4251,7 @@
             </a:ln>
             <a:extLst>
               <a:ext uri="{91240B29-F687-4f45-9708-019B960494DF}">
-                <a14:hiddenLine xmlns:a14="http://schemas.microsoft.com/office/drawing/2010/main" xmlns="" w="9525">
+                <a14:hiddenLine xmlns="" xmlns:a14="http://schemas.microsoft.com/office/drawing/2010/main" w="9525">
                   <a:solidFill>
                     <a:srgbClr val="000000"/>
                   </a:solidFill>
@@ -8736,7 +8736,7 @@
           <a:noFill/>
           <a:extLst>
             <a:ext uri="{909E8E84-426E-40dd-AFC4-6F175D3DCCD1}">
-              <a14:hiddenFill xmlns:a14="http://schemas.microsoft.com/office/drawing/2010/main" xmlns="">
+              <a14:hiddenFill xmlns="" xmlns:a14="http://schemas.microsoft.com/office/drawing/2010/main">
                 <a:solidFill>
                   <a:srgbClr val="FFFFFF"/>
                 </a:solidFill>
@@ -8810,7 +8810,7 @@
               </a:ln>
               <a:extLst>
                 <a:ext uri="{91240B29-F687-4f45-9708-019B960494DF}">
-                  <a14:hiddenLine xmlns:a14="http://schemas.microsoft.com/office/drawing/2010/main" xmlns="" w="9525">
+                  <a14:hiddenLine xmlns="" xmlns:a14="http://schemas.microsoft.com/office/drawing/2010/main" w="9525">
                     <a:solidFill>
                       <a:srgbClr val="000000"/>
                     </a:solidFill>
@@ -8900,7 +8900,7 @@
               </a:ln>
               <a:extLst>
                 <a:ext uri="{91240B29-F687-4f45-9708-019B960494DF}">
-                  <a14:hiddenLine xmlns:a14="http://schemas.microsoft.com/office/drawing/2010/main" xmlns="" w="9525">
+                  <a14:hiddenLine xmlns="" xmlns:a14="http://schemas.microsoft.com/office/drawing/2010/main" w="9525">
                     <a:solidFill>
                       <a:srgbClr val="000000"/>
                     </a:solidFill>
@@ -8990,7 +8990,7 @@
               </a:ln>
               <a:extLst>
                 <a:ext uri="{91240B29-F687-4f45-9708-019B960494DF}">
-                  <a14:hiddenLine xmlns:a14="http://schemas.microsoft.com/office/drawing/2010/main" xmlns="" w="9525">
+                  <a14:hiddenLine xmlns="" xmlns:a14="http://schemas.microsoft.com/office/drawing/2010/main" w="9525">
                     <a:solidFill>
                       <a:srgbClr val="000000"/>
                     </a:solidFill>
@@ -9052,7 +9052,7 @@
               </a:ln>
               <a:extLst>
                 <a:ext uri="{91240B29-F687-4f45-9708-019B960494DF}">
-                  <a14:hiddenLine xmlns:a14="http://schemas.microsoft.com/office/drawing/2010/main" xmlns="" w="9525">
+                  <a14:hiddenLine xmlns="" xmlns:a14="http://schemas.microsoft.com/office/drawing/2010/main" w="9525">
                     <a:solidFill>
                       <a:srgbClr val="000000"/>
                     </a:solidFill>
@@ -9142,7 +9142,7 @@
               </a:ln>
               <a:extLst>
                 <a:ext uri="{91240B29-F687-4f45-9708-019B960494DF}">
-                  <a14:hiddenLine xmlns:a14="http://schemas.microsoft.com/office/drawing/2010/main" xmlns="" w="9525">
+                  <a14:hiddenLine xmlns="" xmlns:a14="http://schemas.microsoft.com/office/drawing/2010/main" w="9525">
                     <a:solidFill>
                       <a:srgbClr val="000000"/>
                     </a:solidFill>
@@ -9204,7 +9204,7 @@
               </a:ln>
               <a:extLst>
                 <a:ext uri="{91240B29-F687-4f45-9708-019B960494DF}">
-                  <a14:hiddenLine xmlns:a14="http://schemas.microsoft.com/office/drawing/2010/main" xmlns="" w="9525">
+                  <a14:hiddenLine xmlns="" xmlns:a14="http://schemas.microsoft.com/office/drawing/2010/main" w="9525">
                     <a:solidFill>
                       <a:srgbClr val="000000"/>
                     </a:solidFill>
@@ -9266,7 +9266,7 @@
               </a:ln>
               <a:extLst>
                 <a:ext uri="{91240B29-F687-4f45-9708-019B960494DF}">
-                  <a14:hiddenLine xmlns:a14="http://schemas.microsoft.com/office/drawing/2010/main" xmlns="" w="9525">
+                  <a14:hiddenLine xmlns="" xmlns:a14="http://schemas.microsoft.com/office/drawing/2010/main" w="9525">
                     <a:solidFill>
                       <a:srgbClr val="000000"/>
                     </a:solidFill>
@@ -9356,7 +9356,7 @@
               </a:ln>
               <a:extLst>
                 <a:ext uri="{91240B29-F687-4f45-9708-019B960494DF}">
-                  <a14:hiddenLine xmlns:a14="http://schemas.microsoft.com/office/drawing/2010/main" xmlns="" w="9525">
+                  <a14:hiddenLine xmlns="" xmlns:a14="http://schemas.microsoft.com/office/drawing/2010/main" w="9525">
                     <a:solidFill>
                       <a:srgbClr val="000000"/>
                     </a:solidFill>
@@ -9446,7 +9446,7 @@
               </a:ln>
               <a:extLst>
                 <a:ext uri="{91240B29-F687-4f45-9708-019B960494DF}">
-                  <a14:hiddenLine xmlns:a14="http://schemas.microsoft.com/office/drawing/2010/main" xmlns="" w="9525">
+                  <a14:hiddenLine xmlns="" xmlns:a14="http://schemas.microsoft.com/office/drawing/2010/main" w="9525">
                     <a:solidFill>
                       <a:srgbClr val="000000"/>
                     </a:solidFill>
@@ -9508,7 +9508,7 @@
               </a:ln>
               <a:extLst>
                 <a:ext uri="{91240B29-F687-4f45-9708-019B960494DF}">
-                  <a14:hiddenLine xmlns:a14="http://schemas.microsoft.com/office/drawing/2010/main" xmlns="" w="9525">
+                  <a14:hiddenLine xmlns="" xmlns:a14="http://schemas.microsoft.com/office/drawing/2010/main" w="9525">
                     <a:solidFill>
                       <a:srgbClr val="000000"/>
                     </a:solidFill>
@@ -9618,7 +9618,7 @@
               </a:ln>
               <a:extLst>
                 <a:ext uri="{91240B29-F687-4f45-9708-019B960494DF}">
-                  <a14:hiddenLine xmlns:a14="http://schemas.microsoft.com/office/drawing/2010/main" xmlns="" w="9525">
+                  <a14:hiddenLine xmlns="" xmlns:a14="http://schemas.microsoft.com/office/drawing/2010/main" w="9525">
                     <a:solidFill>
                       <a:srgbClr val="000000"/>
                     </a:solidFill>
@@ -9702,7 +9702,7 @@
               </a:ln>
               <a:extLst>
                 <a:ext uri="{91240B29-F687-4f45-9708-019B960494DF}">
-                  <a14:hiddenLine xmlns:a14="http://schemas.microsoft.com/office/drawing/2010/main" xmlns="" w="9525">
+                  <a14:hiddenLine xmlns="" xmlns:a14="http://schemas.microsoft.com/office/drawing/2010/main" w="9525">
                     <a:solidFill>
                       <a:srgbClr val="000000"/>
                     </a:solidFill>
@@ -9764,7 +9764,7 @@
               </a:ln>
               <a:extLst>
                 <a:ext uri="{91240B29-F687-4f45-9708-019B960494DF}">
-                  <a14:hiddenLine xmlns:a14="http://schemas.microsoft.com/office/drawing/2010/main" xmlns="" w="9525">
+                  <a14:hiddenLine xmlns="" xmlns:a14="http://schemas.microsoft.com/office/drawing/2010/main" w="9525">
                     <a:solidFill>
                       <a:srgbClr val="000000"/>
                     </a:solidFill>
@@ -9826,7 +9826,7 @@
               </a:ln>
               <a:extLst>
                 <a:ext uri="{91240B29-F687-4f45-9708-019B960494DF}">
-                  <a14:hiddenLine xmlns:a14="http://schemas.microsoft.com/office/drawing/2010/main" xmlns="" w="9525">
+                  <a14:hiddenLine xmlns="" xmlns:a14="http://schemas.microsoft.com/office/drawing/2010/main" w="9525">
                     <a:solidFill>
                       <a:srgbClr val="000000"/>
                     </a:solidFill>
@@ -9916,7 +9916,7 @@
               </a:ln>
               <a:extLst>
                 <a:ext uri="{91240B29-F687-4f45-9708-019B960494DF}">
-                  <a14:hiddenLine xmlns:a14="http://schemas.microsoft.com/office/drawing/2010/main" xmlns="" w="9525">
+                  <a14:hiddenLine xmlns="" xmlns:a14="http://schemas.microsoft.com/office/drawing/2010/main" w="9525">
                     <a:solidFill>
                       <a:srgbClr val="000000"/>
                     </a:solidFill>
@@ -9950,7 +9950,7 @@
               </a:ln>
               <a:extLst>
                 <a:ext uri="{91240B29-F687-4f45-9708-019B960494DF}">
-                  <a14:hiddenLine xmlns:a14="http://schemas.microsoft.com/office/drawing/2010/main" xmlns="" w="9525">
+                  <a14:hiddenLine xmlns="" xmlns:a14="http://schemas.microsoft.com/office/drawing/2010/main" w="9525">
                     <a:solidFill>
                       <a:srgbClr val="000000"/>
                     </a:solidFill>
@@ -10015,7 +10015,7 @@
               </a:ln>
               <a:extLst>
                 <a:ext uri="{91240B29-F687-4f45-9708-019B960494DF}">
-                  <a14:hiddenLine xmlns:a14="http://schemas.microsoft.com/office/drawing/2010/main" xmlns="" w="9525">
+                  <a14:hiddenLine xmlns="" xmlns:a14="http://schemas.microsoft.com/office/drawing/2010/main" w="9525">
                     <a:solidFill>
                       <a:srgbClr val="000000"/>
                     </a:solidFill>
@@ -10105,7 +10105,7 @@
               </a:ln>
               <a:extLst>
                 <a:ext uri="{91240B29-F687-4f45-9708-019B960494DF}">
-                  <a14:hiddenLine xmlns:a14="http://schemas.microsoft.com/office/drawing/2010/main" xmlns="" w="9525">
+                  <a14:hiddenLine xmlns="" xmlns:a14="http://schemas.microsoft.com/office/drawing/2010/main" w="9525">
                     <a:solidFill>
                       <a:srgbClr val="000000"/>
                     </a:solidFill>
@@ -10167,7 +10167,7 @@
               </a:ln>
               <a:extLst>
                 <a:ext uri="{91240B29-F687-4f45-9708-019B960494DF}">
-                  <a14:hiddenLine xmlns:a14="http://schemas.microsoft.com/office/drawing/2010/main" xmlns="" w="9525">
+                  <a14:hiddenLine xmlns="" xmlns:a14="http://schemas.microsoft.com/office/drawing/2010/main" w="9525">
                     <a:solidFill>
                       <a:srgbClr val="000000"/>
                     </a:solidFill>
@@ -10257,7 +10257,7 @@
               </a:ln>
               <a:extLst>
                 <a:ext uri="{91240B29-F687-4f45-9708-019B960494DF}">
-                  <a14:hiddenLine xmlns:a14="http://schemas.microsoft.com/office/drawing/2010/main" xmlns="" w="9525">
+                  <a14:hiddenLine xmlns="" xmlns:a14="http://schemas.microsoft.com/office/drawing/2010/main" w="9525">
                     <a:solidFill>
                       <a:srgbClr val="000000"/>
                     </a:solidFill>
@@ -10322,7 +10322,7 @@
               </a:ln>
               <a:extLst>
                 <a:ext uri="{91240B29-F687-4f45-9708-019B960494DF}">
-                  <a14:hiddenLine xmlns:a14="http://schemas.microsoft.com/office/drawing/2010/main" xmlns="" w="9525">
+                  <a14:hiddenLine xmlns="" xmlns:a14="http://schemas.microsoft.com/office/drawing/2010/main" w="9525">
                     <a:solidFill>
                       <a:srgbClr val="000000"/>
                     </a:solidFill>
@@ -10384,7 +10384,7 @@
               </a:ln>
               <a:extLst>
                 <a:ext uri="{91240B29-F687-4f45-9708-019B960494DF}">
-                  <a14:hiddenLine xmlns:a14="http://schemas.microsoft.com/office/drawing/2010/main" xmlns="" w="9525">
+                  <a14:hiddenLine xmlns="" xmlns:a14="http://schemas.microsoft.com/office/drawing/2010/main" w="9525">
                     <a:solidFill>
                       <a:srgbClr val="000000"/>
                     </a:solidFill>
@@ -10474,7 +10474,7 @@
               </a:ln>
               <a:extLst>
                 <a:ext uri="{91240B29-F687-4f45-9708-019B960494DF}">
-                  <a14:hiddenLine xmlns:a14="http://schemas.microsoft.com/office/drawing/2010/main" xmlns="" w="9525">
+                  <a14:hiddenLine xmlns="" xmlns:a14="http://schemas.microsoft.com/office/drawing/2010/main" w="9525">
                     <a:solidFill>
                       <a:srgbClr val="000000"/>
                     </a:solidFill>
@@ -10564,7 +10564,7 @@
               </a:ln>
               <a:extLst>
                 <a:ext uri="{91240B29-F687-4f45-9708-019B960494DF}">
-                  <a14:hiddenLine xmlns:a14="http://schemas.microsoft.com/office/drawing/2010/main" xmlns="" w="9525">
+                  <a14:hiddenLine xmlns="" xmlns:a14="http://schemas.microsoft.com/office/drawing/2010/main" w="9525">
                     <a:solidFill>
                       <a:srgbClr val="000000"/>
                     </a:solidFill>
@@ -10629,7 +10629,7 @@
               </a:ln>
               <a:extLst>
                 <a:ext uri="{91240B29-F687-4f45-9708-019B960494DF}">
-                  <a14:hiddenLine xmlns:a14="http://schemas.microsoft.com/office/drawing/2010/main" xmlns="" w="9525">
+                  <a14:hiddenLine xmlns="" xmlns:a14="http://schemas.microsoft.com/office/drawing/2010/main" w="9525">
                     <a:solidFill>
                       <a:srgbClr val="000000"/>
                     </a:solidFill>
@@ -10749,7 +10749,7 @@
               </a:ln>
               <a:extLst>
                 <a:ext uri="{91240B29-F687-4f45-9708-019B960494DF}">
-                  <a14:hiddenLine xmlns:a14="http://schemas.microsoft.com/office/drawing/2010/main" xmlns="" w="9525">
+                  <a14:hiddenLine xmlns="" xmlns:a14="http://schemas.microsoft.com/office/drawing/2010/main" w="9525">
                     <a:solidFill>
                       <a:srgbClr val="000000"/>
                     </a:solidFill>
@@ -10847,7 +10847,7 @@
               </a:ln>
               <a:extLst>
                 <a:ext uri="{91240B29-F687-4f45-9708-019B960494DF}">
-                  <a14:hiddenLine xmlns:a14="http://schemas.microsoft.com/office/drawing/2010/main" xmlns="" w="9525">
+                  <a14:hiddenLine xmlns="" xmlns:a14="http://schemas.microsoft.com/office/drawing/2010/main" w="9525">
                     <a:solidFill>
                       <a:srgbClr val="000000"/>
                     </a:solidFill>
@@ -10962,7 +10962,7 @@
               </a:ln>
               <a:extLst>
                 <a:ext uri="{91240B29-F687-4f45-9708-019B960494DF}">
-                  <a14:hiddenLine xmlns:a14="http://schemas.microsoft.com/office/drawing/2010/main" xmlns="" w="9525">
+                  <a14:hiddenLine xmlns="" xmlns:a14="http://schemas.microsoft.com/office/drawing/2010/main" w="9525">
                     <a:solidFill>
                       <a:srgbClr val="000000"/>
                     </a:solidFill>
@@ -11052,7 +11052,7 @@
               </a:ln>
               <a:extLst>
                 <a:ext uri="{91240B29-F687-4f45-9708-019B960494DF}">
-                  <a14:hiddenLine xmlns:a14="http://schemas.microsoft.com/office/drawing/2010/main" xmlns="" w="9525">
+                  <a14:hiddenLine xmlns="" xmlns:a14="http://schemas.microsoft.com/office/drawing/2010/main" w="9525">
                     <a:solidFill>
                       <a:srgbClr val="000000"/>
                     </a:solidFill>
@@ -11117,7 +11117,7 @@
               </a:ln>
               <a:extLst>
                 <a:ext uri="{91240B29-F687-4f45-9708-019B960494DF}">
-                  <a14:hiddenLine xmlns:a14="http://schemas.microsoft.com/office/drawing/2010/main" xmlns="" w="9525">
+                  <a14:hiddenLine xmlns="" xmlns:a14="http://schemas.microsoft.com/office/drawing/2010/main" w="9525">
                     <a:solidFill>
                       <a:srgbClr val="000000"/>
                     </a:solidFill>
@@ -11207,7 +11207,7 @@
               </a:ln>
               <a:extLst>
                 <a:ext uri="{91240B29-F687-4f45-9708-019B960494DF}">
-                  <a14:hiddenLine xmlns:a14="http://schemas.microsoft.com/office/drawing/2010/main" xmlns="" w="9525">
+                  <a14:hiddenLine xmlns="" xmlns:a14="http://schemas.microsoft.com/office/drawing/2010/main" w="9525">
                     <a:solidFill>
                       <a:srgbClr val="000000"/>
                     </a:solidFill>
@@ -11275,7 +11275,7 @@
               </a:ln>
               <a:extLst>
                 <a:ext uri="{91240B29-F687-4f45-9708-019B960494DF}">
-                  <a14:hiddenLine xmlns:a14="http://schemas.microsoft.com/office/drawing/2010/main" xmlns="" w="9525">
+                  <a14:hiddenLine xmlns="" xmlns:a14="http://schemas.microsoft.com/office/drawing/2010/main" w="9525">
                     <a:solidFill>
                       <a:srgbClr val="000000"/>
                     </a:solidFill>
@@ -11365,7 +11365,7 @@
               </a:ln>
               <a:extLst>
                 <a:ext uri="{91240B29-F687-4f45-9708-019B960494DF}">
-                  <a14:hiddenLine xmlns:a14="http://schemas.microsoft.com/office/drawing/2010/main" xmlns="" w="9525">
+                  <a14:hiddenLine xmlns="" xmlns:a14="http://schemas.microsoft.com/office/drawing/2010/main" w="9525">
                     <a:solidFill>
                       <a:srgbClr val="000000"/>
                     </a:solidFill>
@@ -11433,7 +11433,7 @@
               </a:ln>
               <a:extLst>
                 <a:ext uri="{91240B29-F687-4f45-9708-019B960494DF}">
-                  <a14:hiddenLine xmlns:a14="http://schemas.microsoft.com/office/drawing/2010/main" xmlns="" w="9525">
+                  <a14:hiddenLine xmlns="" xmlns:a14="http://schemas.microsoft.com/office/drawing/2010/main" w="9525">
                     <a:solidFill>
                       <a:srgbClr val="000000"/>
                     </a:solidFill>
@@ -11523,7 +11523,7 @@
               </a:ln>
               <a:extLst>
                 <a:ext uri="{91240B29-F687-4f45-9708-019B960494DF}">
-                  <a14:hiddenLine xmlns:a14="http://schemas.microsoft.com/office/drawing/2010/main" xmlns="" w="9525">
+                  <a14:hiddenLine xmlns="" xmlns:a14="http://schemas.microsoft.com/office/drawing/2010/main" w="9525">
                     <a:solidFill>
                       <a:srgbClr val="000000"/>
                     </a:solidFill>
@@ -11557,7 +11557,7 @@
               </a:ln>
               <a:extLst>
                 <a:ext uri="{91240B29-F687-4f45-9708-019B960494DF}">
-                  <a14:hiddenLine xmlns:a14="http://schemas.microsoft.com/office/drawing/2010/main" xmlns="" w="9525">
+                  <a14:hiddenLine xmlns="" xmlns:a14="http://schemas.microsoft.com/office/drawing/2010/main" w="9525">
                     <a:solidFill>
                       <a:srgbClr val="000000"/>
                     </a:solidFill>
@@ -12213,7 +12213,7 @@
         </p:spPr>
         <p:txBody>
           <a:bodyPr>
-            <a:normAutofit fontScale="92500" lnSpcReduction="20000"/>
+            <a:normAutofit fontScale="70000" lnSpcReduction="20000"/>
           </a:bodyPr>
           <a:lstStyle/>
           <a:p>
@@ -12246,7 +12246,7 @@
                   <a:srgbClr val="002060"/>
                 </a:solidFill>
               </a:rPr>
-              <a:t>Transfer ‘build_all.sh’ to the home directory</a:t>
+              <a:t>scp ‘build_all.sh’ to the home directory</a:t>
             </a:r>
           </a:p>
           <a:p>
@@ -12256,7 +12256,17 @@
                   <a:srgbClr val="002060"/>
                 </a:solidFill>
               </a:rPr>
-              <a:t>Execute it as ‘sudo ./build_all.sh’</a:t>
+              <a:t>chmod 755 build_all.sh</a:t>
+            </a:r>
+          </a:p>
+          <a:p>
+            <a:r>
+              <a:rPr lang="en-US">
+                <a:solidFill>
+                  <a:srgbClr val="002060"/>
+                </a:solidFill>
+              </a:rPr>
+              <a:t>sudo ./build_all.sh</a:t>
             </a:r>
           </a:p>
           <a:p>
@@ -12303,7 +12313,24 @@
                   <a:srgbClr val="002060"/>
                 </a:solidFill>
               </a:rPr>
-              <a:t>It will take 6 minutes to run through this demo. If too fast or too slow, then open the editable file and manually run the slideshow.</a:t>
+              <a:t>It will take 6 minutes to run through this demo. If too fast or too slow, then open the editable </a:t>
+            </a:r>
+            <a:r>
+              <a:rPr lang="en-AU">
+                <a:solidFill>
+                  <a:srgbClr val="002060"/>
+                </a:solidFill>
+                <a:hlinkClick r:id="rId3"/>
+              </a:rPr>
+              <a:t>*.pptx</a:t>
+            </a:r>
+            <a:r>
+              <a:rPr lang="en-AU">
+                <a:solidFill>
+                  <a:srgbClr val="002060"/>
+                </a:solidFill>
+              </a:rPr>
+              <a:t> file and manually run the slideshow.</a:t>
             </a:r>
           </a:p>
           <a:p>
@@ -12329,7 +12356,7 @@
                 <a:solidFill>
                   <a:srgbClr val="002060"/>
                 </a:solidFill>
-                <a:hlinkClick r:id="rId3"/>
+                <a:hlinkClick r:id="rId4"/>
               </a:rPr>
               <a:t>README</a:t>
             </a:r>
@@ -12363,7 +12390,7 @@
         </p:nvSpPr>
         <p:spPr>
           <a:xfrm>
-            <a:off x="1965011" y="3280653"/>
+            <a:off x="1965011" y="3334443"/>
             <a:ext cx="5642421" cy="461665"/>
           </a:xfrm>
           <a:prstGeom prst="rect">
@@ -12382,6 +12409,13 @@
                 <a:solidFill>
                   <a:srgbClr val="FFFF00"/>
                 </a:solidFill>
+                <a:effectLst>
+                  <a:outerShdw blurRad="38100" dist="38100" dir="2700000" algn="tl">
+                    <a:srgbClr val="000000">
+                      <a:alpha val="43137"/>
+                    </a:srgbClr>
+                  </a:outerShdw>
+                </a:effectLst>
               </a:rPr>
               <a:t>Slide show will begin in 5 seconds !</a:t>
             </a:r>
@@ -12389,6 +12423,13 @@
               <a:solidFill>
                 <a:srgbClr val="FFFF00"/>
               </a:solidFill>
+              <a:effectLst>
+                <a:outerShdw blurRad="38100" dist="38100" dir="2700000" algn="tl">
+                  <a:srgbClr val="000000">
+                    <a:alpha val="43137"/>
+                  </a:srgbClr>
+                </a:outerShdw>
+              </a:effectLst>
             </a:endParaRPr>
           </a:p>
         </p:txBody>
@@ -12485,12 +12526,12 @@
   <p:clrMapOvr>
     <a:masterClrMapping/>
   </p:clrMapOvr>
-  <mc:AlternateContent xmlns:mc="http://schemas.openxmlformats.org/markup-compatibility/2006" xmlns:p14="http://schemas.microsoft.com/office/powerpoint/2010/main">
-    <mc:Choice Requires="p14">
-      <p:transition spd="slow" p14:dur="2000" advTm="8793"/>
+  <mc:AlternateContent xmlns:mc="http://schemas.openxmlformats.org/markup-compatibility/2006">
+    <mc:Choice xmlns:p14="http://schemas.microsoft.com/office/powerpoint/2010/main" Requires="p14">
+      <p:transition spd="slow" p14:dur="2000" advTm="16020"/>
     </mc:Choice>
-    <mc:Fallback xmlns="">
-      <p:transition spd="slow" advTm="8793"/>
+    <mc:Fallback>
+      <p:transition spd="slow" advTm="16020"/>
     </mc:Fallback>
   </mc:AlternateContent>
   <p:timing>
@@ -12516,7 +12557,7 @@
                               <p:par>
                                 <p:cTn id="5" presetID="10" presetClass="entr" presetSubtype="0" fill="hold" grpId="0" nodeType="clickEffect">
                                   <p:stCondLst>
-                                    <p:cond delay="500"/>
+                                    <p:cond delay="1000"/>
                                   </p:stCondLst>
                                   <p:childTnLst>
                                     <p:set>
@@ -12569,7 +12610,7 @@
                               <p:par>
                                 <p:cTn id="10" presetID="10" presetClass="entr" presetSubtype="0" fill="hold" grpId="0" nodeType="clickEffect">
                                   <p:stCondLst>
-                                    <p:cond delay="250"/>
+                                    <p:cond delay="1000"/>
                                   </p:stCondLst>
                                   <p:childTnLst>
                                     <p:set>
@@ -12655,81 +12696,6 @@
       </p:grpSpPr>
       <p:sp>
         <p:nvSpPr>
-          <p:cNvPr id="12" name="Arrow: Up 11">
-            <a:extLst>
-              <a:ext uri="{FF2B5EF4-FFF2-40B4-BE49-F238E27FC236}">
-                <a16:creationId xmlns:a16="http://schemas.microsoft.com/office/drawing/2014/main" id="{19BD7803-475D-4C06-ADEA-6422017967DC}"/>
-              </a:ext>
-            </a:extLst>
-          </p:cNvPr>
-          <p:cNvSpPr/>
-          <p:nvPr/>
-        </p:nvSpPr>
-        <p:spPr>
-          <a:xfrm rot="5400000">
-            <a:off x="2675241" y="1825255"/>
-            <a:ext cx="220640" cy="205048"/>
-          </a:xfrm>
-          <a:prstGeom prst="upArrow">
-            <a:avLst/>
-          </a:prstGeom>
-          <a:gradFill flip="none" rotWithShape="1">
-            <a:gsLst>
-              <a:gs pos="0">
-                <a:schemeClr val="accent2">
-                  <a:shade val="30000"/>
-                  <a:satMod val="115000"/>
-                </a:schemeClr>
-              </a:gs>
-              <a:gs pos="50000">
-                <a:schemeClr val="accent2">
-                  <a:shade val="67500"/>
-                  <a:satMod val="115000"/>
-                </a:schemeClr>
-              </a:gs>
-              <a:gs pos="100000">
-                <a:schemeClr val="accent2">
-                  <a:shade val="100000"/>
-                  <a:satMod val="115000"/>
-                </a:schemeClr>
-              </a:gs>
-            </a:gsLst>
-            <a:lin ang="16200000" scaled="1"/>
-            <a:tileRect/>
-          </a:gradFill>
-          <a:ln>
-            <a:solidFill>
-              <a:schemeClr val="accent2"/>
-            </a:solidFill>
-          </a:ln>
-        </p:spPr>
-        <p:style>
-          <a:lnRef idx="2">
-            <a:schemeClr val="accent1">
-              <a:shade val="50000"/>
-            </a:schemeClr>
-          </a:lnRef>
-          <a:fillRef idx="1">
-            <a:schemeClr val="accent1"/>
-          </a:fillRef>
-          <a:effectRef idx="0">
-            <a:schemeClr val="accent1"/>
-          </a:effectRef>
-          <a:fontRef idx="minor">
-            <a:schemeClr val="lt1"/>
-          </a:fontRef>
-        </p:style>
-        <p:txBody>
-          <a:bodyPr rtlCol="0" anchor="ctr"/>
-          <a:lstStyle/>
-          <a:p>
-            <a:pPr algn="ctr"/>
-            <a:endParaRPr lang="en-GB"/>
-          </a:p>
-        </p:txBody>
-      </p:sp>
-      <p:sp>
-        <p:nvSpPr>
           <p:cNvPr id="24" name="Arrow: Up 23">
             <a:extLst>
               <a:ext uri="{FF2B5EF4-FFF2-40B4-BE49-F238E27FC236}">
@@ -12742,7 +12708,7 @@
         </p:nvSpPr>
         <p:spPr>
           <a:xfrm rot="10800000">
-            <a:off x="7746802" y="4654464"/>
+            <a:off x="7746802" y="5138559"/>
             <a:ext cx="220640" cy="205048"/>
           </a:xfrm>
           <a:prstGeom prst="upArrow">
@@ -12817,14 +12783,14 @@
         </p:nvSpPr>
         <p:spPr>
           <a:xfrm>
-            <a:off x="7674501" y="4597407"/>
+            <a:off x="7674501" y="5081502"/>
             <a:ext cx="580106" cy="300947"/>
           </a:xfrm>
           <a:prstGeom prst="rect">
             <a:avLst/>
           </a:prstGeom>
           <a:solidFill>
-            <a:srgbClr val="3D8AA6"/>
+            <a:srgbClr val="317090"/>
           </a:solidFill>
           <a:ln>
             <a:noFill/>
@@ -12869,7 +12835,7 @@
         </p:nvSpPr>
         <p:spPr>
           <a:xfrm rot="10800000">
-            <a:off x="7739006" y="3613641"/>
+            <a:off x="7739006" y="4097736"/>
             <a:ext cx="220640" cy="205048"/>
           </a:xfrm>
           <a:prstGeom prst="upArrow">
@@ -12944,14 +12910,14 @@
         </p:nvSpPr>
         <p:spPr>
           <a:xfrm>
-            <a:off x="7683740" y="3548204"/>
+            <a:off x="7683740" y="4032299"/>
             <a:ext cx="580106" cy="300947"/>
           </a:xfrm>
           <a:prstGeom prst="rect">
             <a:avLst/>
           </a:prstGeom>
           <a:solidFill>
-            <a:srgbClr val="51B0C8"/>
+            <a:srgbClr val="49A1BB"/>
           </a:solidFill>
           <a:ln>
             <a:noFill/>
@@ -12996,7 +12962,7 @@
         </p:nvSpPr>
         <p:spPr>
           <a:xfrm rot="10800000">
-            <a:off x="7739006" y="2875485"/>
+            <a:off x="7739006" y="3359580"/>
             <a:ext cx="220640" cy="205048"/>
           </a:xfrm>
           <a:prstGeom prst="upArrow">
@@ -13071,14 +13037,14 @@
         </p:nvSpPr>
         <p:spPr>
           <a:xfrm>
-            <a:off x="7683740" y="2798440"/>
+            <a:off x="7683740" y="3282535"/>
             <a:ext cx="580106" cy="300947"/>
           </a:xfrm>
           <a:prstGeom prst="rect">
             <a:avLst/>
           </a:prstGeom>
           <a:solidFill>
-            <a:srgbClr val="5ABFD4"/>
+            <a:srgbClr val="55B8CE"/>
           </a:solidFill>
           <a:ln>
             <a:noFill/>
@@ -13123,7 +13089,7 @@
         </p:nvSpPr>
         <p:spPr>
           <a:xfrm rot="5400000">
-            <a:off x="6928301" y="1820944"/>
+            <a:off x="6928301" y="2305039"/>
             <a:ext cx="220640" cy="205048"/>
           </a:xfrm>
           <a:prstGeom prst="upArrow">
@@ -13198,14 +13164,14 @@
         </p:nvSpPr>
         <p:spPr>
           <a:xfrm>
-            <a:off x="6788523" y="1789403"/>
+            <a:off x="6788523" y="2273498"/>
             <a:ext cx="580106" cy="300947"/>
           </a:xfrm>
           <a:prstGeom prst="rect">
             <a:avLst/>
           </a:prstGeom>
           <a:solidFill>
-            <a:srgbClr val="5FC8DD"/>
+            <a:srgbClr val="60C4D9"/>
           </a:solidFill>
           <a:ln>
             <a:noFill/>
@@ -13250,7 +13216,7 @@
         </p:nvSpPr>
         <p:spPr>
           <a:xfrm rot="5400000">
-            <a:off x="4198444" y="1862963"/>
+            <a:off x="4198444" y="2347058"/>
             <a:ext cx="220640" cy="205048"/>
           </a:xfrm>
           <a:prstGeom prst="upArrow">
@@ -13325,17 +13291,92 @@
         </p:nvSpPr>
         <p:spPr>
           <a:xfrm>
-            <a:off x="3946684" y="1819369"/>
-            <a:ext cx="580106" cy="300947"/>
+            <a:off x="4034732" y="2303464"/>
+            <a:ext cx="479426" cy="300947"/>
           </a:xfrm>
           <a:prstGeom prst="rect">
             <a:avLst/>
           </a:prstGeom>
           <a:solidFill>
-            <a:srgbClr val="5FC8DD"/>
+            <a:srgbClr val="5FC7DA"/>
           </a:solidFill>
           <a:ln>
             <a:noFill/>
+          </a:ln>
+        </p:spPr>
+        <p:style>
+          <a:lnRef idx="2">
+            <a:schemeClr val="accent1">
+              <a:shade val="50000"/>
+            </a:schemeClr>
+          </a:lnRef>
+          <a:fillRef idx="1">
+            <a:schemeClr val="accent1"/>
+          </a:fillRef>
+          <a:effectRef idx="0">
+            <a:schemeClr val="accent1"/>
+          </a:effectRef>
+          <a:fontRef idx="minor">
+            <a:schemeClr val="lt1"/>
+          </a:fontRef>
+        </p:style>
+        <p:txBody>
+          <a:bodyPr rtlCol="0" anchor="ctr"/>
+          <a:lstStyle/>
+          <a:p>
+            <a:pPr algn="ctr"/>
+            <a:endParaRPr lang="en-GB"/>
+          </a:p>
+        </p:txBody>
+      </p:sp>
+      <p:sp>
+        <p:nvSpPr>
+          <p:cNvPr id="12" name="Arrow: Up 11">
+            <a:extLst>
+              <a:ext uri="{FF2B5EF4-FFF2-40B4-BE49-F238E27FC236}">
+                <a16:creationId xmlns:a16="http://schemas.microsoft.com/office/drawing/2014/main" id="{19BD7803-475D-4C06-ADEA-6422017967DC}"/>
+              </a:ext>
+            </a:extLst>
+          </p:cNvPr>
+          <p:cNvSpPr/>
+          <p:nvPr/>
+        </p:nvSpPr>
+        <p:spPr>
+          <a:xfrm rot="5400000">
+            <a:off x="2675241" y="2309350"/>
+            <a:ext cx="220640" cy="205048"/>
+          </a:xfrm>
+          <a:prstGeom prst="upArrow">
+            <a:avLst/>
+          </a:prstGeom>
+          <a:gradFill flip="none" rotWithShape="1">
+            <a:gsLst>
+              <a:gs pos="0">
+                <a:schemeClr val="accent2">
+                  <a:shade val="30000"/>
+                  <a:satMod val="115000"/>
+                </a:schemeClr>
+              </a:gs>
+              <a:gs pos="50000">
+                <a:schemeClr val="accent2">
+                  <a:shade val="67500"/>
+                  <a:satMod val="115000"/>
+                </a:schemeClr>
+              </a:gs>
+              <a:gs pos="100000">
+                <a:schemeClr val="accent2">
+                  <a:shade val="100000"/>
+                  <a:satMod val="115000"/>
+                </a:schemeClr>
+              </a:gs>
+            </a:gsLst>
+            <a:lin ang="16200000" scaled="1"/>
+            <a:tileRect/>
+          </a:gradFill>
+          <a:ln>
+            <a:solidFill>
+              <a:schemeClr val="accent2"/>
+            </a:solidFill>
           </a:ln>
         </p:spPr>
         <p:style>
@@ -13504,7 +13545,7 @@
         </p:nvSpPr>
         <p:spPr>
           <a:xfrm>
-            <a:off x="1510338" y="1415534"/>
+            <a:off x="1510338" y="1899629"/>
             <a:ext cx="4100033" cy="307777"/>
           </a:xfrm>
           <a:prstGeom prst="rect">
@@ -13543,36 +13584,6 @@
           <p:nvPr/>
         </p:nvPicPr>
         <p:blipFill>
-          <a:blip r:embed="rId2"/>
-          <a:stretch>
-            <a:fillRect/>
-          </a:stretch>
-        </p:blipFill>
-        <p:spPr>
-          <a:xfrm>
-            <a:off x="1568789" y="1784866"/>
-            <a:ext cx="1523203" cy="1482942"/>
-          </a:xfrm>
-          <a:prstGeom prst="rect">
-            <a:avLst/>
-          </a:prstGeom>
-        </p:spPr>
-      </p:pic>
-      <p:pic>
-        <p:nvPicPr>
-          <p:cNvPr id="6" name="Picture 5">
-            <a:extLst>
-              <a:ext uri="{FF2B5EF4-FFF2-40B4-BE49-F238E27FC236}">
-                <a16:creationId xmlns:a16="http://schemas.microsoft.com/office/drawing/2014/main" id="{F7DBD0FC-9CBF-4637-8218-9040F8BBC45B}"/>
-              </a:ext>
-            </a:extLst>
-          </p:cNvPr>
-          <p:cNvPicPr>
-            <a:picLocks noChangeAspect="1"/>
-          </p:cNvPicPr>
-          <p:nvPr/>
-        </p:nvPicPr>
-        <p:blipFill>
           <a:blip r:embed="rId3"/>
           <a:stretch>
             <a:fillRect/>
@@ -13580,38 +13591,8 @@
         </p:blipFill>
         <p:spPr>
           <a:xfrm>
-            <a:off x="3327559" y="1784866"/>
-            <a:ext cx="1238250" cy="371475"/>
-          </a:xfrm>
-          <a:prstGeom prst="rect">
-            <a:avLst/>
-          </a:prstGeom>
-        </p:spPr>
-      </p:pic>
-      <p:pic>
-        <p:nvPicPr>
-          <p:cNvPr id="11" name="Picture 10">
-            <a:extLst>
-              <a:ext uri="{FF2B5EF4-FFF2-40B4-BE49-F238E27FC236}">
-                <a16:creationId xmlns:a16="http://schemas.microsoft.com/office/drawing/2014/main" id="{6088FC3F-7C10-43AC-ACBA-CC9DC972533B}"/>
-              </a:ext>
-            </a:extLst>
-          </p:cNvPr>
-          <p:cNvPicPr>
-            <a:picLocks noChangeAspect="1"/>
-          </p:cNvPicPr>
-          <p:nvPr/>
-        </p:nvPicPr>
-        <p:blipFill>
-          <a:blip r:embed="rId4"/>
-          <a:stretch>
-            <a:fillRect/>
-          </a:stretch>
-        </p:blipFill>
-        <p:spPr>
-          <a:xfrm>
-            <a:off x="4802269" y="1784866"/>
-            <a:ext cx="2585214" cy="3182951"/>
+            <a:off x="1568789" y="2268961"/>
+            <a:ext cx="1523203" cy="1482942"/>
           </a:xfrm>
           <a:prstGeom prst="rect">
             <a:avLst/>
@@ -13620,10 +13601,10 @@
       </p:pic>
       <p:sp>
         <p:nvSpPr>
-          <p:cNvPr id="25" name="Rectangle 24">
+          <p:cNvPr id="7" name="Rectangle 6">
             <a:extLst>
               <a:ext uri="{FF2B5EF4-FFF2-40B4-BE49-F238E27FC236}">
-                <a16:creationId xmlns:a16="http://schemas.microsoft.com/office/drawing/2014/main" id="{B322B093-0A69-4C52-8CBD-B4F66A8B3AB2}"/>
+                <a16:creationId xmlns:a16="http://schemas.microsoft.com/office/drawing/2014/main" id="{F3DD3061-A0F3-4136-8BEF-473B3E02C411}"/>
               </a:ext>
             </a:extLst>
           </p:cNvPr>
@@ -13632,36 +13613,13 @@
         </p:nvSpPr>
         <p:spPr>
           <a:xfrm>
-            <a:off x="7662962" y="5187179"/>
-            <a:ext cx="2424679" cy="695143"/>
+            <a:off x="1568789" y="1312433"/>
+            <a:ext cx="6588623" cy="551171"/>
           </a:xfrm>
           <a:prstGeom prst="rect">
             <a:avLst/>
           </a:prstGeom>
-          <a:gradFill flip="none" rotWithShape="1">
-            <a:gsLst>
-              <a:gs pos="0">
-                <a:schemeClr val="tx1">
-                  <a:shade val="30000"/>
-                  <a:satMod val="115000"/>
-                </a:schemeClr>
-              </a:gs>
-              <a:gs pos="50000">
-                <a:schemeClr val="tx1">
-                  <a:shade val="67500"/>
-                  <a:satMod val="115000"/>
-                </a:schemeClr>
-              </a:gs>
-              <a:gs pos="100000">
-                <a:schemeClr val="tx1">
-                  <a:shade val="100000"/>
-                  <a:satMod val="115000"/>
-                </a:schemeClr>
-              </a:gs>
-            </a:gsLst>
-            <a:lin ang="16200000" scaled="1"/>
-            <a:tileRect/>
-          </a:gradFill>
+          <a:noFill/>
           <a:ln>
             <a:noFill/>
           </a:ln>
@@ -13687,16 +13645,16 @@
           <a:lstStyle/>
           <a:p>
             <a:r>
-              <a:rPr lang="en-AU" sz="1600" b="1">
+              <a:rPr lang="en-US" sz="2400" b="1">
                 <a:solidFill>
-                  <a:schemeClr val="bg1"/>
+                  <a:srgbClr val="00B050"/>
                 </a:solidFill>
               </a:rPr>
-              <a:t>Next: Setup GSKY server</a:t>
+              <a:t>This will setup a virtual machine on ‘tenjin’</a:t>
             </a:r>
-            <a:endParaRPr lang="en-GB" sz="1600" b="1">
+            <a:endParaRPr lang="en-AU" sz="2400" b="1">
               <a:solidFill>
-                <a:schemeClr val="bg1"/>
+                <a:srgbClr val="00B050"/>
               </a:solidFill>
             </a:endParaRPr>
           </a:p>
@@ -13704,10 +13662,40 @@
       </p:sp>
       <p:pic>
         <p:nvPicPr>
-          <p:cNvPr id="8" name="Picture 7">
+          <p:cNvPr id="6" name="Picture 5">
             <a:extLst>
               <a:ext uri="{FF2B5EF4-FFF2-40B4-BE49-F238E27FC236}">
-                <a16:creationId xmlns:a16="http://schemas.microsoft.com/office/drawing/2014/main" id="{F840EBC5-FBF2-4E96-BFCA-C5D81E1BCF22}"/>
+                <a16:creationId xmlns:a16="http://schemas.microsoft.com/office/drawing/2014/main" id="{F7DBD0FC-9CBF-4637-8218-9040F8BBC45B}"/>
+              </a:ext>
+            </a:extLst>
+          </p:cNvPr>
+          <p:cNvPicPr>
+            <a:picLocks noChangeAspect="1"/>
+          </p:cNvPicPr>
+          <p:nvPr/>
+        </p:nvPicPr>
+        <p:blipFill>
+          <a:blip r:embed="rId4"/>
+          <a:stretch>
+            <a:fillRect/>
+          </a:stretch>
+        </p:blipFill>
+        <p:spPr>
+          <a:xfrm>
+            <a:off x="3327559" y="2268961"/>
+            <a:ext cx="1238250" cy="371475"/>
+          </a:xfrm>
+          <a:prstGeom prst="rect">
+            <a:avLst/>
+          </a:prstGeom>
+        </p:spPr>
+      </p:pic>
+      <p:pic>
+        <p:nvPicPr>
+          <p:cNvPr id="11" name="Picture 10">
+            <a:extLst>
+              <a:ext uri="{FF2B5EF4-FFF2-40B4-BE49-F238E27FC236}">
+                <a16:creationId xmlns:a16="http://schemas.microsoft.com/office/drawing/2014/main" id="{6088FC3F-7C10-43AC-ACBA-CC9DC972533B}"/>
               </a:ext>
             </a:extLst>
           </p:cNvPr>
@@ -13724,7 +13712,37 @@
         </p:blipFill>
         <p:spPr>
           <a:xfrm>
-            <a:off x="7662962" y="1784866"/>
+            <a:off x="4802269" y="2268961"/>
+            <a:ext cx="2585214" cy="3182951"/>
+          </a:xfrm>
+          <a:prstGeom prst="rect">
+            <a:avLst/>
+          </a:prstGeom>
+        </p:spPr>
+      </p:pic>
+      <p:pic>
+        <p:nvPicPr>
+          <p:cNvPr id="8" name="Picture 7">
+            <a:extLst>
+              <a:ext uri="{FF2B5EF4-FFF2-40B4-BE49-F238E27FC236}">
+                <a16:creationId xmlns:a16="http://schemas.microsoft.com/office/drawing/2014/main" id="{F840EBC5-FBF2-4E96-BFCA-C5D81E1BCF22}"/>
+              </a:ext>
+            </a:extLst>
+          </p:cNvPr>
+          <p:cNvPicPr>
+            <a:picLocks noChangeAspect="1"/>
+          </p:cNvPicPr>
+          <p:nvPr/>
+        </p:nvPicPr>
+        <p:blipFill>
+          <a:blip r:embed="rId6"/>
+          <a:stretch>
+            <a:fillRect/>
+          </a:stretch>
+        </p:blipFill>
+        <p:spPr>
+          <a:xfrm>
+            <a:off x="7662962" y="2268961"/>
             <a:ext cx="2445457" cy="1482943"/>
           </a:xfrm>
           <a:prstGeom prst="rect">
@@ -13747,14 +13765,14 @@
           <p:nvPr/>
         </p:nvPicPr>
         <p:blipFill>
-          <a:blip r:embed="rId6"/>
+          <a:blip r:embed="rId7"/>
           <a:stretch>
             <a:fillRect/>
           </a:stretch>
         </p:blipFill>
         <p:spPr>
           <a:xfrm>
-            <a:off x="7662962" y="3463753"/>
+            <a:off x="7662962" y="3947848"/>
             <a:ext cx="1495425" cy="504825"/>
           </a:xfrm>
           <a:prstGeom prst="rect">
@@ -13776,8 +13794,8 @@
         </p:nvSpPr>
         <p:spPr>
           <a:xfrm>
-            <a:off x="7662962" y="4166539"/>
-            <a:ext cx="2445457" cy="801278"/>
+            <a:off x="7662962" y="4650634"/>
+            <a:ext cx="3148473" cy="801278"/>
           </a:xfrm>
           <a:prstGeom prst="rect">
             <a:avLst/>
@@ -13846,6 +13864,19 @@
               </a:rPr>
               <a:t>build_all.sh</a:t>
             </a:r>
+            <a:r>
+              <a:rPr lang="en-AU" sz="1200">
+                <a:solidFill>
+                  <a:schemeClr val="bg1"/>
+                </a:solidFill>
+              </a:rPr>
+              <a:t>130.56.242.xx:/home/900/user</a:t>
+            </a:r>
+            <a:endParaRPr lang="en-AU" sz="1200" i="1">
+              <a:solidFill>
+                <a:schemeClr val="bg1"/>
+              </a:solidFill>
+            </a:endParaRPr>
           </a:p>
           <a:p>
             <a:r>
@@ -13854,7 +13885,7 @@
                   <a:schemeClr val="bg1"/>
                 </a:solidFill>
               </a:rPr>
-              <a:t>ssh -l username130.56.242.nn</a:t>
+              <a:t>ssh user@130.56.242.xx</a:t>
             </a:r>
           </a:p>
           <a:p>
@@ -13892,7 +13923,95 @@
           </a:p>
         </p:txBody>
       </p:sp>
+      <p:sp>
+        <p:nvSpPr>
+          <p:cNvPr id="25" name="Rectangle 24">
+            <a:extLst>
+              <a:ext uri="{FF2B5EF4-FFF2-40B4-BE49-F238E27FC236}">
+                <a16:creationId xmlns:a16="http://schemas.microsoft.com/office/drawing/2014/main" id="{B322B093-0A69-4C52-8CBD-B4F66A8B3AB2}"/>
+              </a:ext>
+            </a:extLst>
+          </p:cNvPr>
+          <p:cNvSpPr/>
+          <p:nvPr/>
+        </p:nvSpPr>
+        <p:spPr>
+          <a:xfrm>
+            <a:off x="7662962" y="5671274"/>
+            <a:ext cx="3148473" cy="695143"/>
+          </a:xfrm>
+          <a:prstGeom prst="rect">
+            <a:avLst/>
+          </a:prstGeom>
+          <a:gradFill flip="none" rotWithShape="1">
+            <a:gsLst>
+              <a:gs pos="0">
+                <a:schemeClr val="tx1">
+                  <a:shade val="30000"/>
+                  <a:satMod val="115000"/>
+                </a:schemeClr>
+              </a:gs>
+              <a:gs pos="50000">
+                <a:schemeClr val="tx1">
+                  <a:shade val="67500"/>
+                  <a:satMod val="115000"/>
+                </a:schemeClr>
+              </a:gs>
+              <a:gs pos="100000">
+                <a:schemeClr val="tx1">
+                  <a:shade val="100000"/>
+                  <a:satMod val="115000"/>
+                </a:schemeClr>
+              </a:gs>
+            </a:gsLst>
+            <a:lin ang="16200000" scaled="1"/>
+            <a:tileRect/>
+          </a:gradFill>
+          <a:ln>
+            <a:noFill/>
+          </a:ln>
+        </p:spPr>
+        <p:style>
+          <a:lnRef idx="2">
+            <a:schemeClr val="accent1">
+              <a:shade val="50000"/>
+            </a:schemeClr>
+          </a:lnRef>
+          <a:fillRef idx="1">
+            <a:schemeClr val="accent1"/>
+          </a:fillRef>
+          <a:effectRef idx="0">
+            <a:schemeClr val="accent1"/>
+          </a:effectRef>
+          <a:fontRef idx="minor">
+            <a:schemeClr val="lt1"/>
+          </a:fontRef>
+        </p:style>
+        <p:txBody>
+          <a:bodyPr rtlCol="0" anchor="ctr"/>
+          <a:lstStyle/>
+          <a:p>
+            <a:pPr algn="ctr"/>
+            <a:r>
+              <a:rPr lang="en-AU" sz="2000" b="1">
+                <a:solidFill>
+                  <a:srgbClr val="00B050"/>
+                </a:solidFill>
+              </a:rPr>
+              <a:t>Next: Setup GSKY server</a:t>
+            </a:r>
+            <a:endParaRPr lang="en-GB" sz="2000" b="1">
+              <a:solidFill>
+                <a:srgbClr val="00B050"/>
+              </a:solidFill>
+            </a:endParaRPr>
+          </a:p>
+        </p:txBody>
+      </p:sp>
     </p:spTree>
+    <p:custDataLst>
+      <p:tags r:id="rId1"/>
+    </p:custDataLst>
     <p:extLst>
       <p:ext uri="{BB962C8B-B14F-4D97-AF65-F5344CB8AC3E}">
         <p14:creationId xmlns:p14="http://schemas.microsoft.com/office/powerpoint/2010/main" val="878316535"/>
@@ -13902,6 +14021,14 @@
   <p:clrMapOvr>
     <a:masterClrMapping/>
   </p:clrMapOvr>
+  <mc:AlternateContent xmlns:mc="http://schemas.openxmlformats.org/markup-compatibility/2006">
+    <mc:Choice xmlns:p14="http://schemas.microsoft.com/office/powerpoint/2010/main" Requires="p14">
+      <p:transition spd="slow" p14:dur="2000" advTm="38790"/>
+    </mc:Choice>
+    <mc:Fallback>
+      <p:transition spd="slow" advTm="38790"/>
+    </mc:Fallback>
+  </mc:AlternateContent>
   <p:timing>
     <p:tnLst>
       <p:par>
@@ -13923,60 +14050,20 @@
                             </p:stCondLst>
                             <p:childTnLst>
                               <p:par>
-                                <p:cTn id="5" presetID="42" presetClass="path" presetSubtype="0" accel="50000" decel="50000" fill="hold" grpId="0" nodeType="clickEffect">
-                                  <p:stCondLst>
-                                    <p:cond delay="0"/>
-                                  </p:stCondLst>
-                                  <p:childTnLst>
-                                    <p:animMotion origin="layout" path="M 4.58333E-6 1.48148E-6 L 0.08776 -0.00116 " pathEditMode="relative" rAng="0" ptsTypes="AA">
-                                      <p:cBhvr>
-                                        <p:cTn id="6" dur="2000" fill="hold"/>
-                                        <p:tgtEl>
-                                          <p:spTgt spid="12"/>
-                                        </p:tgtEl>
-                                        <p:attrNameLst>
-                                          <p:attrName>ppt_x</p:attrName>
-                                          <p:attrName>ppt_y</p:attrName>
-                                        </p:attrNameLst>
-                                      </p:cBhvr>
-                                      <p:rCtr x="4388" y="-69"/>
-                                    </p:animMotion>
-                                  </p:childTnLst>
-                                </p:cTn>
-                              </p:par>
-                            </p:childTnLst>
-                          </p:cTn>
-                        </p:par>
-                      </p:childTnLst>
-                    </p:cTn>
-                  </p:par>
-                  <p:par>
-                    <p:cTn id="7" fill="hold">
-                      <p:stCondLst>
-                        <p:cond delay="indefinite"/>
-                      </p:stCondLst>
-                      <p:childTnLst>
-                        <p:par>
-                          <p:cTn id="8" fill="hold">
-                            <p:stCondLst>
-                              <p:cond delay="0"/>
-                            </p:stCondLst>
-                            <p:childTnLst>
-                              <p:par>
-                                <p:cTn id="9" presetID="10" presetClass="entr" presetSubtype="0" fill="hold" nodeType="clickEffect">
+                                <p:cTn id="5" presetID="10" presetClass="entr" presetSubtype="0" fill="hold" grpId="0" nodeType="clickEffect">
                                   <p:stCondLst>
                                     <p:cond delay="0"/>
                                   </p:stCondLst>
                                   <p:childTnLst>
                                     <p:set>
                                       <p:cBhvr>
-                                        <p:cTn id="10" dur="1" fill="hold">
+                                        <p:cTn id="6" dur="1" fill="hold">
                                           <p:stCondLst>
                                             <p:cond delay="0"/>
                                           </p:stCondLst>
                                         </p:cTn>
                                         <p:tgtEl>
-                                          <p:spTgt spid="6"/>
+                                          <p:spTgt spid="7"/>
                                         </p:tgtEl>
                                         <p:attrNameLst>
                                           <p:attrName>style.visibility</p:attrName>
@@ -13988,12 +14075,52 @@
                                     </p:set>
                                     <p:animEffect transition="in" filter="fade">
                                       <p:cBhvr>
-                                        <p:cTn id="11" dur="500"/>
+                                        <p:cTn id="7" dur="1500"/>
                                         <p:tgtEl>
-                                          <p:spTgt spid="6"/>
+                                          <p:spTgt spid="7"/>
                                         </p:tgtEl>
                                       </p:cBhvr>
                                     </p:animEffect>
+                                  </p:childTnLst>
+                                </p:cTn>
+                              </p:par>
+                            </p:childTnLst>
+                          </p:cTn>
+                        </p:par>
+                      </p:childTnLst>
+                    </p:cTn>
+                  </p:par>
+                  <p:par>
+                    <p:cTn id="8" fill="hold">
+                      <p:stCondLst>
+                        <p:cond delay="indefinite"/>
+                      </p:stCondLst>
+                      <p:childTnLst>
+                        <p:par>
+                          <p:cTn id="9" fill="hold">
+                            <p:stCondLst>
+                              <p:cond delay="0"/>
+                            </p:stCondLst>
+                            <p:childTnLst>
+                              <p:par>
+                                <p:cTn id="10" presetID="42" presetClass="path" presetSubtype="0" accel="50000" decel="50000" fill="hold" grpId="0" nodeType="clickEffect">
+                                  <p:stCondLst>
+                                    <p:cond delay="0"/>
+                                  </p:stCondLst>
+                                  <p:childTnLst>
+                                    <p:animMotion origin="layout" path="M 4.58333E-6 1.48148E-6 L 0.08776 -0.00116 " pathEditMode="relative" rAng="0" ptsTypes="AA">
+                                      <p:cBhvr>
+                                        <p:cTn id="11" dur="2000" fill="hold"/>
+                                        <p:tgtEl>
+                                          <p:spTgt spid="12"/>
+                                        </p:tgtEl>
+                                        <p:attrNameLst>
+                                          <p:attrName>ppt_x</p:attrName>
+                                          <p:attrName>ppt_y</p:attrName>
+                                        </p:attrNameLst>
+                                      </p:cBhvr>
+                                      <p:rCtr x="4388" y="-69"/>
+                                    </p:animMotion>
                                   </p:childTnLst>
                                 </p:cTn>
                               </p:par>
@@ -14016,60 +14143,20 @@
                             </p:stCondLst>
                             <p:childTnLst>
                               <p:par>
-                                <p:cTn id="14" presetID="63" presetClass="path" presetSubtype="0" accel="50000" decel="50000" fill="hold" grpId="0" nodeType="clickEffect">
-                                  <p:stCondLst>
-                                    <p:cond delay="0"/>
-                                  </p:stCondLst>
-                                  <p:childTnLst>
-                                    <p:animMotion origin="layout" path="M 4.58333E-6 -4.07407E-6 L 0.06875 0.0007 " pathEditMode="relative" rAng="0" ptsTypes="AA">
-                                      <p:cBhvr>
-                                        <p:cTn id="15" dur="2000" fill="hold"/>
-                                        <p:tgtEl>
-                                          <p:spTgt spid="14"/>
-                                        </p:tgtEl>
-                                        <p:attrNameLst>
-                                          <p:attrName>ppt_x</p:attrName>
-                                          <p:attrName>ppt_y</p:attrName>
-                                        </p:attrNameLst>
-                                      </p:cBhvr>
-                                      <p:rCtr x="3438" y="23"/>
-                                    </p:animMotion>
-                                  </p:childTnLst>
-                                </p:cTn>
-                              </p:par>
-                            </p:childTnLst>
-                          </p:cTn>
-                        </p:par>
-                      </p:childTnLst>
-                    </p:cTn>
-                  </p:par>
-                  <p:par>
-                    <p:cTn id="16" fill="hold">
-                      <p:stCondLst>
-                        <p:cond delay="indefinite"/>
-                      </p:stCondLst>
-                      <p:childTnLst>
-                        <p:par>
-                          <p:cTn id="17" fill="hold">
-                            <p:stCondLst>
-                              <p:cond delay="0"/>
-                            </p:stCondLst>
-                            <p:childTnLst>
-                              <p:par>
-                                <p:cTn id="18" presetID="10" presetClass="entr" presetSubtype="0" fill="hold" nodeType="clickEffect">
+                                <p:cTn id="14" presetID="10" presetClass="entr" presetSubtype="0" fill="hold" nodeType="clickEffect">
                                   <p:stCondLst>
                                     <p:cond delay="0"/>
                                   </p:stCondLst>
                                   <p:childTnLst>
                                     <p:set>
                                       <p:cBhvr>
-                                        <p:cTn id="19" dur="1" fill="hold">
+                                        <p:cTn id="15" dur="1" fill="hold">
                                           <p:stCondLst>
                                             <p:cond delay="0"/>
                                           </p:stCondLst>
                                         </p:cTn>
                                         <p:tgtEl>
-                                          <p:spTgt spid="11"/>
+                                          <p:spTgt spid="6"/>
                                         </p:tgtEl>
                                         <p:attrNameLst>
                                           <p:attrName>style.visibility</p:attrName>
@@ -14081,12 +14168,52 @@
                                     </p:set>
                                     <p:animEffect transition="in" filter="fade">
                                       <p:cBhvr>
-                                        <p:cTn id="20" dur="500"/>
+                                        <p:cTn id="16" dur="500"/>
                                         <p:tgtEl>
-                                          <p:spTgt spid="11"/>
+                                          <p:spTgt spid="6"/>
                                         </p:tgtEl>
                                       </p:cBhvr>
                                     </p:animEffect>
+                                  </p:childTnLst>
+                                </p:cTn>
+                              </p:par>
+                            </p:childTnLst>
+                          </p:cTn>
+                        </p:par>
+                      </p:childTnLst>
+                    </p:cTn>
+                  </p:par>
+                  <p:par>
+                    <p:cTn id="17" fill="hold">
+                      <p:stCondLst>
+                        <p:cond delay="indefinite"/>
+                      </p:stCondLst>
+                      <p:childTnLst>
+                        <p:par>
+                          <p:cTn id="18" fill="hold">
+                            <p:stCondLst>
+                              <p:cond delay="0"/>
+                            </p:stCondLst>
+                            <p:childTnLst>
+                              <p:par>
+                                <p:cTn id="19" presetID="63" presetClass="path" presetSubtype="0" accel="50000" decel="50000" fill="hold" grpId="0" nodeType="clickEffect">
+                                  <p:stCondLst>
+                                    <p:cond delay="0"/>
+                                  </p:stCondLst>
+                                  <p:childTnLst>
+                                    <p:animMotion origin="layout" path="M 4.58333E-6 -4.07407E-6 L 0.06875 0.0007 " pathEditMode="relative" rAng="0" ptsTypes="AA">
+                                      <p:cBhvr>
+                                        <p:cTn id="20" dur="2000" fill="hold"/>
+                                        <p:tgtEl>
+                                          <p:spTgt spid="14"/>
+                                        </p:tgtEl>
+                                        <p:attrNameLst>
+                                          <p:attrName>ppt_x</p:attrName>
+                                          <p:attrName>ppt_y</p:attrName>
+                                        </p:attrNameLst>
+                                      </p:cBhvr>
+                                      <p:rCtr x="3438" y="23"/>
+                                    </p:animMotion>
                                   </p:childTnLst>
                                 </p:cTn>
                               </p:par>
@@ -14109,60 +14236,20 @@
                             </p:stCondLst>
                             <p:childTnLst>
                               <p:par>
-                                <p:cTn id="23" presetID="63" presetClass="path" presetSubtype="0" accel="50000" decel="50000" fill="hold" grpId="0" nodeType="clickEffect">
-                                  <p:stCondLst>
-                                    <p:cond delay="0"/>
-                                  </p:stCondLst>
-                                  <p:childTnLst>
-                                    <p:animMotion origin="layout" path="M -3.54167E-6 -4.07407E-6 L 0.07774 -4.07407E-6 " pathEditMode="relative" rAng="0" ptsTypes="AA">
-                                      <p:cBhvr>
-                                        <p:cTn id="24" dur="2000" fill="hold"/>
-                                        <p:tgtEl>
-                                          <p:spTgt spid="15"/>
-                                        </p:tgtEl>
-                                        <p:attrNameLst>
-                                          <p:attrName>ppt_x</p:attrName>
-                                          <p:attrName>ppt_y</p:attrName>
-                                        </p:attrNameLst>
-                                      </p:cBhvr>
-                                      <p:rCtr x="3880" y="0"/>
-                                    </p:animMotion>
-                                  </p:childTnLst>
-                                </p:cTn>
-                              </p:par>
-                            </p:childTnLst>
-                          </p:cTn>
-                        </p:par>
-                      </p:childTnLst>
-                    </p:cTn>
-                  </p:par>
-                  <p:par>
-                    <p:cTn id="25" fill="hold">
-                      <p:stCondLst>
-                        <p:cond delay="indefinite"/>
-                      </p:stCondLst>
-                      <p:childTnLst>
-                        <p:par>
-                          <p:cTn id="26" fill="hold">
-                            <p:stCondLst>
-                              <p:cond delay="0"/>
-                            </p:stCondLst>
-                            <p:childTnLst>
-                              <p:par>
-                                <p:cTn id="27" presetID="10" presetClass="entr" presetSubtype="0" fill="hold" nodeType="clickEffect">
+                                <p:cTn id="23" presetID="10" presetClass="entr" presetSubtype="0" fill="hold" nodeType="clickEffect">
                                   <p:stCondLst>
                                     <p:cond delay="0"/>
                                   </p:stCondLst>
                                   <p:childTnLst>
                                     <p:set>
                                       <p:cBhvr>
-                                        <p:cTn id="28" dur="1" fill="hold">
+                                        <p:cTn id="24" dur="1" fill="hold">
                                           <p:stCondLst>
                                             <p:cond delay="0"/>
                                           </p:stCondLst>
                                         </p:cTn>
                                         <p:tgtEl>
-                                          <p:spTgt spid="8"/>
+                                          <p:spTgt spid="11"/>
                                         </p:tgtEl>
                                         <p:attrNameLst>
                                           <p:attrName>style.visibility</p:attrName>
@@ -14174,12 +14261,52 @@
                                     </p:set>
                                     <p:animEffect transition="in" filter="fade">
                                       <p:cBhvr>
-                                        <p:cTn id="29" dur="500"/>
+                                        <p:cTn id="25" dur="500"/>
                                         <p:tgtEl>
-                                          <p:spTgt spid="8"/>
+                                          <p:spTgt spid="11"/>
                                         </p:tgtEl>
                                       </p:cBhvr>
                                     </p:animEffect>
+                                  </p:childTnLst>
+                                </p:cTn>
+                              </p:par>
+                            </p:childTnLst>
+                          </p:cTn>
+                        </p:par>
+                      </p:childTnLst>
+                    </p:cTn>
+                  </p:par>
+                  <p:par>
+                    <p:cTn id="26" fill="hold">
+                      <p:stCondLst>
+                        <p:cond delay="indefinite"/>
+                      </p:stCondLst>
+                      <p:childTnLst>
+                        <p:par>
+                          <p:cTn id="27" fill="hold">
+                            <p:stCondLst>
+                              <p:cond delay="0"/>
+                            </p:stCondLst>
+                            <p:childTnLst>
+                              <p:par>
+                                <p:cTn id="28" presetID="63" presetClass="path" presetSubtype="0" accel="50000" decel="50000" fill="hold" grpId="0" nodeType="clickEffect">
+                                  <p:stCondLst>
+                                    <p:cond delay="0"/>
+                                  </p:stCondLst>
+                                  <p:childTnLst>
+                                    <p:animMotion origin="layout" path="M -3.54167E-6 -4.07407E-6 L 0.07774 -4.07407E-6 " pathEditMode="relative" rAng="0" ptsTypes="AA">
+                                      <p:cBhvr>
+                                        <p:cTn id="29" dur="2000" fill="hold"/>
+                                        <p:tgtEl>
+                                          <p:spTgt spid="15"/>
+                                        </p:tgtEl>
+                                        <p:attrNameLst>
+                                          <p:attrName>ppt_x</p:attrName>
+                                          <p:attrName>ppt_y</p:attrName>
+                                        </p:attrNameLst>
+                                      </p:cBhvr>
+                                      <p:rCtr x="3880" y="0"/>
+                                    </p:animMotion>
                                   </p:childTnLst>
                                 </p:cTn>
                               </p:par>
@@ -14202,60 +14329,20 @@
                             </p:stCondLst>
                             <p:childTnLst>
                               <p:par>
-                                <p:cTn id="32" presetID="42" presetClass="path" presetSubtype="0" accel="50000" decel="50000" fill="hold" grpId="0" nodeType="clickEffect">
-                                  <p:stCondLst>
-                                    <p:cond delay="0"/>
-                                  </p:stCondLst>
-                                  <p:childTnLst>
-                                    <p:animMotion origin="layout" path="M 1.11022E-16 2.22222E-6 L -1.66667E-6 0.10764 " pathEditMode="relative" rAng="0" ptsTypes="AA">
-                                      <p:cBhvr>
-                                        <p:cTn id="33" dur="2000" fill="hold"/>
-                                        <p:tgtEl>
-                                          <p:spTgt spid="16"/>
-                                        </p:tgtEl>
-                                        <p:attrNameLst>
-                                          <p:attrName>ppt_x</p:attrName>
-                                          <p:attrName>ppt_y</p:attrName>
-                                        </p:attrNameLst>
-                                      </p:cBhvr>
-                                      <p:rCtr x="52" y="5694"/>
-                                    </p:animMotion>
-                                  </p:childTnLst>
-                                </p:cTn>
-                              </p:par>
-                            </p:childTnLst>
-                          </p:cTn>
-                        </p:par>
-                      </p:childTnLst>
-                    </p:cTn>
-                  </p:par>
-                  <p:par>
-                    <p:cTn id="34" fill="hold">
-                      <p:stCondLst>
-                        <p:cond delay="indefinite"/>
-                      </p:stCondLst>
-                      <p:childTnLst>
-                        <p:par>
-                          <p:cTn id="35" fill="hold">
-                            <p:stCondLst>
-                              <p:cond delay="0"/>
-                            </p:stCondLst>
-                            <p:childTnLst>
-                              <p:par>
-                                <p:cTn id="36" presetID="10" presetClass="entr" presetSubtype="0" fill="hold" nodeType="clickEffect">
+                                <p:cTn id="32" presetID="10" presetClass="entr" presetSubtype="0" fill="hold" nodeType="clickEffect">
                                   <p:stCondLst>
                                     <p:cond delay="0"/>
                                   </p:stCondLst>
                                   <p:childTnLst>
                                     <p:set>
                                       <p:cBhvr>
-                                        <p:cTn id="37" dur="1" fill="hold">
+                                        <p:cTn id="33" dur="1" fill="hold">
                                           <p:stCondLst>
                                             <p:cond delay="0"/>
                                           </p:stCondLst>
                                         </p:cTn>
                                         <p:tgtEl>
-                                          <p:spTgt spid="9"/>
+                                          <p:spTgt spid="8"/>
                                         </p:tgtEl>
                                         <p:attrNameLst>
                                           <p:attrName>style.visibility</p:attrName>
@@ -14267,12 +14354,52 @@
                                     </p:set>
                                     <p:animEffect transition="in" filter="fade">
                                       <p:cBhvr>
-                                        <p:cTn id="38" dur="500"/>
+                                        <p:cTn id="34" dur="500"/>
                                         <p:tgtEl>
-                                          <p:spTgt spid="9"/>
+                                          <p:spTgt spid="8"/>
                                         </p:tgtEl>
                                       </p:cBhvr>
                                     </p:animEffect>
+                                  </p:childTnLst>
+                                </p:cTn>
+                              </p:par>
+                            </p:childTnLst>
+                          </p:cTn>
+                        </p:par>
+                      </p:childTnLst>
+                    </p:cTn>
+                  </p:par>
+                  <p:par>
+                    <p:cTn id="35" fill="hold">
+                      <p:stCondLst>
+                        <p:cond delay="indefinite"/>
+                      </p:stCondLst>
+                      <p:childTnLst>
+                        <p:par>
+                          <p:cTn id="36" fill="hold">
+                            <p:stCondLst>
+                              <p:cond delay="0"/>
+                            </p:stCondLst>
+                            <p:childTnLst>
+                              <p:par>
+                                <p:cTn id="37" presetID="42" presetClass="path" presetSubtype="0" accel="50000" decel="50000" fill="hold" grpId="0" nodeType="clickEffect">
+                                  <p:stCondLst>
+                                    <p:cond delay="0"/>
+                                  </p:stCondLst>
+                                  <p:childTnLst>
+                                    <p:animMotion origin="layout" path="M 1.11022E-16 2.22222E-6 L -1.66667E-6 0.10764 " pathEditMode="relative" rAng="0" ptsTypes="AA">
+                                      <p:cBhvr>
+                                        <p:cTn id="38" dur="2000" fill="hold"/>
+                                        <p:tgtEl>
+                                          <p:spTgt spid="16"/>
+                                        </p:tgtEl>
+                                        <p:attrNameLst>
+                                          <p:attrName>ppt_x</p:attrName>
+                                          <p:attrName>ppt_y</p:attrName>
+                                        </p:attrNameLst>
+                                      </p:cBhvr>
+                                      <p:rCtr x="52" y="5694"/>
+                                    </p:animMotion>
                                   </p:childTnLst>
                                 </p:cTn>
                               </p:par>
@@ -14295,60 +14422,20 @@
                             </p:stCondLst>
                             <p:childTnLst>
                               <p:par>
-                                <p:cTn id="41" presetID="42" presetClass="path" presetSubtype="0" accel="50000" decel="50000" fill="hold" grpId="0" nodeType="clickEffect">
-                                  <p:stCondLst>
-                                    <p:cond delay="0"/>
-                                  </p:stCondLst>
-                                  <p:childTnLst>
-                                    <p:animMotion origin="layout" path="M 1.11022E-16 3.33333E-6 L 0.00065 0.15185 " pathEditMode="relative" rAng="0" ptsTypes="AA">
-                                      <p:cBhvr>
-                                        <p:cTn id="42" dur="2000" fill="hold"/>
-                                        <p:tgtEl>
-                                          <p:spTgt spid="21"/>
-                                        </p:tgtEl>
-                                        <p:attrNameLst>
-                                          <p:attrName>ppt_x</p:attrName>
-                                          <p:attrName>ppt_y</p:attrName>
-                                        </p:attrNameLst>
-                                      </p:cBhvr>
-                                      <p:rCtr x="130" y="7523"/>
-                                    </p:animMotion>
-                                  </p:childTnLst>
-                                </p:cTn>
-                              </p:par>
-                            </p:childTnLst>
-                          </p:cTn>
-                        </p:par>
-                      </p:childTnLst>
-                    </p:cTn>
-                  </p:par>
-                  <p:par>
-                    <p:cTn id="43" fill="hold">
-                      <p:stCondLst>
-                        <p:cond delay="indefinite"/>
-                      </p:stCondLst>
-                      <p:childTnLst>
-                        <p:par>
-                          <p:cTn id="44" fill="hold">
-                            <p:stCondLst>
-                              <p:cond delay="0"/>
-                            </p:stCondLst>
-                            <p:childTnLst>
-                              <p:par>
-                                <p:cTn id="45" presetID="10" presetClass="entr" presetSubtype="0" fill="hold" grpId="0" nodeType="clickEffect">
+                                <p:cTn id="41" presetID="10" presetClass="entr" presetSubtype="0" fill="hold" nodeType="clickEffect">
                                   <p:stCondLst>
                                     <p:cond delay="0"/>
                                   </p:stCondLst>
                                   <p:childTnLst>
                                     <p:set>
                                       <p:cBhvr>
-                                        <p:cTn id="46" dur="1" fill="hold">
+                                        <p:cTn id="42" dur="1" fill="hold">
                                           <p:stCondLst>
                                             <p:cond delay="0"/>
                                           </p:stCondLst>
                                         </p:cTn>
                                         <p:tgtEl>
-                                          <p:spTgt spid="20"/>
+                                          <p:spTgt spid="9"/>
                                         </p:tgtEl>
                                         <p:attrNameLst>
                                           <p:attrName>style.visibility</p:attrName>
@@ -14360,12 +14447,52 @@
                                     </p:set>
                                     <p:animEffect transition="in" filter="fade">
                                       <p:cBhvr>
-                                        <p:cTn id="47" dur="500"/>
+                                        <p:cTn id="43" dur="500"/>
                                         <p:tgtEl>
-                                          <p:spTgt spid="20"/>
+                                          <p:spTgt spid="9"/>
                                         </p:tgtEl>
                                       </p:cBhvr>
                                     </p:animEffect>
+                                  </p:childTnLst>
+                                </p:cTn>
+                              </p:par>
+                            </p:childTnLst>
+                          </p:cTn>
+                        </p:par>
+                      </p:childTnLst>
+                    </p:cTn>
+                  </p:par>
+                  <p:par>
+                    <p:cTn id="44" fill="hold">
+                      <p:stCondLst>
+                        <p:cond delay="indefinite"/>
+                      </p:stCondLst>
+                      <p:childTnLst>
+                        <p:par>
+                          <p:cTn id="45" fill="hold">
+                            <p:stCondLst>
+                              <p:cond delay="0"/>
+                            </p:stCondLst>
+                            <p:childTnLst>
+                              <p:par>
+                                <p:cTn id="46" presetID="42" presetClass="path" presetSubtype="0" accel="50000" decel="50000" fill="hold" grpId="0" nodeType="clickEffect">
+                                  <p:stCondLst>
+                                    <p:cond delay="0"/>
+                                  </p:stCondLst>
+                                  <p:childTnLst>
+                                    <p:animMotion origin="layout" path="M 1.11022E-16 3.33333E-6 L 0.00065 0.15185 " pathEditMode="relative" rAng="0" ptsTypes="AA">
+                                      <p:cBhvr>
+                                        <p:cTn id="47" dur="2000" fill="hold"/>
+                                        <p:tgtEl>
+                                          <p:spTgt spid="21"/>
+                                        </p:tgtEl>
+                                        <p:attrNameLst>
+                                          <p:attrName>ppt_x</p:attrName>
+                                          <p:attrName>ppt_y</p:attrName>
+                                        </p:attrNameLst>
+                                      </p:cBhvr>
+                                      <p:rCtr x="130" y="7523"/>
+                                    </p:animMotion>
                                   </p:childTnLst>
                                 </p:cTn>
                               </p:par>
@@ -14388,14 +14515,67 @@
                             </p:stCondLst>
                             <p:childTnLst>
                               <p:par>
-                                <p:cTn id="50" presetID="42" presetClass="path" presetSubtype="0" accel="50000" decel="50000" fill="hold" grpId="0" nodeType="clickEffect">
+                                <p:cTn id="50" presetID="10" presetClass="entr" presetSubtype="0" fill="hold" grpId="0" nodeType="clickEffect">
+                                  <p:stCondLst>
+                                    <p:cond delay="0"/>
+                                  </p:stCondLst>
+                                  <p:childTnLst>
+                                    <p:set>
+                                      <p:cBhvr>
+                                        <p:cTn id="51" dur="1" fill="hold">
+                                          <p:stCondLst>
+                                            <p:cond delay="0"/>
+                                          </p:stCondLst>
+                                        </p:cTn>
+                                        <p:tgtEl>
+                                          <p:spTgt spid="20"/>
+                                        </p:tgtEl>
+                                        <p:attrNameLst>
+                                          <p:attrName>style.visibility</p:attrName>
+                                        </p:attrNameLst>
+                                      </p:cBhvr>
+                                      <p:to>
+                                        <p:strVal val="visible"/>
+                                      </p:to>
+                                    </p:set>
+                                    <p:animEffect transition="in" filter="fade">
+                                      <p:cBhvr>
+                                        <p:cTn id="52" dur="500"/>
+                                        <p:tgtEl>
+                                          <p:spTgt spid="20"/>
+                                        </p:tgtEl>
+                                      </p:cBhvr>
+                                    </p:animEffect>
+                                  </p:childTnLst>
+                                </p:cTn>
+                              </p:par>
+                            </p:childTnLst>
+                          </p:cTn>
+                        </p:par>
+                      </p:childTnLst>
+                    </p:cTn>
+                  </p:par>
+                  <p:par>
+                    <p:cTn id="53" fill="hold">
+                      <p:stCondLst>
+                        <p:cond delay="indefinite"/>
+                      </p:stCondLst>
+                      <p:childTnLst>
+                        <p:par>
+                          <p:cTn id="54" fill="hold">
+                            <p:stCondLst>
+                              <p:cond delay="0"/>
+                            </p:stCondLst>
+                            <p:childTnLst>
+                              <p:par>
+                                <p:cTn id="55" presetID="42" presetClass="path" presetSubtype="0" accel="50000" decel="50000" fill="hold" grpId="0" nodeType="clickEffect">
                                   <p:stCondLst>
                                     <p:cond delay="0"/>
                                   </p:stCondLst>
                                   <p:childTnLst>
                                     <p:animMotion origin="layout" path="M -1.04167E-6 1.48148E-6 L -0.00039 0.1169 " pathEditMode="relative" rAng="0" ptsTypes="AA">
                                       <p:cBhvr>
-                                        <p:cTn id="51" dur="2000" fill="hold"/>
+                                        <p:cTn id="56" dur="2000" fill="hold"/>
                                         <p:tgtEl>
                                           <p:spTgt spid="24"/>
                                         </p:tgtEl>
@@ -14416,26 +14596,26 @@
                     </p:cTn>
                   </p:par>
                   <p:par>
-                    <p:cTn id="52" fill="hold">
+                    <p:cTn id="57" fill="hold">
                       <p:stCondLst>
                         <p:cond delay="indefinite"/>
                       </p:stCondLst>
                       <p:childTnLst>
                         <p:par>
-                          <p:cTn id="53" fill="hold">
+                          <p:cTn id="58" fill="hold">
                             <p:stCondLst>
                               <p:cond delay="0"/>
                             </p:stCondLst>
                             <p:childTnLst>
                               <p:par>
-                                <p:cTn id="54" presetID="10" presetClass="entr" presetSubtype="0" fill="hold" grpId="0" nodeType="clickEffect">
+                                <p:cTn id="59" presetID="10" presetClass="entr" presetSubtype="0" fill="hold" grpId="0" nodeType="clickEffect">
                                   <p:stCondLst>
                                     <p:cond delay="0"/>
                                   </p:stCondLst>
                                   <p:childTnLst>
                                     <p:set>
                                       <p:cBhvr>
-                                        <p:cTn id="55" dur="1" fill="hold">
+                                        <p:cTn id="60" dur="1" fill="hold">
                                           <p:stCondLst>
                                             <p:cond delay="0"/>
                                           </p:stCondLst>
@@ -14453,7 +14633,7 @@
                                     </p:set>
                                     <p:animEffect transition="in" filter="fade">
                                       <p:cBhvr>
-                                        <p:cTn id="56" dur="500"/>
+                                        <p:cTn id="61" dur="500"/>
                                         <p:tgtEl>
                                           <p:spTgt spid="25"/>
                                         </p:tgtEl>
@@ -14490,14 +14670,15 @@
       </p:par>
     </p:tnLst>
     <p:bldLst>
-      <p:bldP spid="12" grpId="0" animBg="1"/>
       <p:bldP spid="24" grpId="0" animBg="1"/>
       <p:bldP spid="21" grpId="0" animBg="1"/>
       <p:bldP spid="16" grpId="0" animBg="1"/>
       <p:bldP spid="15" grpId="0" animBg="1"/>
       <p:bldP spid="14" grpId="0" animBg="1"/>
+      <p:bldP spid="12" grpId="0" animBg="1"/>
+      <p:bldP spid="7" grpId="0"/>
+      <p:bldP spid="20" grpId="0" animBg="1"/>
       <p:bldP spid="25" grpId="0" animBg="1"/>
-      <p:bldP spid="20" grpId="0" animBg="1"/>
     </p:bldLst>
   </p:timing>
 </p:sld>
@@ -14520,1276 +14701,6 @@
           <a:chExt cx="0" cy="0"/>
         </a:xfrm>
       </p:grpSpPr>
-      <p:sp>
-        <p:nvSpPr>
-          <p:cNvPr id="196" name="Arrow: Up 195">
-            <a:extLst>
-              <a:ext uri="{FF2B5EF4-FFF2-40B4-BE49-F238E27FC236}">
-                <a16:creationId xmlns:a16="http://schemas.microsoft.com/office/drawing/2014/main" id="{0075D229-1A99-422D-9872-F2D053742BFE}"/>
-              </a:ext>
-            </a:extLst>
-          </p:cNvPr>
-          <p:cNvSpPr/>
-          <p:nvPr/>
-        </p:nvSpPr>
-        <p:spPr>
-          <a:xfrm rot="10800000">
-            <a:off x="9983614" y="2987318"/>
-            <a:ext cx="220640" cy="205048"/>
-          </a:xfrm>
-          <a:prstGeom prst="upArrow">
-            <a:avLst/>
-          </a:prstGeom>
-          <a:gradFill flip="none" rotWithShape="1">
-            <a:gsLst>
-              <a:gs pos="0">
-                <a:schemeClr val="accent2">
-                  <a:shade val="30000"/>
-                  <a:satMod val="115000"/>
-                </a:schemeClr>
-              </a:gs>
-              <a:gs pos="50000">
-                <a:schemeClr val="accent2">
-                  <a:shade val="67500"/>
-                  <a:satMod val="115000"/>
-                </a:schemeClr>
-              </a:gs>
-              <a:gs pos="100000">
-                <a:schemeClr val="accent2">
-                  <a:shade val="100000"/>
-                  <a:satMod val="115000"/>
-                </a:schemeClr>
-              </a:gs>
-            </a:gsLst>
-            <a:lin ang="16200000" scaled="1"/>
-            <a:tileRect/>
-          </a:gradFill>
-          <a:ln>
-            <a:solidFill>
-              <a:schemeClr val="accent2"/>
-            </a:solidFill>
-          </a:ln>
-        </p:spPr>
-        <p:style>
-          <a:lnRef idx="2">
-            <a:schemeClr val="accent1">
-              <a:shade val="50000"/>
-            </a:schemeClr>
-          </a:lnRef>
-          <a:fillRef idx="1">
-            <a:schemeClr val="accent1"/>
-          </a:fillRef>
-          <a:effectRef idx="0">
-            <a:schemeClr val="accent1"/>
-          </a:effectRef>
-          <a:fontRef idx="minor">
-            <a:schemeClr val="lt1"/>
-          </a:fontRef>
-        </p:style>
-        <p:txBody>
-          <a:bodyPr rtlCol="0" anchor="ctr"/>
-          <a:lstStyle/>
-          <a:p>
-            <a:pPr algn="ctr"/>
-            <a:endParaRPr lang="en-GB"/>
-          </a:p>
-        </p:txBody>
-      </p:sp>
-      <p:sp>
-        <p:nvSpPr>
-          <p:cNvPr id="99" name="Rectangle 98">
-            <a:extLst>
-              <a:ext uri="{FF2B5EF4-FFF2-40B4-BE49-F238E27FC236}">
-                <a16:creationId xmlns:a16="http://schemas.microsoft.com/office/drawing/2014/main" id="{4B88B458-64EE-4E98-AC65-55C2F044048D}"/>
-              </a:ext>
-            </a:extLst>
-          </p:cNvPr>
-          <p:cNvSpPr/>
-          <p:nvPr/>
-        </p:nvSpPr>
-        <p:spPr>
-          <a:xfrm>
-            <a:off x="9737798" y="2912147"/>
-            <a:ext cx="754145" cy="360691"/>
-          </a:xfrm>
-          <a:prstGeom prst="rect">
-            <a:avLst/>
-          </a:prstGeom>
-          <a:solidFill>
-            <a:srgbClr val="42A1BB"/>
-          </a:solidFill>
-          <a:ln>
-            <a:noFill/>
-          </a:ln>
-        </p:spPr>
-        <p:style>
-          <a:lnRef idx="2">
-            <a:schemeClr val="accent1">
-              <a:shade val="50000"/>
-            </a:schemeClr>
-          </a:lnRef>
-          <a:fillRef idx="1">
-            <a:schemeClr val="accent1"/>
-          </a:fillRef>
-          <a:effectRef idx="0">
-            <a:schemeClr val="accent1"/>
-          </a:effectRef>
-          <a:fontRef idx="minor">
-            <a:schemeClr val="lt1"/>
-          </a:fontRef>
-        </p:style>
-        <p:txBody>
-          <a:bodyPr rtlCol="0" anchor="ctr"/>
-          <a:lstStyle/>
-          <a:p>
-            <a:pPr algn="ctr"/>
-            <a:endParaRPr lang="en-AU"/>
-          </a:p>
-        </p:txBody>
-      </p:sp>
-      <p:sp>
-        <p:nvSpPr>
-          <p:cNvPr id="209" name="Arrow: Up 208">
-            <a:extLst>
-              <a:ext uri="{FF2B5EF4-FFF2-40B4-BE49-F238E27FC236}">
-                <a16:creationId xmlns:a16="http://schemas.microsoft.com/office/drawing/2014/main" id="{C34046BF-6A99-490D-80B8-DC1CAEF0D975}"/>
-              </a:ext>
-            </a:extLst>
-          </p:cNvPr>
-          <p:cNvSpPr/>
-          <p:nvPr/>
-        </p:nvSpPr>
-        <p:spPr>
-          <a:xfrm rot="16200000">
-            <a:off x="8984642" y="2971292"/>
-            <a:ext cx="220640" cy="205048"/>
-          </a:xfrm>
-          <a:prstGeom prst="upArrow">
-            <a:avLst/>
-          </a:prstGeom>
-          <a:gradFill flip="none" rotWithShape="1">
-            <a:gsLst>
-              <a:gs pos="0">
-                <a:schemeClr val="accent2">
-                  <a:shade val="30000"/>
-                  <a:satMod val="115000"/>
-                </a:schemeClr>
-              </a:gs>
-              <a:gs pos="50000">
-                <a:schemeClr val="accent2">
-                  <a:shade val="67500"/>
-                  <a:satMod val="115000"/>
-                </a:schemeClr>
-              </a:gs>
-              <a:gs pos="100000">
-                <a:schemeClr val="accent2">
-                  <a:shade val="100000"/>
-                  <a:satMod val="115000"/>
-                </a:schemeClr>
-              </a:gs>
-            </a:gsLst>
-            <a:lin ang="16200000" scaled="1"/>
-            <a:tileRect/>
-          </a:gradFill>
-          <a:ln>
-            <a:solidFill>
-              <a:schemeClr val="accent2"/>
-            </a:solidFill>
-          </a:ln>
-        </p:spPr>
-        <p:style>
-          <a:lnRef idx="2">
-            <a:schemeClr val="accent1">
-              <a:shade val="50000"/>
-            </a:schemeClr>
-          </a:lnRef>
-          <a:fillRef idx="1">
-            <a:schemeClr val="accent1"/>
-          </a:fillRef>
-          <a:effectRef idx="0">
-            <a:schemeClr val="accent1"/>
-          </a:effectRef>
-          <a:fontRef idx="minor">
-            <a:schemeClr val="lt1"/>
-          </a:fontRef>
-        </p:style>
-        <p:txBody>
-          <a:bodyPr rtlCol="0" anchor="ctr"/>
-          <a:lstStyle/>
-          <a:p>
-            <a:pPr algn="ctr"/>
-            <a:endParaRPr lang="en-GB"/>
-          </a:p>
-        </p:txBody>
-      </p:sp>
-      <p:sp>
-        <p:nvSpPr>
-          <p:cNvPr id="102" name="Rectangle 101">
-            <a:extLst>
-              <a:ext uri="{FF2B5EF4-FFF2-40B4-BE49-F238E27FC236}">
-                <a16:creationId xmlns:a16="http://schemas.microsoft.com/office/drawing/2014/main" id="{194AB7CA-12D5-4C0E-B435-CB4BFF44372F}"/>
-              </a:ext>
-            </a:extLst>
-          </p:cNvPr>
-          <p:cNvSpPr/>
-          <p:nvPr/>
-        </p:nvSpPr>
-        <p:spPr>
-          <a:xfrm>
-            <a:off x="8745626" y="2912147"/>
-            <a:ext cx="754145" cy="360691"/>
-          </a:xfrm>
-          <a:prstGeom prst="rect">
-            <a:avLst/>
-          </a:prstGeom>
-          <a:solidFill>
-            <a:srgbClr val="50B3CA"/>
-          </a:solidFill>
-          <a:ln>
-            <a:noFill/>
-          </a:ln>
-        </p:spPr>
-        <p:style>
-          <a:lnRef idx="2">
-            <a:schemeClr val="accent1">
-              <a:shade val="50000"/>
-            </a:schemeClr>
-          </a:lnRef>
-          <a:fillRef idx="1">
-            <a:schemeClr val="accent1"/>
-          </a:fillRef>
-          <a:effectRef idx="0">
-            <a:schemeClr val="accent1"/>
-          </a:effectRef>
-          <a:fontRef idx="minor">
-            <a:schemeClr val="lt1"/>
-          </a:fontRef>
-        </p:style>
-        <p:txBody>
-          <a:bodyPr rtlCol="0" anchor="ctr"/>
-          <a:lstStyle/>
-          <a:p>
-            <a:pPr algn="ctr"/>
-            <a:endParaRPr lang="en-AU"/>
-          </a:p>
-        </p:txBody>
-      </p:sp>
-      <p:sp>
-        <p:nvSpPr>
-          <p:cNvPr id="212" name="Arrow: Up 211">
-            <a:extLst>
-              <a:ext uri="{FF2B5EF4-FFF2-40B4-BE49-F238E27FC236}">
-                <a16:creationId xmlns:a16="http://schemas.microsoft.com/office/drawing/2014/main" id="{D3FA5674-1766-421D-9FFF-D98E21F98F8A}"/>
-              </a:ext>
-            </a:extLst>
-          </p:cNvPr>
-          <p:cNvSpPr/>
-          <p:nvPr/>
-        </p:nvSpPr>
-        <p:spPr>
-          <a:xfrm rot="10800000">
-            <a:off x="7990230" y="2931121"/>
-            <a:ext cx="220640" cy="205048"/>
-          </a:xfrm>
-          <a:prstGeom prst="upArrow">
-            <a:avLst/>
-          </a:prstGeom>
-          <a:gradFill flip="none" rotWithShape="1">
-            <a:gsLst>
-              <a:gs pos="0">
-                <a:schemeClr val="accent2">
-                  <a:shade val="30000"/>
-                  <a:satMod val="115000"/>
-                </a:schemeClr>
-              </a:gs>
-              <a:gs pos="50000">
-                <a:schemeClr val="accent2">
-                  <a:shade val="67500"/>
-                  <a:satMod val="115000"/>
-                </a:schemeClr>
-              </a:gs>
-              <a:gs pos="100000">
-                <a:schemeClr val="accent2">
-                  <a:shade val="100000"/>
-                  <a:satMod val="115000"/>
-                </a:schemeClr>
-              </a:gs>
-            </a:gsLst>
-            <a:lin ang="16200000" scaled="1"/>
-            <a:tileRect/>
-          </a:gradFill>
-          <a:ln>
-            <a:solidFill>
-              <a:schemeClr val="accent2"/>
-            </a:solidFill>
-          </a:ln>
-        </p:spPr>
-        <p:style>
-          <a:lnRef idx="2">
-            <a:schemeClr val="accent1">
-              <a:shade val="50000"/>
-            </a:schemeClr>
-          </a:lnRef>
-          <a:fillRef idx="1">
-            <a:schemeClr val="accent1"/>
-          </a:fillRef>
-          <a:effectRef idx="0">
-            <a:schemeClr val="accent1"/>
-          </a:effectRef>
-          <a:fontRef idx="minor">
-            <a:schemeClr val="lt1"/>
-          </a:fontRef>
-        </p:style>
-        <p:txBody>
-          <a:bodyPr rtlCol="0" anchor="ctr"/>
-          <a:lstStyle/>
-          <a:p>
-            <a:pPr algn="ctr"/>
-            <a:endParaRPr lang="en-GB"/>
-          </a:p>
-        </p:txBody>
-      </p:sp>
-      <p:sp>
-        <p:nvSpPr>
-          <p:cNvPr id="167" name="Rectangle 166">
-            <a:extLst>
-              <a:ext uri="{FF2B5EF4-FFF2-40B4-BE49-F238E27FC236}">
-                <a16:creationId xmlns:a16="http://schemas.microsoft.com/office/drawing/2014/main" id="{0F321964-3A72-4379-9C87-C262F30D9565}"/>
-              </a:ext>
-            </a:extLst>
-          </p:cNvPr>
-          <p:cNvSpPr/>
-          <p:nvPr/>
-        </p:nvSpPr>
-        <p:spPr>
-          <a:xfrm>
-            <a:off x="7749032" y="2912147"/>
-            <a:ext cx="754145" cy="360691"/>
-          </a:xfrm>
-          <a:prstGeom prst="rect">
-            <a:avLst/>
-          </a:prstGeom>
-          <a:solidFill>
-            <a:srgbClr val="50B3CA"/>
-          </a:solidFill>
-          <a:ln>
-            <a:noFill/>
-          </a:ln>
-        </p:spPr>
-        <p:style>
-          <a:lnRef idx="2">
-            <a:schemeClr val="accent1">
-              <a:shade val="50000"/>
-            </a:schemeClr>
-          </a:lnRef>
-          <a:fillRef idx="1">
-            <a:schemeClr val="accent1"/>
-          </a:fillRef>
-          <a:effectRef idx="0">
-            <a:schemeClr val="accent1"/>
-          </a:effectRef>
-          <a:fontRef idx="minor">
-            <a:schemeClr val="lt1"/>
-          </a:fontRef>
-        </p:style>
-        <p:txBody>
-          <a:bodyPr rtlCol="0" anchor="ctr"/>
-          <a:lstStyle/>
-          <a:p>
-            <a:pPr algn="ctr"/>
-            <a:endParaRPr lang="en-AU"/>
-          </a:p>
-        </p:txBody>
-      </p:sp>
-      <p:sp>
-        <p:nvSpPr>
-          <p:cNvPr id="195" name="Arrow: Up 194">
-            <a:extLst>
-              <a:ext uri="{FF2B5EF4-FFF2-40B4-BE49-F238E27FC236}">
-                <a16:creationId xmlns:a16="http://schemas.microsoft.com/office/drawing/2014/main" id="{C5665B24-8AD7-465F-8A56-3E54176D855C}"/>
-              </a:ext>
-            </a:extLst>
-          </p:cNvPr>
-          <p:cNvSpPr/>
-          <p:nvPr/>
-        </p:nvSpPr>
-        <p:spPr>
-          <a:xfrm rot="10800000">
-            <a:off x="10021234" y="2137379"/>
-            <a:ext cx="220640" cy="205048"/>
-          </a:xfrm>
-          <a:prstGeom prst="upArrow">
-            <a:avLst/>
-          </a:prstGeom>
-          <a:gradFill flip="none" rotWithShape="1">
-            <a:gsLst>
-              <a:gs pos="0">
-                <a:schemeClr val="accent2">
-                  <a:shade val="30000"/>
-                  <a:satMod val="115000"/>
-                </a:schemeClr>
-              </a:gs>
-              <a:gs pos="50000">
-                <a:schemeClr val="accent2">
-                  <a:shade val="67500"/>
-                  <a:satMod val="115000"/>
-                </a:schemeClr>
-              </a:gs>
-              <a:gs pos="100000">
-                <a:schemeClr val="accent2">
-                  <a:shade val="100000"/>
-                  <a:satMod val="115000"/>
-                </a:schemeClr>
-              </a:gs>
-            </a:gsLst>
-            <a:lin ang="16200000" scaled="1"/>
-            <a:tileRect/>
-          </a:gradFill>
-          <a:ln>
-            <a:solidFill>
-              <a:schemeClr val="accent2"/>
-            </a:solidFill>
-          </a:ln>
-        </p:spPr>
-        <p:style>
-          <a:lnRef idx="2">
-            <a:schemeClr val="accent1">
-              <a:shade val="50000"/>
-            </a:schemeClr>
-          </a:lnRef>
-          <a:fillRef idx="1">
-            <a:schemeClr val="accent1"/>
-          </a:fillRef>
-          <a:effectRef idx="0">
-            <a:schemeClr val="accent1"/>
-          </a:effectRef>
-          <a:fontRef idx="minor">
-            <a:schemeClr val="lt1"/>
-          </a:fontRef>
-        </p:style>
-        <p:txBody>
-          <a:bodyPr rtlCol="0" anchor="ctr"/>
-          <a:lstStyle/>
-          <a:p>
-            <a:pPr algn="ctr"/>
-            <a:endParaRPr lang="en-GB"/>
-          </a:p>
-        </p:txBody>
-      </p:sp>
-      <p:sp>
-        <p:nvSpPr>
-          <p:cNvPr id="97" name="Rectangle 96">
-            <a:extLst>
-              <a:ext uri="{FF2B5EF4-FFF2-40B4-BE49-F238E27FC236}">
-                <a16:creationId xmlns:a16="http://schemas.microsoft.com/office/drawing/2014/main" id="{566C77A5-183A-4A9C-AAF2-50478932A3B0}"/>
-              </a:ext>
-            </a:extLst>
-          </p:cNvPr>
-          <p:cNvSpPr/>
-          <p:nvPr/>
-        </p:nvSpPr>
-        <p:spPr>
-          <a:xfrm>
-            <a:off x="9751839" y="2050158"/>
-            <a:ext cx="754145" cy="360691"/>
-          </a:xfrm>
-          <a:prstGeom prst="rect">
-            <a:avLst/>
-          </a:prstGeom>
-          <a:solidFill>
-            <a:srgbClr val="3A9EB8"/>
-          </a:solidFill>
-          <a:ln>
-            <a:noFill/>
-          </a:ln>
-        </p:spPr>
-        <p:style>
-          <a:lnRef idx="2">
-            <a:schemeClr val="accent1">
-              <a:shade val="50000"/>
-            </a:schemeClr>
-          </a:lnRef>
-          <a:fillRef idx="1">
-            <a:schemeClr val="accent1"/>
-          </a:fillRef>
-          <a:effectRef idx="0">
-            <a:schemeClr val="accent1"/>
-          </a:effectRef>
-          <a:fontRef idx="minor">
-            <a:schemeClr val="lt1"/>
-          </a:fontRef>
-        </p:style>
-        <p:txBody>
-          <a:bodyPr rtlCol="0" anchor="ctr"/>
-          <a:lstStyle/>
-          <a:p>
-            <a:pPr algn="ctr"/>
-            <a:endParaRPr lang="en-AU"/>
-          </a:p>
-        </p:txBody>
-      </p:sp>
-      <p:sp>
-        <p:nvSpPr>
-          <p:cNvPr id="194" name="Arrow: Up 193">
-            <a:extLst>
-              <a:ext uri="{FF2B5EF4-FFF2-40B4-BE49-F238E27FC236}">
-                <a16:creationId xmlns:a16="http://schemas.microsoft.com/office/drawing/2014/main" id="{5E0834B8-6D1C-4557-99A0-20703B5B22FE}"/>
-              </a:ext>
-            </a:extLst>
-          </p:cNvPr>
-          <p:cNvSpPr/>
-          <p:nvPr/>
-        </p:nvSpPr>
-        <p:spPr>
-          <a:xfrm rot="5400000">
-            <a:off x="9025947" y="2100853"/>
-            <a:ext cx="220640" cy="205048"/>
-          </a:xfrm>
-          <a:prstGeom prst="upArrow">
-            <a:avLst/>
-          </a:prstGeom>
-          <a:gradFill flip="none" rotWithShape="1">
-            <a:gsLst>
-              <a:gs pos="0">
-                <a:schemeClr val="accent2">
-                  <a:shade val="30000"/>
-                  <a:satMod val="115000"/>
-                </a:schemeClr>
-              </a:gs>
-              <a:gs pos="50000">
-                <a:schemeClr val="accent2">
-                  <a:shade val="67500"/>
-                  <a:satMod val="115000"/>
-                </a:schemeClr>
-              </a:gs>
-              <a:gs pos="100000">
-                <a:schemeClr val="accent2">
-                  <a:shade val="100000"/>
-                  <a:satMod val="115000"/>
-                </a:schemeClr>
-              </a:gs>
-            </a:gsLst>
-            <a:lin ang="16200000" scaled="1"/>
-            <a:tileRect/>
-          </a:gradFill>
-          <a:ln>
-            <a:solidFill>
-              <a:schemeClr val="accent2"/>
-            </a:solidFill>
-          </a:ln>
-        </p:spPr>
-        <p:style>
-          <a:lnRef idx="2">
-            <a:schemeClr val="accent1">
-              <a:shade val="50000"/>
-            </a:schemeClr>
-          </a:lnRef>
-          <a:fillRef idx="1">
-            <a:schemeClr val="accent1"/>
-          </a:fillRef>
-          <a:effectRef idx="0">
-            <a:schemeClr val="accent1"/>
-          </a:effectRef>
-          <a:fontRef idx="minor">
-            <a:schemeClr val="lt1"/>
-          </a:fontRef>
-        </p:style>
-        <p:txBody>
-          <a:bodyPr rtlCol="0" anchor="ctr"/>
-          <a:lstStyle/>
-          <a:p>
-            <a:pPr algn="ctr"/>
-            <a:endParaRPr lang="en-GB"/>
-          </a:p>
-        </p:txBody>
-      </p:sp>
-      <p:sp>
-        <p:nvSpPr>
-          <p:cNvPr id="193" name="Rectangle 192">
-            <a:extLst>
-              <a:ext uri="{FF2B5EF4-FFF2-40B4-BE49-F238E27FC236}">
-                <a16:creationId xmlns:a16="http://schemas.microsoft.com/office/drawing/2014/main" id="{8B8BF459-3140-480B-A89B-862792BE7F8D}"/>
-              </a:ext>
-            </a:extLst>
-          </p:cNvPr>
-          <p:cNvSpPr/>
-          <p:nvPr/>
-        </p:nvSpPr>
-        <p:spPr>
-          <a:xfrm>
-            <a:off x="8745626" y="2050158"/>
-            <a:ext cx="754145" cy="360691"/>
-          </a:xfrm>
-          <a:prstGeom prst="rect">
-            <a:avLst/>
-          </a:prstGeom>
-          <a:solidFill>
-            <a:srgbClr val="4EB7CE"/>
-          </a:solidFill>
-          <a:ln>
-            <a:noFill/>
-          </a:ln>
-        </p:spPr>
-        <p:style>
-          <a:lnRef idx="2">
-            <a:schemeClr val="accent1">
-              <a:shade val="50000"/>
-            </a:schemeClr>
-          </a:lnRef>
-          <a:fillRef idx="1">
-            <a:schemeClr val="accent1"/>
-          </a:fillRef>
-          <a:effectRef idx="0">
-            <a:schemeClr val="accent1"/>
-          </a:effectRef>
-          <a:fontRef idx="minor">
-            <a:schemeClr val="lt1"/>
-          </a:fontRef>
-        </p:style>
-        <p:txBody>
-          <a:bodyPr rtlCol="0" anchor="ctr"/>
-          <a:lstStyle/>
-          <a:p>
-            <a:pPr algn="ctr"/>
-            <a:endParaRPr lang="en-AU"/>
-          </a:p>
-        </p:txBody>
-      </p:sp>
-      <p:sp>
-        <p:nvSpPr>
-          <p:cNvPr id="49" name="Arrow: Up 48">
-            <a:extLst>
-              <a:ext uri="{FF2B5EF4-FFF2-40B4-BE49-F238E27FC236}">
-                <a16:creationId xmlns:a16="http://schemas.microsoft.com/office/drawing/2014/main" id="{A9F04D85-4590-4894-9DE7-AC8D8A53EFF5}"/>
-              </a:ext>
-            </a:extLst>
-          </p:cNvPr>
-          <p:cNvSpPr/>
-          <p:nvPr/>
-        </p:nvSpPr>
-        <p:spPr>
-          <a:xfrm rot="5400000">
-            <a:off x="8046288" y="2100853"/>
-            <a:ext cx="220640" cy="205048"/>
-          </a:xfrm>
-          <a:prstGeom prst="upArrow">
-            <a:avLst/>
-          </a:prstGeom>
-          <a:gradFill flip="none" rotWithShape="1">
-            <a:gsLst>
-              <a:gs pos="0">
-                <a:schemeClr val="accent2">
-                  <a:shade val="30000"/>
-                  <a:satMod val="115000"/>
-                </a:schemeClr>
-              </a:gs>
-              <a:gs pos="50000">
-                <a:schemeClr val="accent2">
-                  <a:shade val="67500"/>
-                  <a:satMod val="115000"/>
-                </a:schemeClr>
-              </a:gs>
-              <a:gs pos="100000">
-                <a:schemeClr val="accent2">
-                  <a:shade val="100000"/>
-                  <a:satMod val="115000"/>
-                </a:schemeClr>
-              </a:gs>
-            </a:gsLst>
-            <a:lin ang="16200000" scaled="1"/>
-            <a:tileRect/>
-          </a:gradFill>
-          <a:ln>
-            <a:solidFill>
-              <a:schemeClr val="accent2"/>
-            </a:solidFill>
-          </a:ln>
-        </p:spPr>
-        <p:style>
-          <a:lnRef idx="2">
-            <a:schemeClr val="accent1">
-              <a:shade val="50000"/>
-            </a:schemeClr>
-          </a:lnRef>
-          <a:fillRef idx="1">
-            <a:schemeClr val="accent1"/>
-          </a:fillRef>
-          <a:effectRef idx="0">
-            <a:schemeClr val="accent1"/>
-          </a:effectRef>
-          <a:fontRef idx="minor">
-            <a:schemeClr val="lt1"/>
-          </a:fontRef>
-        </p:style>
-        <p:txBody>
-          <a:bodyPr rtlCol="0" anchor="ctr"/>
-          <a:lstStyle/>
-          <a:p>
-            <a:pPr algn="ctr"/>
-            <a:endParaRPr lang="en-GB"/>
-          </a:p>
-        </p:txBody>
-      </p:sp>
-      <p:sp>
-        <p:nvSpPr>
-          <p:cNvPr id="50" name="Rectangle 49">
-            <a:extLst>
-              <a:ext uri="{FF2B5EF4-FFF2-40B4-BE49-F238E27FC236}">
-                <a16:creationId xmlns:a16="http://schemas.microsoft.com/office/drawing/2014/main" id="{E1BF1A9F-BBDD-4D16-8503-1AE0EF2EC352}"/>
-              </a:ext>
-            </a:extLst>
-          </p:cNvPr>
-          <p:cNvSpPr/>
-          <p:nvPr/>
-        </p:nvSpPr>
-        <p:spPr>
-          <a:xfrm>
-            <a:off x="7758769" y="2050158"/>
-            <a:ext cx="754145" cy="360691"/>
-          </a:xfrm>
-          <a:prstGeom prst="rect">
-            <a:avLst/>
-          </a:prstGeom>
-          <a:solidFill>
-            <a:srgbClr val="5EC4D8"/>
-          </a:solidFill>
-          <a:ln>
-            <a:noFill/>
-          </a:ln>
-        </p:spPr>
-        <p:style>
-          <a:lnRef idx="2">
-            <a:schemeClr val="accent1">
-              <a:shade val="50000"/>
-            </a:schemeClr>
-          </a:lnRef>
-          <a:fillRef idx="1">
-            <a:schemeClr val="accent1"/>
-          </a:fillRef>
-          <a:effectRef idx="0">
-            <a:schemeClr val="accent1"/>
-          </a:effectRef>
-          <a:fontRef idx="minor">
-            <a:schemeClr val="lt1"/>
-          </a:fontRef>
-        </p:style>
-        <p:txBody>
-          <a:bodyPr rtlCol="0" anchor="ctr"/>
-          <a:lstStyle/>
-          <a:p>
-            <a:pPr algn="ctr"/>
-            <a:endParaRPr lang="en-AU"/>
-          </a:p>
-        </p:txBody>
-      </p:sp>
-      <p:sp>
-        <p:nvSpPr>
-          <p:cNvPr id="51" name="Arrow: Up 50">
-            <a:extLst>
-              <a:ext uri="{FF2B5EF4-FFF2-40B4-BE49-F238E27FC236}">
-                <a16:creationId xmlns:a16="http://schemas.microsoft.com/office/drawing/2014/main" id="{FFDAB05B-7DCC-4B41-99D9-C45C3A3BFF16}"/>
-              </a:ext>
-            </a:extLst>
-          </p:cNvPr>
-          <p:cNvSpPr/>
-          <p:nvPr/>
-        </p:nvSpPr>
-        <p:spPr>
-          <a:xfrm rot="5400000">
-            <a:off x="7058929" y="2100853"/>
-            <a:ext cx="220640" cy="205048"/>
-          </a:xfrm>
-          <a:prstGeom prst="upArrow">
-            <a:avLst/>
-          </a:prstGeom>
-          <a:gradFill flip="none" rotWithShape="1">
-            <a:gsLst>
-              <a:gs pos="0">
-                <a:schemeClr val="accent2">
-                  <a:shade val="30000"/>
-                  <a:satMod val="115000"/>
-                </a:schemeClr>
-              </a:gs>
-              <a:gs pos="50000">
-                <a:schemeClr val="accent2">
-                  <a:shade val="67500"/>
-                  <a:satMod val="115000"/>
-                </a:schemeClr>
-              </a:gs>
-              <a:gs pos="100000">
-                <a:schemeClr val="accent2">
-                  <a:shade val="100000"/>
-                  <a:satMod val="115000"/>
-                </a:schemeClr>
-              </a:gs>
-            </a:gsLst>
-            <a:lin ang="16200000" scaled="1"/>
-            <a:tileRect/>
-          </a:gradFill>
-          <a:ln>
-            <a:solidFill>
-              <a:schemeClr val="accent2"/>
-            </a:solidFill>
-          </a:ln>
-        </p:spPr>
-        <p:style>
-          <a:lnRef idx="2">
-            <a:schemeClr val="accent1">
-              <a:shade val="50000"/>
-            </a:schemeClr>
-          </a:lnRef>
-          <a:fillRef idx="1">
-            <a:schemeClr val="accent1"/>
-          </a:fillRef>
-          <a:effectRef idx="0">
-            <a:schemeClr val="accent1"/>
-          </a:effectRef>
-          <a:fontRef idx="minor">
-            <a:schemeClr val="lt1"/>
-          </a:fontRef>
-        </p:style>
-        <p:txBody>
-          <a:bodyPr rtlCol="0" anchor="ctr"/>
-          <a:lstStyle/>
-          <a:p>
-            <a:pPr algn="ctr"/>
-            <a:endParaRPr lang="en-GB"/>
-          </a:p>
-        </p:txBody>
-      </p:sp>
-      <p:sp>
-        <p:nvSpPr>
-          <p:cNvPr id="52" name="Rectangle 51">
-            <a:extLst>
-              <a:ext uri="{FF2B5EF4-FFF2-40B4-BE49-F238E27FC236}">
-                <a16:creationId xmlns:a16="http://schemas.microsoft.com/office/drawing/2014/main" id="{A264789D-E5B3-4973-9956-0A3D739F1746}"/>
-              </a:ext>
-            </a:extLst>
-          </p:cNvPr>
-          <p:cNvSpPr/>
-          <p:nvPr/>
-        </p:nvSpPr>
-        <p:spPr>
-          <a:xfrm>
-            <a:off x="6759996" y="2050158"/>
-            <a:ext cx="754145" cy="360691"/>
-          </a:xfrm>
-          <a:prstGeom prst="rect">
-            <a:avLst/>
-          </a:prstGeom>
-          <a:solidFill>
-            <a:srgbClr val="5FC5D9"/>
-          </a:solidFill>
-          <a:ln>
-            <a:noFill/>
-          </a:ln>
-        </p:spPr>
-        <p:style>
-          <a:lnRef idx="2">
-            <a:schemeClr val="accent1">
-              <a:shade val="50000"/>
-            </a:schemeClr>
-          </a:lnRef>
-          <a:fillRef idx="1">
-            <a:schemeClr val="accent1"/>
-          </a:fillRef>
-          <a:effectRef idx="0">
-            <a:schemeClr val="accent1"/>
-          </a:effectRef>
-          <a:fontRef idx="minor">
-            <a:schemeClr val="lt1"/>
-          </a:fontRef>
-        </p:style>
-        <p:txBody>
-          <a:bodyPr rtlCol="0" anchor="ctr"/>
-          <a:lstStyle/>
-          <a:p>
-            <a:pPr algn="ctr"/>
-            <a:endParaRPr lang="en-AU"/>
-          </a:p>
-        </p:txBody>
-      </p:sp>
-      <p:sp>
-        <p:nvSpPr>
-          <p:cNvPr id="53" name="Arrow: Up 52">
-            <a:extLst>
-              <a:ext uri="{FF2B5EF4-FFF2-40B4-BE49-F238E27FC236}">
-                <a16:creationId xmlns:a16="http://schemas.microsoft.com/office/drawing/2014/main" id="{9135793C-3683-4095-BA02-3CF76A62F2D9}"/>
-              </a:ext>
-            </a:extLst>
-          </p:cNvPr>
-          <p:cNvSpPr/>
-          <p:nvPr/>
-        </p:nvSpPr>
-        <p:spPr>
-          <a:xfrm rot="5400000">
-            <a:off x="6071119" y="2100853"/>
-            <a:ext cx="220640" cy="205048"/>
-          </a:xfrm>
-          <a:prstGeom prst="upArrow">
-            <a:avLst/>
-          </a:prstGeom>
-          <a:gradFill flip="none" rotWithShape="1">
-            <a:gsLst>
-              <a:gs pos="0">
-                <a:schemeClr val="accent2">
-                  <a:shade val="30000"/>
-                  <a:satMod val="115000"/>
-                </a:schemeClr>
-              </a:gs>
-              <a:gs pos="50000">
-                <a:schemeClr val="accent2">
-                  <a:shade val="67500"/>
-                  <a:satMod val="115000"/>
-                </a:schemeClr>
-              </a:gs>
-              <a:gs pos="100000">
-                <a:schemeClr val="accent2">
-                  <a:shade val="100000"/>
-                  <a:satMod val="115000"/>
-                </a:schemeClr>
-              </a:gs>
-            </a:gsLst>
-            <a:lin ang="16200000" scaled="1"/>
-            <a:tileRect/>
-          </a:gradFill>
-          <a:ln>
-            <a:solidFill>
-              <a:schemeClr val="accent2"/>
-            </a:solidFill>
-          </a:ln>
-        </p:spPr>
-        <p:style>
-          <a:lnRef idx="2">
-            <a:schemeClr val="accent1">
-              <a:shade val="50000"/>
-            </a:schemeClr>
-          </a:lnRef>
-          <a:fillRef idx="1">
-            <a:schemeClr val="accent1"/>
-          </a:fillRef>
-          <a:effectRef idx="0">
-            <a:schemeClr val="accent1"/>
-          </a:effectRef>
-          <a:fontRef idx="minor">
-            <a:schemeClr val="lt1"/>
-          </a:fontRef>
-        </p:style>
-        <p:txBody>
-          <a:bodyPr rtlCol="0" anchor="ctr"/>
-          <a:lstStyle/>
-          <a:p>
-            <a:pPr algn="ctr"/>
-            <a:endParaRPr lang="en-GB"/>
-          </a:p>
-        </p:txBody>
-      </p:sp>
-      <p:sp>
-        <p:nvSpPr>
-          <p:cNvPr id="54" name="Rectangle 53">
-            <a:extLst>
-              <a:ext uri="{FF2B5EF4-FFF2-40B4-BE49-F238E27FC236}">
-                <a16:creationId xmlns:a16="http://schemas.microsoft.com/office/drawing/2014/main" id="{3A23F4D5-AF82-4CA2-A346-1DB80010710F}"/>
-              </a:ext>
-            </a:extLst>
-          </p:cNvPr>
-          <p:cNvSpPr/>
-          <p:nvPr/>
-        </p:nvSpPr>
-        <p:spPr>
-          <a:xfrm>
-            <a:off x="5778321" y="2050158"/>
-            <a:ext cx="754145" cy="360691"/>
-          </a:xfrm>
-          <a:prstGeom prst="rect">
-            <a:avLst/>
-          </a:prstGeom>
-          <a:solidFill>
-            <a:srgbClr val="68CBDF"/>
-          </a:solidFill>
-          <a:ln>
-            <a:noFill/>
-          </a:ln>
-        </p:spPr>
-        <p:style>
-          <a:lnRef idx="2">
-            <a:schemeClr val="accent1">
-              <a:shade val="50000"/>
-            </a:schemeClr>
-          </a:lnRef>
-          <a:fillRef idx="1">
-            <a:schemeClr val="accent1"/>
-          </a:fillRef>
-          <a:effectRef idx="0">
-            <a:schemeClr val="accent1"/>
-          </a:effectRef>
-          <a:fontRef idx="minor">
-            <a:schemeClr val="lt1"/>
-          </a:fontRef>
-        </p:style>
-        <p:txBody>
-          <a:bodyPr rtlCol="0" anchor="ctr"/>
-          <a:lstStyle/>
-          <a:p>
-            <a:pPr algn="ctr"/>
-            <a:endParaRPr lang="en-AU"/>
-          </a:p>
-        </p:txBody>
-      </p:sp>
-      <p:sp>
-        <p:nvSpPr>
-          <p:cNvPr id="55" name="Arrow: Up 54">
-            <a:extLst>
-              <a:ext uri="{FF2B5EF4-FFF2-40B4-BE49-F238E27FC236}">
-                <a16:creationId xmlns:a16="http://schemas.microsoft.com/office/drawing/2014/main" id="{40A2533F-C30E-4223-8393-A8067C1F1D5B}"/>
-              </a:ext>
-            </a:extLst>
-          </p:cNvPr>
-          <p:cNvSpPr/>
-          <p:nvPr/>
-        </p:nvSpPr>
-        <p:spPr>
-          <a:xfrm rot="5400000">
-            <a:off x="5062236" y="2100853"/>
-            <a:ext cx="220640" cy="205048"/>
-          </a:xfrm>
-          <a:prstGeom prst="upArrow">
-            <a:avLst/>
-          </a:prstGeom>
-          <a:gradFill flip="none" rotWithShape="1">
-            <a:gsLst>
-              <a:gs pos="0">
-                <a:schemeClr val="accent2">
-                  <a:shade val="30000"/>
-                  <a:satMod val="115000"/>
-                </a:schemeClr>
-              </a:gs>
-              <a:gs pos="50000">
-                <a:schemeClr val="accent2">
-                  <a:shade val="67500"/>
-                  <a:satMod val="115000"/>
-                </a:schemeClr>
-              </a:gs>
-              <a:gs pos="100000">
-                <a:schemeClr val="accent2">
-                  <a:shade val="100000"/>
-                  <a:satMod val="115000"/>
-                </a:schemeClr>
-              </a:gs>
-            </a:gsLst>
-            <a:lin ang="16200000" scaled="1"/>
-            <a:tileRect/>
-          </a:gradFill>
-          <a:ln>
-            <a:solidFill>
-              <a:schemeClr val="accent2"/>
-            </a:solidFill>
-          </a:ln>
-        </p:spPr>
-        <p:style>
-          <a:lnRef idx="2">
-            <a:schemeClr val="accent1">
-              <a:shade val="50000"/>
-            </a:schemeClr>
-          </a:lnRef>
-          <a:fillRef idx="1">
-            <a:schemeClr val="accent1"/>
-          </a:fillRef>
-          <a:effectRef idx="0">
-            <a:schemeClr val="accent1"/>
-          </a:effectRef>
-          <a:fontRef idx="minor">
-            <a:schemeClr val="lt1"/>
-          </a:fontRef>
-        </p:style>
-        <p:txBody>
-          <a:bodyPr rtlCol="0" anchor="ctr"/>
-          <a:lstStyle/>
-          <a:p>
-            <a:pPr algn="ctr"/>
-            <a:endParaRPr lang="en-GB"/>
-          </a:p>
-        </p:txBody>
-      </p:sp>
-      <p:sp>
-        <p:nvSpPr>
-          <p:cNvPr id="56" name="Rectangle 55">
-            <a:extLst>
-              <a:ext uri="{FF2B5EF4-FFF2-40B4-BE49-F238E27FC236}">
-                <a16:creationId xmlns:a16="http://schemas.microsoft.com/office/drawing/2014/main" id="{40870C60-0B8E-4C46-AE62-4107D4904030}"/>
-              </a:ext>
-            </a:extLst>
-          </p:cNvPr>
-          <p:cNvSpPr/>
-          <p:nvPr/>
-        </p:nvSpPr>
-        <p:spPr>
-          <a:xfrm>
-            <a:off x="4771116" y="2050158"/>
-            <a:ext cx="754145" cy="360691"/>
-          </a:xfrm>
-          <a:prstGeom prst="rect">
-            <a:avLst/>
-          </a:prstGeom>
-          <a:solidFill>
-            <a:srgbClr val="62C8DC"/>
-          </a:solidFill>
-          <a:ln>
-            <a:noFill/>
-          </a:ln>
-        </p:spPr>
-        <p:style>
-          <a:lnRef idx="2">
-            <a:schemeClr val="accent1">
-              <a:shade val="50000"/>
-            </a:schemeClr>
-          </a:lnRef>
-          <a:fillRef idx="1">
-            <a:schemeClr val="accent1"/>
-          </a:fillRef>
-          <a:effectRef idx="0">
-            <a:schemeClr val="accent1"/>
-          </a:effectRef>
-          <a:fontRef idx="minor">
-            <a:schemeClr val="lt1"/>
-          </a:fontRef>
-        </p:style>
-        <p:txBody>
-          <a:bodyPr rtlCol="0" anchor="ctr"/>
-          <a:lstStyle/>
-          <a:p>
-            <a:pPr algn="ctr"/>
-            <a:endParaRPr lang="en-AU"/>
-          </a:p>
-        </p:txBody>
-      </p:sp>
-      <p:sp>
-        <p:nvSpPr>
-          <p:cNvPr id="208" name="Arrow: Up 207">
-            <a:extLst>
-              <a:ext uri="{FF2B5EF4-FFF2-40B4-BE49-F238E27FC236}">
-                <a16:creationId xmlns:a16="http://schemas.microsoft.com/office/drawing/2014/main" id="{4ED5D909-13D9-4BDC-9B9F-467BA6DEA10F}"/>
-              </a:ext>
-            </a:extLst>
-          </p:cNvPr>
-          <p:cNvSpPr/>
-          <p:nvPr/>
-        </p:nvSpPr>
-        <p:spPr>
-          <a:xfrm>
-            <a:off x="8998747" y="3851077"/>
-            <a:ext cx="220640" cy="205048"/>
-          </a:xfrm>
-          <a:prstGeom prst="upArrow">
-            <a:avLst/>
-          </a:prstGeom>
-          <a:gradFill flip="none" rotWithShape="1">
-            <a:gsLst>
-              <a:gs pos="0">
-                <a:schemeClr val="accent2">
-                  <a:shade val="30000"/>
-                  <a:satMod val="115000"/>
-                </a:schemeClr>
-              </a:gs>
-              <a:gs pos="50000">
-                <a:schemeClr val="accent2">
-                  <a:shade val="67500"/>
-                  <a:satMod val="115000"/>
-                </a:schemeClr>
-              </a:gs>
-              <a:gs pos="100000">
-                <a:schemeClr val="accent2">
-                  <a:shade val="100000"/>
-                  <a:satMod val="115000"/>
-                </a:schemeClr>
-              </a:gs>
-            </a:gsLst>
-            <a:lin ang="16200000" scaled="1"/>
-            <a:tileRect/>
-          </a:gradFill>
-          <a:ln>
-            <a:solidFill>
-              <a:schemeClr val="accent2"/>
-            </a:solidFill>
-          </a:ln>
-        </p:spPr>
-        <p:style>
-          <a:lnRef idx="2">
-            <a:schemeClr val="accent1">
-              <a:shade val="50000"/>
-            </a:schemeClr>
-          </a:lnRef>
-          <a:fillRef idx="1">
-            <a:schemeClr val="accent1"/>
-          </a:fillRef>
-          <a:effectRef idx="0">
-            <a:schemeClr val="accent1"/>
-          </a:effectRef>
-          <a:fontRef idx="minor">
-            <a:schemeClr val="lt1"/>
-          </a:fontRef>
-        </p:style>
-        <p:txBody>
-          <a:bodyPr rtlCol="0" anchor="ctr"/>
-          <a:lstStyle/>
-          <a:p>
-            <a:pPr algn="ctr"/>
-            <a:endParaRPr lang="en-GB"/>
-          </a:p>
-        </p:txBody>
-      </p:sp>
-      <p:sp>
-        <p:nvSpPr>
-          <p:cNvPr id="114" name="Rectangle 113">
-            <a:extLst>
-              <a:ext uri="{FF2B5EF4-FFF2-40B4-BE49-F238E27FC236}">
-                <a16:creationId xmlns:a16="http://schemas.microsoft.com/office/drawing/2014/main" id="{AE15F166-3705-4055-82E9-D60C34A92E13}"/>
-              </a:ext>
-            </a:extLst>
-          </p:cNvPr>
-          <p:cNvSpPr/>
-          <p:nvPr/>
-        </p:nvSpPr>
-        <p:spPr>
-          <a:xfrm>
-            <a:off x="8745626" y="3774970"/>
-            <a:ext cx="754145" cy="360691"/>
-          </a:xfrm>
-          <a:prstGeom prst="rect">
-            <a:avLst/>
-          </a:prstGeom>
-          <a:solidFill>
-            <a:srgbClr val="449CB6"/>
-          </a:solidFill>
-          <a:ln>
-            <a:noFill/>
-          </a:ln>
-        </p:spPr>
-        <p:style>
-          <a:lnRef idx="2">
-            <a:schemeClr val="accent1">
-              <a:shade val="50000"/>
-            </a:schemeClr>
-          </a:lnRef>
-          <a:fillRef idx="1">
-            <a:schemeClr val="accent1"/>
-          </a:fillRef>
-          <a:effectRef idx="0">
-            <a:schemeClr val="accent1"/>
-          </a:effectRef>
-          <a:fontRef idx="minor">
-            <a:schemeClr val="lt1"/>
-          </a:fontRef>
-        </p:style>
-        <p:txBody>
-          <a:bodyPr rtlCol="0" anchor="ctr"/>
-          <a:lstStyle/>
-          <a:p>
-            <a:pPr algn="ctr"/>
-            <a:endParaRPr lang="en-AU"/>
-          </a:p>
-        </p:txBody>
-      </p:sp>
       <p:sp>
         <p:nvSpPr>
           <p:cNvPr id="154" name="Rectangle 153">
@@ -16606,6 +15517,387 @@
       </p:sp>
       <p:sp>
         <p:nvSpPr>
+          <p:cNvPr id="212" name="Arrow: Up 211">
+            <a:extLst>
+              <a:ext uri="{FF2B5EF4-FFF2-40B4-BE49-F238E27FC236}">
+                <a16:creationId xmlns:a16="http://schemas.microsoft.com/office/drawing/2014/main" id="{D3FA5674-1766-421D-9FFF-D98E21F98F8A}"/>
+              </a:ext>
+            </a:extLst>
+          </p:cNvPr>
+          <p:cNvSpPr/>
+          <p:nvPr/>
+        </p:nvSpPr>
+        <p:spPr>
+          <a:xfrm rot="10800000">
+            <a:off x="7990230" y="2931121"/>
+            <a:ext cx="220640" cy="205048"/>
+          </a:xfrm>
+          <a:prstGeom prst="upArrow">
+            <a:avLst/>
+          </a:prstGeom>
+          <a:gradFill flip="none" rotWithShape="1">
+            <a:gsLst>
+              <a:gs pos="0">
+                <a:schemeClr val="accent2">
+                  <a:shade val="30000"/>
+                  <a:satMod val="115000"/>
+                </a:schemeClr>
+              </a:gs>
+              <a:gs pos="50000">
+                <a:schemeClr val="accent2">
+                  <a:shade val="67500"/>
+                  <a:satMod val="115000"/>
+                </a:schemeClr>
+              </a:gs>
+              <a:gs pos="100000">
+                <a:schemeClr val="accent2">
+                  <a:shade val="100000"/>
+                  <a:satMod val="115000"/>
+                </a:schemeClr>
+              </a:gs>
+            </a:gsLst>
+            <a:lin ang="16200000" scaled="1"/>
+            <a:tileRect/>
+          </a:gradFill>
+          <a:ln>
+            <a:solidFill>
+              <a:schemeClr val="accent2"/>
+            </a:solidFill>
+          </a:ln>
+        </p:spPr>
+        <p:style>
+          <a:lnRef idx="2">
+            <a:schemeClr val="accent1">
+              <a:shade val="50000"/>
+            </a:schemeClr>
+          </a:lnRef>
+          <a:fillRef idx="1">
+            <a:schemeClr val="accent1"/>
+          </a:fillRef>
+          <a:effectRef idx="0">
+            <a:schemeClr val="accent1"/>
+          </a:effectRef>
+          <a:fontRef idx="minor">
+            <a:schemeClr val="lt1"/>
+          </a:fontRef>
+        </p:style>
+        <p:txBody>
+          <a:bodyPr rtlCol="0" anchor="ctr"/>
+          <a:lstStyle/>
+          <a:p>
+            <a:pPr algn="ctr"/>
+            <a:endParaRPr lang="en-GB"/>
+          </a:p>
+        </p:txBody>
+      </p:sp>
+      <p:sp>
+        <p:nvSpPr>
+          <p:cNvPr id="167" name="Rectangle 166">
+            <a:extLst>
+              <a:ext uri="{FF2B5EF4-FFF2-40B4-BE49-F238E27FC236}">
+                <a16:creationId xmlns:a16="http://schemas.microsoft.com/office/drawing/2014/main" id="{0F321964-3A72-4379-9C87-C262F30D9565}"/>
+              </a:ext>
+            </a:extLst>
+          </p:cNvPr>
+          <p:cNvSpPr/>
+          <p:nvPr/>
+        </p:nvSpPr>
+        <p:spPr>
+          <a:xfrm>
+            <a:off x="7749032" y="2912147"/>
+            <a:ext cx="754145" cy="360691"/>
+          </a:xfrm>
+          <a:prstGeom prst="rect">
+            <a:avLst/>
+          </a:prstGeom>
+          <a:solidFill>
+            <a:srgbClr val="50B3CA"/>
+          </a:solidFill>
+          <a:ln>
+            <a:noFill/>
+          </a:ln>
+        </p:spPr>
+        <p:style>
+          <a:lnRef idx="2">
+            <a:schemeClr val="accent1">
+              <a:shade val="50000"/>
+            </a:schemeClr>
+          </a:lnRef>
+          <a:fillRef idx="1">
+            <a:schemeClr val="accent1"/>
+          </a:fillRef>
+          <a:effectRef idx="0">
+            <a:schemeClr val="accent1"/>
+          </a:effectRef>
+          <a:fontRef idx="minor">
+            <a:schemeClr val="lt1"/>
+          </a:fontRef>
+        </p:style>
+        <p:txBody>
+          <a:bodyPr rtlCol="0" anchor="ctr"/>
+          <a:lstStyle/>
+          <a:p>
+            <a:pPr algn="ctr"/>
+            <a:endParaRPr lang="en-AU"/>
+          </a:p>
+        </p:txBody>
+      </p:sp>
+      <p:sp>
+        <p:nvSpPr>
+          <p:cNvPr id="209" name="Arrow: Up 208">
+            <a:extLst>
+              <a:ext uri="{FF2B5EF4-FFF2-40B4-BE49-F238E27FC236}">
+                <a16:creationId xmlns:a16="http://schemas.microsoft.com/office/drawing/2014/main" id="{C34046BF-6A99-490D-80B8-DC1CAEF0D975}"/>
+              </a:ext>
+            </a:extLst>
+          </p:cNvPr>
+          <p:cNvSpPr/>
+          <p:nvPr/>
+        </p:nvSpPr>
+        <p:spPr>
+          <a:xfrm rot="16200000">
+            <a:off x="8984642" y="2971292"/>
+            <a:ext cx="220640" cy="205048"/>
+          </a:xfrm>
+          <a:prstGeom prst="upArrow">
+            <a:avLst/>
+          </a:prstGeom>
+          <a:gradFill flip="none" rotWithShape="1">
+            <a:gsLst>
+              <a:gs pos="0">
+                <a:schemeClr val="accent2">
+                  <a:shade val="30000"/>
+                  <a:satMod val="115000"/>
+                </a:schemeClr>
+              </a:gs>
+              <a:gs pos="50000">
+                <a:schemeClr val="accent2">
+                  <a:shade val="67500"/>
+                  <a:satMod val="115000"/>
+                </a:schemeClr>
+              </a:gs>
+              <a:gs pos="100000">
+                <a:schemeClr val="accent2">
+                  <a:shade val="100000"/>
+                  <a:satMod val="115000"/>
+                </a:schemeClr>
+              </a:gs>
+            </a:gsLst>
+            <a:lin ang="16200000" scaled="1"/>
+            <a:tileRect/>
+          </a:gradFill>
+          <a:ln>
+            <a:solidFill>
+              <a:schemeClr val="accent2"/>
+            </a:solidFill>
+          </a:ln>
+        </p:spPr>
+        <p:style>
+          <a:lnRef idx="2">
+            <a:schemeClr val="accent1">
+              <a:shade val="50000"/>
+            </a:schemeClr>
+          </a:lnRef>
+          <a:fillRef idx="1">
+            <a:schemeClr val="accent1"/>
+          </a:fillRef>
+          <a:effectRef idx="0">
+            <a:schemeClr val="accent1"/>
+          </a:effectRef>
+          <a:fontRef idx="minor">
+            <a:schemeClr val="lt1"/>
+          </a:fontRef>
+        </p:style>
+        <p:txBody>
+          <a:bodyPr rtlCol="0" anchor="ctr"/>
+          <a:lstStyle/>
+          <a:p>
+            <a:pPr algn="ctr"/>
+            <a:endParaRPr lang="en-GB"/>
+          </a:p>
+        </p:txBody>
+      </p:sp>
+      <p:sp>
+        <p:nvSpPr>
+          <p:cNvPr id="102" name="Rectangle 101">
+            <a:extLst>
+              <a:ext uri="{FF2B5EF4-FFF2-40B4-BE49-F238E27FC236}">
+                <a16:creationId xmlns:a16="http://schemas.microsoft.com/office/drawing/2014/main" id="{194AB7CA-12D5-4C0E-B435-CB4BFF44372F}"/>
+              </a:ext>
+            </a:extLst>
+          </p:cNvPr>
+          <p:cNvSpPr/>
+          <p:nvPr/>
+        </p:nvSpPr>
+        <p:spPr>
+          <a:xfrm>
+            <a:off x="8745626" y="2912147"/>
+            <a:ext cx="754145" cy="360691"/>
+          </a:xfrm>
+          <a:prstGeom prst="rect">
+            <a:avLst/>
+          </a:prstGeom>
+          <a:solidFill>
+            <a:srgbClr val="50B3CA"/>
+          </a:solidFill>
+          <a:ln>
+            <a:noFill/>
+          </a:ln>
+        </p:spPr>
+        <p:style>
+          <a:lnRef idx="2">
+            <a:schemeClr val="accent1">
+              <a:shade val="50000"/>
+            </a:schemeClr>
+          </a:lnRef>
+          <a:fillRef idx="1">
+            <a:schemeClr val="accent1"/>
+          </a:fillRef>
+          <a:effectRef idx="0">
+            <a:schemeClr val="accent1"/>
+          </a:effectRef>
+          <a:fontRef idx="minor">
+            <a:schemeClr val="lt1"/>
+          </a:fontRef>
+        </p:style>
+        <p:txBody>
+          <a:bodyPr rtlCol="0" anchor="ctr"/>
+          <a:lstStyle/>
+          <a:p>
+            <a:pPr algn="ctr"/>
+            <a:endParaRPr lang="en-AU"/>
+          </a:p>
+        </p:txBody>
+      </p:sp>
+      <p:sp>
+        <p:nvSpPr>
+          <p:cNvPr id="208" name="Arrow: Up 207">
+            <a:extLst>
+              <a:ext uri="{FF2B5EF4-FFF2-40B4-BE49-F238E27FC236}">
+                <a16:creationId xmlns:a16="http://schemas.microsoft.com/office/drawing/2014/main" id="{4ED5D909-13D9-4BDC-9B9F-467BA6DEA10F}"/>
+              </a:ext>
+            </a:extLst>
+          </p:cNvPr>
+          <p:cNvSpPr/>
+          <p:nvPr/>
+        </p:nvSpPr>
+        <p:spPr>
+          <a:xfrm>
+            <a:off x="8998747" y="3851077"/>
+            <a:ext cx="220640" cy="205048"/>
+          </a:xfrm>
+          <a:prstGeom prst="upArrow">
+            <a:avLst/>
+          </a:prstGeom>
+          <a:gradFill flip="none" rotWithShape="1">
+            <a:gsLst>
+              <a:gs pos="0">
+                <a:schemeClr val="accent2">
+                  <a:shade val="30000"/>
+                  <a:satMod val="115000"/>
+                </a:schemeClr>
+              </a:gs>
+              <a:gs pos="50000">
+                <a:schemeClr val="accent2">
+                  <a:shade val="67500"/>
+                  <a:satMod val="115000"/>
+                </a:schemeClr>
+              </a:gs>
+              <a:gs pos="100000">
+                <a:schemeClr val="accent2">
+                  <a:shade val="100000"/>
+                  <a:satMod val="115000"/>
+                </a:schemeClr>
+              </a:gs>
+            </a:gsLst>
+            <a:lin ang="16200000" scaled="1"/>
+            <a:tileRect/>
+          </a:gradFill>
+          <a:ln>
+            <a:solidFill>
+              <a:schemeClr val="accent2"/>
+            </a:solidFill>
+          </a:ln>
+        </p:spPr>
+        <p:style>
+          <a:lnRef idx="2">
+            <a:schemeClr val="accent1">
+              <a:shade val="50000"/>
+            </a:schemeClr>
+          </a:lnRef>
+          <a:fillRef idx="1">
+            <a:schemeClr val="accent1"/>
+          </a:fillRef>
+          <a:effectRef idx="0">
+            <a:schemeClr val="accent1"/>
+          </a:effectRef>
+          <a:fontRef idx="minor">
+            <a:schemeClr val="lt1"/>
+          </a:fontRef>
+        </p:style>
+        <p:txBody>
+          <a:bodyPr rtlCol="0" anchor="ctr"/>
+          <a:lstStyle/>
+          <a:p>
+            <a:pPr algn="ctr"/>
+            <a:endParaRPr lang="en-GB"/>
+          </a:p>
+        </p:txBody>
+      </p:sp>
+      <p:sp>
+        <p:nvSpPr>
+          <p:cNvPr id="114" name="Rectangle 113">
+            <a:extLst>
+              <a:ext uri="{FF2B5EF4-FFF2-40B4-BE49-F238E27FC236}">
+                <a16:creationId xmlns:a16="http://schemas.microsoft.com/office/drawing/2014/main" id="{AE15F166-3705-4055-82E9-D60C34A92E13}"/>
+              </a:ext>
+            </a:extLst>
+          </p:cNvPr>
+          <p:cNvSpPr/>
+          <p:nvPr/>
+        </p:nvSpPr>
+        <p:spPr>
+          <a:xfrm>
+            <a:off x="8745626" y="3774970"/>
+            <a:ext cx="754145" cy="360691"/>
+          </a:xfrm>
+          <a:prstGeom prst="rect">
+            <a:avLst/>
+          </a:prstGeom>
+          <a:solidFill>
+            <a:srgbClr val="449CB6"/>
+          </a:solidFill>
+          <a:ln>
+            <a:noFill/>
+          </a:ln>
+        </p:spPr>
+        <p:style>
+          <a:lnRef idx="2">
+            <a:schemeClr val="accent1">
+              <a:shade val="50000"/>
+            </a:schemeClr>
+          </a:lnRef>
+          <a:fillRef idx="1">
+            <a:schemeClr val="accent1"/>
+          </a:fillRef>
+          <a:effectRef idx="0">
+            <a:schemeClr val="accent1"/>
+          </a:effectRef>
+          <a:fontRef idx="minor">
+            <a:schemeClr val="lt1"/>
+          </a:fontRef>
+        </p:style>
+        <p:txBody>
+          <a:bodyPr rtlCol="0" anchor="ctr"/>
+          <a:lstStyle/>
+          <a:p>
+            <a:pPr algn="ctr"/>
+            <a:endParaRPr lang="en-AU"/>
+          </a:p>
+        </p:txBody>
+      </p:sp>
+      <p:sp>
+        <p:nvSpPr>
           <p:cNvPr id="207" name="Arrow: Up 206">
             <a:extLst>
               <a:ext uri="{FF2B5EF4-FFF2-40B4-BE49-F238E27FC236}">
@@ -17209,6 +16501,895 @@
           </a:prstGeom>
           <a:solidFill>
             <a:srgbClr val="3686A3"/>
+          </a:solidFill>
+          <a:ln>
+            <a:noFill/>
+          </a:ln>
+        </p:spPr>
+        <p:style>
+          <a:lnRef idx="2">
+            <a:schemeClr val="accent1">
+              <a:shade val="50000"/>
+            </a:schemeClr>
+          </a:lnRef>
+          <a:fillRef idx="1">
+            <a:schemeClr val="accent1"/>
+          </a:fillRef>
+          <a:effectRef idx="0">
+            <a:schemeClr val="accent1"/>
+          </a:effectRef>
+          <a:fontRef idx="minor">
+            <a:schemeClr val="lt1"/>
+          </a:fontRef>
+        </p:style>
+        <p:txBody>
+          <a:bodyPr rtlCol="0" anchor="ctr"/>
+          <a:lstStyle/>
+          <a:p>
+            <a:pPr algn="ctr"/>
+            <a:endParaRPr lang="en-AU"/>
+          </a:p>
+        </p:txBody>
+      </p:sp>
+      <p:sp>
+        <p:nvSpPr>
+          <p:cNvPr id="196" name="Arrow: Up 195">
+            <a:extLst>
+              <a:ext uri="{FF2B5EF4-FFF2-40B4-BE49-F238E27FC236}">
+                <a16:creationId xmlns:a16="http://schemas.microsoft.com/office/drawing/2014/main" id="{0075D229-1A99-422D-9872-F2D053742BFE}"/>
+              </a:ext>
+            </a:extLst>
+          </p:cNvPr>
+          <p:cNvSpPr/>
+          <p:nvPr/>
+        </p:nvSpPr>
+        <p:spPr>
+          <a:xfrm rot="10800000">
+            <a:off x="9983614" y="2987318"/>
+            <a:ext cx="220640" cy="205048"/>
+          </a:xfrm>
+          <a:prstGeom prst="upArrow">
+            <a:avLst/>
+          </a:prstGeom>
+          <a:gradFill flip="none" rotWithShape="1">
+            <a:gsLst>
+              <a:gs pos="0">
+                <a:schemeClr val="accent2">
+                  <a:shade val="30000"/>
+                  <a:satMod val="115000"/>
+                </a:schemeClr>
+              </a:gs>
+              <a:gs pos="50000">
+                <a:schemeClr val="accent2">
+                  <a:shade val="67500"/>
+                  <a:satMod val="115000"/>
+                </a:schemeClr>
+              </a:gs>
+              <a:gs pos="100000">
+                <a:schemeClr val="accent2">
+                  <a:shade val="100000"/>
+                  <a:satMod val="115000"/>
+                </a:schemeClr>
+              </a:gs>
+            </a:gsLst>
+            <a:lin ang="16200000" scaled="1"/>
+            <a:tileRect/>
+          </a:gradFill>
+          <a:ln>
+            <a:solidFill>
+              <a:schemeClr val="accent2"/>
+            </a:solidFill>
+          </a:ln>
+        </p:spPr>
+        <p:style>
+          <a:lnRef idx="2">
+            <a:schemeClr val="accent1">
+              <a:shade val="50000"/>
+            </a:schemeClr>
+          </a:lnRef>
+          <a:fillRef idx="1">
+            <a:schemeClr val="accent1"/>
+          </a:fillRef>
+          <a:effectRef idx="0">
+            <a:schemeClr val="accent1"/>
+          </a:effectRef>
+          <a:fontRef idx="minor">
+            <a:schemeClr val="lt1"/>
+          </a:fontRef>
+        </p:style>
+        <p:txBody>
+          <a:bodyPr rtlCol="0" anchor="ctr"/>
+          <a:lstStyle/>
+          <a:p>
+            <a:pPr algn="ctr"/>
+            <a:endParaRPr lang="en-GB"/>
+          </a:p>
+        </p:txBody>
+      </p:sp>
+      <p:sp>
+        <p:nvSpPr>
+          <p:cNvPr id="99" name="Rectangle 98">
+            <a:extLst>
+              <a:ext uri="{FF2B5EF4-FFF2-40B4-BE49-F238E27FC236}">
+                <a16:creationId xmlns:a16="http://schemas.microsoft.com/office/drawing/2014/main" id="{4B88B458-64EE-4E98-AC65-55C2F044048D}"/>
+              </a:ext>
+            </a:extLst>
+          </p:cNvPr>
+          <p:cNvSpPr/>
+          <p:nvPr/>
+        </p:nvSpPr>
+        <p:spPr>
+          <a:xfrm>
+            <a:off x="9737798" y="2912147"/>
+            <a:ext cx="754145" cy="360691"/>
+          </a:xfrm>
+          <a:prstGeom prst="rect">
+            <a:avLst/>
+          </a:prstGeom>
+          <a:solidFill>
+            <a:srgbClr val="42A1BB"/>
+          </a:solidFill>
+          <a:ln>
+            <a:noFill/>
+          </a:ln>
+        </p:spPr>
+        <p:style>
+          <a:lnRef idx="2">
+            <a:schemeClr val="accent1">
+              <a:shade val="50000"/>
+            </a:schemeClr>
+          </a:lnRef>
+          <a:fillRef idx="1">
+            <a:schemeClr val="accent1"/>
+          </a:fillRef>
+          <a:effectRef idx="0">
+            <a:schemeClr val="accent1"/>
+          </a:effectRef>
+          <a:fontRef idx="minor">
+            <a:schemeClr val="lt1"/>
+          </a:fontRef>
+        </p:style>
+        <p:txBody>
+          <a:bodyPr rtlCol="0" anchor="ctr"/>
+          <a:lstStyle/>
+          <a:p>
+            <a:pPr algn="ctr"/>
+            <a:endParaRPr lang="en-AU"/>
+          </a:p>
+        </p:txBody>
+      </p:sp>
+      <p:sp>
+        <p:nvSpPr>
+          <p:cNvPr id="195" name="Arrow: Up 194">
+            <a:extLst>
+              <a:ext uri="{FF2B5EF4-FFF2-40B4-BE49-F238E27FC236}">
+                <a16:creationId xmlns:a16="http://schemas.microsoft.com/office/drawing/2014/main" id="{C5665B24-8AD7-465F-8A56-3E54176D855C}"/>
+              </a:ext>
+            </a:extLst>
+          </p:cNvPr>
+          <p:cNvSpPr/>
+          <p:nvPr/>
+        </p:nvSpPr>
+        <p:spPr>
+          <a:xfrm rot="10800000">
+            <a:off x="10021234" y="2137379"/>
+            <a:ext cx="220640" cy="205048"/>
+          </a:xfrm>
+          <a:prstGeom prst="upArrow">
+            <a:avLst/>
+          </a:prstGeom>
+          <a:gradFill flip="none" rotWithShape="1">
+            <a:gsLst>
+              <a:gs pos="0">
+                <a:schemeClr val="accent2">
+                  <a:shade val="30000"/>
+                  <a:satMod val="115000"/>
+                </a:schemeClr>
+              </a:gs>
+              <a:gs pos="50000">
+                <a:schemeClr val="accent2">
+                  <a:shade val="67500"/>
+                  <a:satMod val="115000"/>
+                </a:schemeClr>
+              </a:gs>
+              <a:gs pos="100000">
+                <a:schemeClr val="accent2">
+                  <a:shade val="100000"/>
+                  <a:satMod val="115000"/>
+                </a:schemeClr>
+              </a:gs>
+            </a:gsLst>
+            <a:lin ang="16200000" scaled="1"/>
+            <a:tileRect/>
+          </a:gradFill>
+          <a:ln>
+            <a:solidFill>
+              <a:schemeClr val="accent2"/>
+            </a:solidFill>
+          </a:ln>
+        </p:spPr>
+        <p:style>
+          <a:lnRef idx="2">
+            <a:schemeClr val="accent1">
+              <a:shade val="50000"/>
+            </a:schemeClr>
+          </a:lnRef>
+          <a:fillRef idx="1">
+            <a:schemeClr val="accent1"/>
+          </a:fillRef>
+          <a:effectRef idx="0">
+            <a:schemeClr val="accent1"/>
+          </a:effectRef>
+          <a:fontRef idx="minor">
+            <a:schemeClr val="lt1"/>
+          </a:fontRef>
+        </p:style>
+        <p:txBody>
+          <a:bodyPr rtlCol="0" anchor="ctr"/>
+          <a:lstStyle/>
+          <a:p>
+            <a:pPr algn="ctr"/>
+            <a:endParaRPr lang="en-GB"/>
+          </a:p>
+        </p:txBody>
+      </p:sp>
+      <p:sp>
+        <p:nvSpPr>
+          <p:cNvPr id="97" name="Rectangle 96">
+            <a:extLst>
+              <a:ext uri="{FF2B5EF4-FFF2-40B4-BE49-F238E27FC236}">
+                <a16:creationId xmlns:a16="http://schemas.microsoft.com/office/drawing/2014/main" id="{566C77A5-183A-4A9C-AAF2-50478932A3B0}"/>
+              </a:ext>
+            </a:extLst>
+          </p:cNvPr>
+          <p:cNvSpPr/>
+          <p:nvPr/>
+        </p:nvSpPr>
+        <p:spPr>
+          <a:xfrm>
+            <a:off x="9751839" y="2050158"/>
+            <a:ext cx="754145" cy="360691"/>
+          </a:xfrm>
+          <a:prstGeom prst="rect">
+            <a:avLst/>
+          </a:prstGeom>
+          <a:solidFill>
+            <a:srgbClr val="3A9EB8"/>
+          </a:solidFill>
+          <a:ln>
+            <a:noFill/>
+          </a:ln>
+        </p:spPr>
+        <p:style>
+          <a:lnRef idx="2">
+            <a:schemeClr val="accent1">
+              <a:shade val="50000"/>
+            </a:schemeClr>
+          </a:lnRef>
+          <a:fillRef idx="1">
+            <a:schemeClr val="accent1"/>
+          </a:fillRef>
+          <a:effectRef idx="0">
+            <a:schemeClr val="accent1"/>
+          </a:effectRef>
+          <a:fontRef idx="minor">
+            <a:schemeClr val="lt1"/>
+          </a:fontRef>
+        </p:style>
+        <p:txBody>
+          <a:bodyPr rtlCol="0" anchor="ctr"/>
+          <a:lstStyle/>
+          <a:p>
+            <a:pPr algn="ctr"/>
+            <a:endParaRPr lang="en-AU"/>
+          </a:p>
+        </p:txBody>
+      </p:sp>
+      <p:sp>
+        <p:nvSpPr>
+          <p:cNvPr id="194" name="Arrow: Up 193">
+            <a:extLst>
+              <a:ext uri="{FF2B5EF4-FFF2-40B4-BE49-F238E27FC236}">
+                <a16:creationId xmlns:a16="http://schemas.microsoft.com/office/drawing/2014/main" id="{5E0834B8-6D1C-4557-99A0-20703B5B22FE}"/>
+              </a:ext>
+            </a:extLst>
+          </p:cNvPr>
+          <p:cNvSpPr/>
+          <p:nvPr/>
+        </p:nvSpPr>
+        <p:spPr>
+          <a:xfrm rot="5400000">
+            <a:off x="9025947" y="2100853"/>
+            <a:ext cx="220640" cy="205048"/>
+          </a:xfrm>
+          <a:prstGeom prst="upArrow">
+            <a:avLst/>
+          </a:prstGeom>
+          <a:gradFill flip="none" rotWithShape="1">
+            <a:gsLst>
+              <a:gs pos="0">
+                <a:schemeClr val="accent2">
+                  <a:shade val="30000"/>
+                  <a:satMod val="115000"/>
+                </a:schemeClr>
+              </a:gs>
+              <a:gs pos="50000">
+                <a:schemeClr val="accent2">
+                  <a:shade val="67500"/>
+                  <a:satMod val="115000"/>
+                </a:schemeClr>
+              </a:gs>
+              <a:gs pos="100000">
+                <a:schemeClr val="accent2">
+                  <a:shade val="100000"/>
+                  <a:satMod val="115000"/>
+                </a:schemeClr>
+              </a:gs>
+            </a:gsLst>
+            <a:lin ang="16200000" scaled="1"/>
+            <a:tileRect/>
+          </a:gradFill>
+          <a:ln>
+            <a:solidFill>
+              <a:schemeClr val="accent2"/>
+            </a:solidFill>
+          </a:ln>
+        </p:spPr>
+        <p:style>
+          <a:lnRef idx="2">
+            <a:schemeClr val="accent1">
+              <a:shade val="50000"/>
+            </a:schemeClr>
+          </a:lnRef>
+          <a:fillRef idx="1">
+            <a:schemeClr val="accent1"/>
+          </a:fillRef>
+          <a:effectRef idx="0">
+            <a:schemeClr val="accent1"/>
+          </a:effectRef>
+          <a:fontRef idx="minor">
+            <a:schemeClr val="lt1"/>
+          </a:fontRef>
+        </p:style>
+        <p:txBody>
+          <a:bodyPr rtlCol="0" anchor="ctr"/>
+          <a:lstStyle/>
+          <a:p>
+            <a:pPr algn="ctr"/>
+            <a:endParaRPr lang="en-GB"/>
+          </a:p>
+        </p:txBody>
+      </p:sp>
+      <p:sp>
+        <p:nvSpPr>
+          <p:cNvPr id="193" name="Rectangle 192">
+            <a:extLst>
+              <a:ext uri="{FF2B5EF4-FFF2-40B4-BE49-F238E27FC236}">
+                <a16:creationId xmlns:a16="http://schemas.microsoft.com/office/drawing/2014/main" id="{8B8BF459-3140-480B-A89B-862792BE7F8D}"/>
+              </a:ext>
+            </a:extLst>
+          </p:cNvPr>
+          <p:cNvSpPr/>
+          <p:nvPr/>
+        </p:nvSpPr>
+        <p:spPr>
+          <a:xfrm>
+            <a:off x="8745626" y="2050158"/>
+            <a:ext cx="754145" cy="360691"/>
+          </a:xfrm>
+          <a:prstGeom prst="rect">
+            <a:avLst/>
+          </a:prstGeom>
+          <a:solidFill>
+            <a:srgbClr val="4EB7CE"/>
+          </a:solidFill>
+          <a:ln>
+            <a:noFill/>
+          </a:ln>
+        </p:spPr>
+        <p:style>
+          <a:lnRef idx="2">
+            <a:schemeClr val="accent1">
+              <a:shade val="50000"/>
+            </a:schemeClr>
+          </a:lnRef>
+          <a:fillRef idx="1">
+            <a:schemeClr val="accent1"/>
+          </a:fillRef>
+          <a:effectRef idx="0">
+            <a:schemeClr val="accent1"/>
+          </a:effectRef>
+          <a:fontRef idx="minor">
+            <a:schemeClr val="lt1"/>
+          </a:fontRef>
+        </p:style>
+        <p:txBody>
+          <a:bodyPr rtlCol="0" anchor="ctr"/>
+          <a:lstStyle/>
+          <a:p>
+            <a:pPr algn="ctr"/>
+            <a:endParaRPr lang="en-AU"/>
+          </a:p>
+        </p:txBody>
+      </p:sp>
+      <p:sp>
+        <p:nvSpPr>
+          <p:cNvPr id="49" name="Arrow: Up 48">
+            <a:extLst>
+              <a:ext uri="{FF2B5EF4-FFF2-40B4-BE49-F238E27FC236}">
+                <a16:creationId xmlns:a16="http://schemas.microsoft.com/office/drawing/2014/main" id="{A9F04D85-4590-4894-9DE7-AC8D8A53EFF5}"/>
+              </a:ext>
+            </a:extLst>
+          </p:cNvPr>
+          <p:cNvSpPr/>
+          <p:nvPr/>
+        </p:nvSpPr>
+        <p:spPr>
+          <a:xfrm rot="5400000">
+            <a:off x="8046288" y="2100853"/>
+            <a:ext cx="220640" cy="205048"/>
+          </a:xfrm>
+          <a:prstGeom prst="upArrow">
+            <a:avLst/>
+          </a:prstGeom>
+          <a:gradFill flip="none" rotWithShape="1">
+            <a:gsLst>
+              <a:gs pos="0">
+                <a:schemeClr val="accent2">
+                  <a:shade val="30000"/>
+                  <a:satMod val="115000"/>
+                </a:schemeClr>
+              </a:gs>
+              <a:gs pos="50000">
+                <a:schemeClr val="accent2">
+                  <a:shade val="67500"/>
+                  <a:satMod val="115000"/>
+                </a:schemeClr>
+              </a:gs>
+              <a:gs pos="100000">
+                <a:schemeClr val="accent2">
+                  <a:shade val="100000"/>
+                  <a:satMod val="115000"/>
+                </a:schemeClr>
+              </a:gs>
+            </a:gsLst>
+            <a:lin ang="16200000" scaled="1"/>
+            <a:tileRect/>
+          </a:gradFill>
+          <a:ln>
+            <a:solidFill>
+              <a:schemeClr val="accent2"/>
+            </a:solidFill>
+          </a:ln>
+        </p:spPr>
+        <p:style>
+          <a:lnRef idx="2">
+            <a:schemeClr val="accent1">
+              <a:shade val="50000"/>
+            </a:schemeClr>
+          </a:lnRef>
+          <a:fillRef idx="1">
+            <a:schemeClr val="accent1"/>
+          </a:fillRef>
+          <a:effectRef idx="0">
+            <a:schemeClr val="accent1"/>
+          </a:effectRef>
+          <a:fontRef idx="minor">
+            <a:schemeClr val="lt1"/>
+          </a:fontRef>
+        </p:style>
+        <p:txBody>
+          <a:bodyPr rtlCol="0" anchor="ctr"/>
+          <a:lstStyle/>
+          <a:p>
+            <a:pPr algn="ctr"/>
+            <a:endParaRPr lang="en-GB"/>
+          </a:p>
+        </p:txBody>
+      </p:sp>
+      <p:sp>
+        <p:nvSpPr>
+          <p:cNvPr id="50" name="Rectangle 49">
+            <a:extLst>
+              <a:ext uri="{FF2B5EF4-FFF2-40B4-BE49-F238E27FC236}">
+                <a16:creationId xmlns:a16="http://schemas.microsoft.com/office/drawing/2014/main" id="{E1BF1A9F-BBDD-4D16-8503-1AE0EF2EC352}"/>
+              </a:ext>
+            </a:extLst>
+          </p:cNvPr>
+          <p:cNvSpPr/>
+          <p:nvPr/>
+        </p:nvSpPr>
+        <p:spPr>
+          <a:xfrm>
+            <a:off x="7758769" y="2050158"/>
+            <a:ext cx="754145" cy="360691"/>
+          </a:xfrm>
+          <a:prstGeom prst="rect">
+            <a:avLst/>
+          </a:prstGeom>
+          <a:solidFill>
+            <a:srgbClr val="5EC4D8"/>
+          </a:solidFill>
+          <a:ln>
+            <a:noFill/>
+          </a:ln>
+        </p:spPr>
+        <p:style>
+          <a:lnRef idx="2">
+            <a:schemeClr val="accent1">
+              <a:shade val="50000"/>
+            </a:schemeClr>
+          </a:lnRef>
+          <a:fillRef idx="1">
+            <a:schemeClr val="accent1"/>
+          </a:fillRef>
+          <a:effectRef idx="0">
+            <a:schemeClr val="accent1"/>
+          </a:effectRef>
+          <a:fontRef idx="minor">
+            <a:schemeClr val="lt1"/>
+          </a:fontRef>
+        </p:style>
+        <p:txBody>
+          <a:bodyPr rtlCol="0" anchor="ctr"/>
+          <a:lstStyle/>
+          <a:p>
+            <a:pPr algn="ctr"/>
+            <a:endParaRPr lang="en-AU"/>
+          </a:p>
+        </p:txBody>
+      </p:sp>
+      <p:sp>
+        <p:nvSpPr>
+          <p:cNvPr id="51" name="Arrow: Up 50">
+            <a:extLst>
+              <a:ext uri="{FF2B5EF4-FFF2-40B4-BE49-F238E27FC236}">
+                <a16:creationId xmlns:a16="http://schemas.microsoft.com/office/drawing/2014/main" id="{FFDAB05B-7DCC-4B41-99D9-C45C3A3BFF16}"/>
+              </a:ext>
+            </a:extLst>
+          </p:cNvPr>
+          <p:cNvSpPr/>
+          <p:nvPr/>
+        </p:nvSpPr>
+        <p:spPr>
+          <a:xfrm rot="5400000">
+            <a:off x="7058929" y="2100853"/>
+            <a:ext cx="220640" cy="205048"/>
+          </a:xfrm>
+          <a:prstGeom prst="upArrow">
+            <a:avLst/>
+          </a:prstGeom>
+          <a:gradFill flip="none" rotWithShape="1">
+            <a:gsLst>
+              <a:gs pos="0">
+                <a:schemeClr val="accent2">
+                  <a:shade val="30000"/>
+                  <a:satMod val="115000"/>
+                </a:schemeClr>
+              </a:gs>
+              <a:gs pos="50000">
+                <a:schemeClr val="accent2">
+                  <a:shade val="67500"/>
+                  <a:satMod val="115000"/>
+                </a:schemeClr>
+              </a:gs>
+              <a:gs pos="100000">
+                <a:schemeClr val="accent2">
+                  <a:shade val="100000"/>
+                  <a:satMod val="115000"/>
+                </a:schemeClr>
+              </a:gs>
+            </a:gsLst>
+            <a:lin ang="16200000" scaled="1"/>
+            <a:tileRect/>
+          </a:gradFill>
+          <a:ln>
+            <a:solidFill>
+              <a:schemeClr val="accent2"/>
+            </a:solidFill>
+          </a:ln>
+        </p:spPr>
+        <p:style>
+          <a:lnRef idx="2">
+            <a:schemeClr val="accent1">
+              <a:shade val="50000"/>
+            </a:schemeClr>
+          </a:lnRef>
+          <a:fillRef idx="1">
+            <a:schemeClr val="accent1"/>
+          </a:fillRef>
+          <a:effectRef idx="0">
+            <a:schemeClr val="accent1"/>
+          </a:effectRef>
+          <a:fontRef idx="minor">
+            <a:schemeClr val="lt1"/>
+          </a:fontRef>
+        </p:style>
+        <p:txBody>
+          <a:bodyPr rtlCol="0" anchor="ctr"/>
+          <a:lstStyle/>
+          <a:p>
+            <a:pPr algn="ctr"/>
+            <a:endParaRPr lang="en-GB"/>
+          </a:p>
+        </p:txBody>
+      </p:sp>
+      <p:sp>
+        <p:nvSpPr>
+          <p:cNvPr id="52" name="Rectangle 51">
+            <a:extLst>
+              <a:ext uri="{FF2B5EF4-FFF2-40B4-BE49-F238E27FC236}">
+                <a16:creationId xmlns:a16="http://schemas.microsoft.com/office/drawing/2014/main" id="{A264789D-E5B3-4973-9956-0A3D739F1746}"/>
+              </a:ext>
+            </a:extLst>
+          </p:cNvPr>
+          <p:cNvSpPr/>
+          <p:nvPr/>
+        </p:nvSpPr>
+        <p:spPr>
+          <a:xfrm>
+            <a:off x="6759996" y="2050158"/>
+            <a:ext cx="754145" cy="360691"/>
+          </a:xfrm>
+          <a:prstGeom prst="rect">
+            <a:avLst/>
+          </a:prstGeom>
+          <a:solidFill>
+            <a:srgbClr val="5FC5D9"/>
+          </a:solidFill>
+          <a:ln>
+            <a:noFill/>
+          </a:ln>
+        </p:spPr>
+        <p:style>
+          <a:lnRef idx="2">
+            <a:schemeClr val="accent1">
+              <a:shade val="50000"/>
+            </a:schemeClr>
+          </a:lnRef>
+          <a:fillRef idx="1">
+            <a:schemeClr val="accent1"/>
+          </a:fillRef>
+          <a:effectRef idx="0">
+            <a:schemeClr val="accent1"/>
+          </a:effectRef>
+          <a:fontRef idx="minor">
+            <a:schemeClr val="lt1"/>
+          </a:fontRef>
+        </p:style>
+        <p:txBody>
+          <a:bodyPr rtlCol="0" anchor="ctr"/>
+          <a:lstStyle/>
+          <a:p>
+            <a:pPr algn="ctr"/>
+            <a:endParaRPr lang="en-AU"/>
+          </a:p>
+        </p:txBody>
+      </p:sp>
+      <p:sp>
+        <p:nvSpPr>
+          <p:cNvPr id="53" name="Arrow: Up 52">
+            <a:extLst>
+              <a:ext uri="{FF2B5EF4-FFF2-40B4-BE49-F238E27FC236}">
+                <a16:creationId xmlns:a16="http://schemas.microsoft.com/office/drawing/2014/main" id="{9135793C-3683-4095-BA02-3CF76A62F2D9}"/>
+              </a:ext>
+            </a:extLst>
+          </p:cNvPr>
+          <p:cNvSpPr/>
+          <p:nvPr/>
+        </p:nvSpPr>
+        <p:spPr>
+          <a:xfrm rot="5400000">
+            <a:off x="6071119" y="2100853"/>
+            <a:ext cx="220640" cy="205048"/>
+          </a:xfrm>
+          <a:prstGeom prst="upArrow">
+            <a:avLst/>
+          </a:prstGeom>
+          <a:gradFill flip="none" rotWithShape="1">
+            <a:gsLst>
+              <a:gs pos="0">
+                <a:schemeClr val="accent2">
+                  <a:shade val="30000"/>
+                  <a:satMod val="115000"/>
+                </a:schemeClr>
+              </a:gs>
+              <a:gs pos="50000">
+                <a:schemeClr val="accent2">
+                  <a:shade val="67500"/>
+                  <a:satMod val="115000"/>
+                </a:schemeClr>
+              </a:gs>
+              <a:gs pos="100000">
+                <a:schemeClr val="accent2">
+                  <a:shade val="100000"/>
+                  <a:satMod val="115000"/>
+                </a:schemeClr>
+              </a:gs>
+            </a:gsLst>
+            <a:lin ang="16200000" scaled="1"/>
+            <a:tileRect/>
+          </a:gradFill>
+          <a:ln>
+            <a:solidFill>
+              <a:schemeClr val="accent2"/>
+            </a:solidFill>
+          </a:ln>
+        </p:spPr>
+        <p:style>
+          <a:lnRef idx="2">
+            <a:schemeClr val="accent1">
+              <a:shade val="50000"/>
+            </a:schemeClr>
+          </a:lnRef>
+          <a:fillRef idx="1">
+            <a:schemeClr val="accent1"/>
+          </a:fillRef>
+          <a:effectRef idx="0">
+            <a:schemeClr val="accent1"/>
+          </a:effectRef>
+          <a:fontRef idx="minor">
+            <a:schemeClr val="lt1"/>
+          </a:fontRef>
+        </p:style>
+        <p:txBody>
+          <a:bodyPr rtlCol="0" anchor="ctr"/>
+          <a:lstStyle/>
+          <a:p>
+            <a:pPr algn="ctr"/>
+            <a:endParaRPr lang="en-GB"/>
+          </a:p>
+        </p:txBody>
+      </p:sp>
+      <p:sp>
+        <p:nvSpPr>
+          <p:cNvPr id="54" name="Rectangle 53">
+            <a:extLst>
+              <a:ext uri="{FF2B5EF4-FFF2-40B4-BE49-F238E27FC236}">
+                <a16:creationId xmlns:a16="http://schemas.microsoft.com/office/drawing/2014/main" id="{3A23F4D5-AF82-4CA2-A346-1DB80010710F}"/>
+              </a:ext>
+            </a:extLst>
+          </p:cNvPr>
+          <p:cNvSpPr/>
+          <p:nvPr/>
+        </p:nvSpPr>
+        <p:spPr>
+          <a:xfrm>
+            <a:off x="5778321" y="2050158"/>
+            <a:ext cx="754145" cy="360691"/>
+          </a:xfrm>
+          <a:prstGeom prst="rect">
+            <a:avLst/>
+          </a:prstGeom>
+          <a:solidFill>
+            <a:srgbClr val="68CBDF"/>
+          </a:solidFill>
+          <a:ln>
+            <a:noFill/>
+          </a:ln>
+        </p:spPr>
+        <p:style>
+          <a:lnRef idx="2">
+            <a:schemeClr val="accent1">
+              <a:shade val="50000"/>
+            </a:schemeClr>
+          </a:lnRef>
+          <a:fillRef idx="1">
+            <a:schemeClr val="accent1"/>
+          </a:fillRef>
+          <a:effectRef idx="0">
+            <a:schemeClr val="accent1"/>
+          </a:effectRef>
+          <a:fontRef idx="minor">
+            <a:schemeClr val="lt1"/>
+          </a:fontRef>
+        </p:style>
+        <p:txBody>
+          <a:bodyPr rtlCol="0" anchor="ctr"/>
+          <a:lstStyle/>
+          <a:p>
+            <a:pPr algn="ctr"/>
+            <a:endParaRPr lang="en-AU"/>
+          </a:p>
+        </p:txBody>
+      </p:sp>
+      <p:sp>
+        <p:nvSpPr>
+          <p:cNvPr id="55" name="Arrow: Up 54">
+            <a:extLst>
+              <a:ext uri="{FF2B5EF4-FFF2-40B4-BE49-F238E27FC236}">
+                <a16:creationId xmlns:a16="http://schemas.microsoft.com/office/drawing/2014/main" id="{40A2533F-C30E-4223-8393-A8067C1F1D5B}"/>
+              </a:ext>
+            </a:extLst>
+          </p:cNvPr>
+          <p:cNvSpPr/>
+          <p:nvPr/>
+        </p:nvSpPr>
+        <p:spPr>
+          <a:xfrm rot="5400000">
+            <a:off x="5062236" y="2100853"/>
+            <a:ext cx="220640" cy="205048"/>
+          </a:xfrm>
+          <a:prstGeom prst="upArrow">
+            <a:avLst/>
+          </a:prstGeom>
+          <a:gradFill flip="none" rotWithShape="1">
+            <a:gsLst>
+              <a:gs pos="0">
+                <a:schemeClr val="accent2">
+                  <a:shade val="30000"/>
+                  <a:satMod val="115000"/>
+                </a:schemeClr>
+              </a:gs>
+              <a:gs pos="50000">
+                <a:schemeClr val="accent2">
+                  <a:shade val="67500"/>
+                  <a:satMod val="115000"/>
+                </a:schemeClr>
+              </a:gs>
+              <a:gs pos="100000">
+                <a:schemeClr val="accent2">
+                  <a:shade val="100000"/>
+                  <a:satMod val="115000"/>
+                </a:schemeClr>
+              </a:gs>
+            </a:gsLst>
+            <a:lin ang="16200000" scaled="1"/>
+            <a:tileRect/>
+          </a:gradFill>
+          <a:ln>
+            <a:solidFill>
+              <a:schemeClr val="accent2"/>
+            </a:solidFill>
+          </a:ln>
+        </p:spPr>
+        <p:style>
+          <a:lnRef idx="2">
+            <a:schemeClr val="accent1">
+              <a:shade val="50000"/>
+            </a:schemeClr>
+          </a:lnRef>
+          <a:fillRef idx="1">
+            <a:schemeClr val="accent1"/>
+          </a:fillRef>
+          <a:effectRef idx="0">
+            <a:schemeClr val="accent1"/>
+          </a:effectRef>
+          <a:fontRef idx="minor">
+            <a:schemeClr val="lt1"/>
+          </a:fontRef>
+        </p:style>
+        <p:txBody>
+          <a:bodyPr rtlCol="0" anchor="ctr"/>
+          <a:lstStyle/>
+          <a:p>
+            <a:pPr algn="ctr"/>
+            <a:endParaRPr lang="en-GB"/>
+          </a:p>
+        </p:txBody>
+      </p:sp>
+      <p:sp>
+        <p:nvSpPr>
+          <p:cNvPr id="56" name="Rectangle 55">
+            <a:extLst>
+              <a:ext uri="{FF2B5EF4-FFF2-40B4-BE49-F238E27FC236}">
+                <a16:creationId xmlns:a16="http://schemas.microsoft.com/office/drawing/2014/main" id="{40870C60-0B8E-4C46-AE62-4107D4904030}"/>
+              </a:ext>
+            </a:extLst>
+          </p:cNvPr>
+          <p:cNvSpPr/>
+          <p:nvPr/>
+        </p:nvSpPr>
+        <p:spPr>
+          <a:xfrm>
+            <a:off x="4771116" y="2050158"/>
+            <a:ext cx="754145" cy="360691"/>
+          </a:xfrm>
+          <a:prstGeom prst="rect">
+            <a:avLst/>
+          </a:prstGeom>
+          <a:solidFill>
+            <a:srgbClr val="62C8DC"/>
           </a:solidFill>
           <a:ln>
             <a:noFill/>
@@ -18138,7 +18319,7 @@
                 <a:ea typeface="+mn-ea"/>
                 <a:cs typeface="+mn-cs"/>
               </a:rPr>
-              <a:t>High level process flow</a:t>
+              <a:t>Process flow and code snippets</a:t>
             </a:r>
             <a:endParaRPr lang="en-AU" sz="1600" b="1" cap="none">
               <a:ln w="0"/>
@@ -22567,7 +22748,7 @@
         </p:nvGrpSpPr>
         <p:grpSpPr>
           <a:xfrm>
-            <a:off x="672568" y="2719126"/>
+            <a:off x="663141" y="2719126"/>
             <a:ext cx="5901179" cy="3590554"/>
             <a:chOff x="2910010" y="3105834"/>
             <a:chExt cx="5901179" cy="3423699"/>
@@ -25418,9 +25599,9 @@
         <p:grpSpPr>
           <a:xfrm>
             <a:off x="672568" y="2719126"/>
-            <a:ext cx="5901179" cy="3651594"/>
+            <a:ext cx="5901179" cy="3313040"/>
             <a:chOff x="2910010" y="3105835"/>
-            <a:chExt cx="5901179" cy="3481908"/>
+            <a:chExt cx="5901179" cy="3159086"/>
           </a:xfrm>
         </p:grpSpPr>
         <p:sp>
@@ -25438,7 +25619,7 @@
           <p:spPr>
             <a:xfrm>
               <a:off x="2910010" y="3462240"/>
-              <a:ext cx="5901179" cy="3125503"/>
+              <a:ext cx="5901179" cy="2802681"/>
             </a:xfrm>
             <a:prstGeom prst="rect">
               <a:avLst/>
@@ -25523,7 +25704,7 @@
                     <a:srgbClr val="002060"/>
                   </a:solidFill>
                 </a:rPr>
-                <a:t>Test the running GSKY server online</a:t>
+                <a:t>Test the running GSKY server online.</a:t>
               </a:r>
             </a:p>
             <a:p>
@@ -25537,7 +25718,7 @@
                     <a:srgbClr val="002060"/>
                   </a:solidFill>
                 </a:rPr>
-                <a:t>Overlay the data on the map.</a:t>
+                <a:t>View the data on the map.</a:t>
               </a:r>
             </a:p>
             <a:p>
@@ -25557,28 +25738,6 @@
                 <a:buChar char="•"/>
               </a:pPr>
               <a:endParaRPr lang="en-US" sz="1600">
-                <a:solidFill>
-                  <a:srgbClr val="002060"/>
-                </a:solidFill>
-              </a:endParaRPr>
-            </a:p>
-            <a:p>
-              <a:pPr marL="742950" lvl="1" indent="-285750">
-                <a:buFont typeface="Arial" panose="020B0604020202020204" pitchFamily="34" charset="0"/>
-                <a:buChar char="•"/>
-              </a:pPr>
-              <a:endParaRPr lang="en-US" sz="1100">
-                <a:solidFill>
-                  <a:srgbClr val="002060"/>
-                </a:solidFill>
-              </a:endParaRPr>
-            </a:p>
-            <a:p>
-              <a:pPr marL="742950" lvl="1" indent="-285750">
-                <a:buFont typeface="Arial" panose="020B0604020202020204" pitchFamily="34" charset="0"/>
-                <a:buChar char="•"/>
-              </a:pPr>
-              <a:endParaRPr lang="en-US" sz="1100">
                 <a:solidFill>
                   <a:srgbClr val="002060"/>
                 </a:solidFill>
@@ -25901,6 +26060,591 @@
               <a:t>Dev</a:t>
             </a:r>
             <a:endParaRPr lang="en-AU" b="1">
+              <a:solidFill>
+                <a:srgbClr val="002060"/>
+              </a:solidFill>
+            </a:endParaRPr>
+          </a:p>
+        </p:txBody>
+      </p:sp>
+      <p:sp>
+        <p:nvSpPr>
+          <p:cNvPr id="64" name="Hexagon 63">
+            <a:extLst>
+              <a:ext uri="{FF2B5EF4-FFF2-40B4-BE49-F238E27FC236}">
+                <a16:creationId xmlns:a16="http://schemas.microsoft.com/office/drawing/2014/main" id="{197A3802-1F40-4AD9-98E5-CBF95B9D720F}"/>
+              </a:ext>
+            </a:extLst>
+          </p:cNvPr>
+          <p:cNvSpPr/>
+          <p:nvPr/>
+        </p:nvSpPr>
+        <p:spPr>
+          <a:xfrm>
+            <a:off x="4634302" y="1783489"/>
+            <a:ext cx="999796" cy="866480"/>
+          </a:xfrm>
+          <a:prstGeom prst="hexagon">
+            <a:avLst/>
+          </a:prstGeom>
+          <a:gradFill flip="none" rotWithShape="1">
+            <a:gsLst>
+              <a:gs pos="0">
+                <a:schemeClr val="accent1">
+                  <a:tint val="66000"/>
+                  <a:satMod val="160000"/>
+                </a:schemeClr>
+              </a:gs>
+              <a:gs pos="50000">
+                <a:schemeClr val="accent1">
+                  <a:tint val="44500"/>
+                  <a:satMod val="160000"/>
+                </a:schemeClr>
+              </a:gs>
+              <a:gs pos="100000">
+                <a:schemeClr val="accent1">
+                  <a:tint val="23500"/>
+                  <a:satMod val="160000"/>
+                </a:schemeClr>
+              </a:gs>
+            </a:gsLst>
+            <a:lin ang="16200000" scaled="1"/>
+            <a:tileRect/>
+          </a:gradFill>
+        </p:spPr>
+        <p:style>
+          <a:lnRef idx="2">
+            <a:schemeClr val="accent1">
+              <a:shade val="50000"/>
+            </a:schemeClr>
+          </a:lnRef>
+          <a:fillRef idx="1">
+            <a:schemeClr val="accent1"/>
+          </a:fillRef>
+          <a:effectRef idx="0">
+            <a:schemeClr val="accent1"/>
+          </a:effectRef>
+          <a:fontRef idx="minor">
+            <a:schemeClr val="lt1"/>
+          </a:fontRef>
+        </p:style>
+        <p:txBody>
+          <a:bodyPr rtlCol="0" anchor="ctr"/>
+          <a:lstStyle/>
+          <a:p>
+            <a:pPr algn="ctr"/>
+            <a:r>
+              <a:rPr lang="en-US" sz="1400" b="1">
+                <a:solidFill>
+                  <a:srgbClr val="002060"/>
+                </a:solidFill>
+              </a:rPr>
+              <a:t>Deps</a:t>
+            </a:r>
+            <a:endParaRPr lang="en-AU" b="1">
+              <a:solidFill>
+                <a:srgbClr val="002060"/>
+              </a:solidFill>
+            </a:endParaRPr>
+          </a:p>
+        </p:txBody>
+      </p:sp>
+      <p:sp>
+        <p:nvSpPr>
+          <p:cNvPr id="65" name="Hexagon 64">
+            <a:extLst>
+              <a:ext uri="{FF2B5EF4-FFF2-40B4-BE49-F238E27FC236}">
+                <a16:creationId xmlns:a16="http://schemas.microsoft.com/office/drawing/2014/main" id="{D63DF021-3DA5-40A1-9564-5F680527AAFA}"/>
+              </a:ext>
+            </a:extLst>
+          </p:cNvPr>
+          <p:cNvSpPr/>
+          <p:nvPr/>
+        </p:nvSpPr>
+        <p:spPr>
+          <a:xfrm>
+            <a:off x="5636659" y="1783489"/>
+            <a:ext cx="999796" cy="866480"/>
+          </a:xfrm>
+          <a:prstGeom prst="hexagon">
+            <a:avLst/>
+          </a:prstGeom>
+          <a:gradFill flip="none" rotWithShape="1">
+            <a:gsLst>
+              <a:gs pos="0">
+                <a:schemeClr val="accent1">
+                  <a:tint val="66000"/>
+                  <a:satMod val="160000"/>
+                </a:schemeClr>
+              </a:gs>
+              <a:gs pos="50000">
+                <a:schemeClr val="accent1">
+                  <a:tint val="44500"/>
+                  <a:satMod val="160000"/>
+                </a:schemeClr>
+              </a:gs>
+              <a:gs pos="100000">
+                <a:schemeClr val="accent1">
+                  <a:tint val="23500"/>
+                  <a:satMod val="160000"/>
+                </a:schemeClr>
+              </a:gs>
+            </a:gsLst>
+            <a:lin ang="16200000" scaled="1"/>
+            <a:tileRect/>
+          </a:gradFill>
+        </p:spPr>
+        <p:style>
+          <a:lnRef idx="2">
+            <a:schemeClr val="accent1">
+              <a:shade val="50000"/>
+            </a:schemeClr>
+          </a:lnRef>
+          <a:fillRef idx="1">
+            <a:schemeClr val="accent1"/>
+          </a:fillRef>
+          <a:effectRef idx="0">
+            <a:schemeClr val="accent1"/>
+          </a:effectRef>
+          <a:fontRef idx="minor">
+            <a:schemeClr val="lt1"/>
+          </a:fontRef>
+        </p:style>
+        <p:txBody>
+          <a:bodyPr rtlCol="0" anchor="ctr"/>
+          <a:lstStyle/>
+          <a:p>
+            <a:pPr algn="ctr"/>
+            <a:r>
+              <a:rPr lang="en-US" sz="1400" b="1">
+                <a:solidFill>
+                  <a:srgbClr val="002060"/>
+                </a:solidFill>
+              </a:rPr>
+              <a:t>JPEG</a:t>
+            </a:r>
+            <a:endParaRPr lang="en-AU" b="1">
+              <a:solidFill>
+                <a:srgbClr val="002060"/>
+              </a:solidFill>
+            </a:endParaRPr>
+          </a:p>
+        </p:txBody>
+      </p:sp>
+      <p:sp>
+        <p:nvSpPr>
+          <p:cNvPr id="66" name="Hexagon 65">
+            <a:extLst>
+              <a:ext uri="{FF2B5EF4-FFF2-40B4-BE49-F238E27FC236}">
+                <a16:creationId xmlns:a16="http://schemas.microsoft.com/office/drawing/2014/main" id="{A7B916F5-CE77-4775-8CB1-BB173CD8D68F}"/>
+              </a:ext>
+            </a:extLst>
+          </p:cNvPr>
+          <p:cNvSpPr/>
+          <p:nvPr/>
+        </p:nvSpPr>
+        <p:spPr>
+          <a:xfrm>
+            <a:off x="6630995" y="1783489"/>
+            <a:ext cx="999796" cy="866480"/>
+          </a:xfrm>
+          <a:prstGeom prst="hexagon">
+            <a:avLst/>
+          </a:prstGeom>
+          <a:gradFill flip="none" rotWithShape="1">
+            <a:gsLst>
+              <a:gs pos="0">
+                <a:schemeClr val="accent1">
+                  <a:tint val="66000"/>
+                  <a:satMod val="160000"/>
+                </a:schemeClr>
+              </a:gs>
+              <a:gs pos="50000">
+                <a:schemeClr val="accent1">
+                  <a:tint val="44500"/>
+                  <a:satMod val="160000"/>
+                </a:schemeClr>
+              </a:gs>
+              <a:gs pos="100000">
+                <a:schemeClr val="accent1">
+                  <a:tint val="23500"/>
+                  <a:satMod val="160000"/>
+                </a:schemeClr>
+              </a:gs>
+            </a:gsLst>
+            <a:lin ang="16200000" scaled="1"/>
+            <a:tileRect/>
+          </a:gradFill>
+        </p:spPr>
+        <p:style>
+          <a:lnRef idx="2">
+            <a:schemeClr val="accent1">
+              <a:shade val="50000"/>
+            </a:schemeClr>
+          </a:lnRef>
+          <a:fillRef idx="1">
+            <a:schemeClr val="accent1"/>
+          </a:fillRef>
+          <a:effectRef idx="0">
+            <a:schemeClr val="accent1"/>
+          </a:effectRef>
+          <a:fontRef idx="minor">
+            <a:schemeClr val="lt1"/>
+          </a:fontRef>
+        </p:style>
+        <p:txBody>
+          <a:bodyPr rtlCol="0" anchor="ctr"/>
+          <a:lstStyle/>
+          <a:p>
+            <a:pPr algn="ctr"/>
+            <a:r>
+              <a:rPr lang="en-US" sz="1400" b="1">
+                <a:solidFill>
+                  <a:srgbClr val="002060"/>
+                </a:solidFill>
+              </a:rPr>
+              <a:t>Open</a:t>
+            </a:r>
+          </a:p>
+          <a:p>
+            <a:pPr algn="ctr"/>
+            <a:r>
+              <a:rPr lang="en-US" sz="1400" b="1">
+                <a:solidFill>
+                  <a:srgbClr val="002060"/>
+                </a:solidFill>
+              </a:rPr>
+              <a:t>JPEG</a:t>
+            </a:r>
+            <a:endParaRPr lang="en-AU" sz="1050" b="1">
+              <a:solidFill>
+                <a:srgbClr val="002060"/>
+              </a:solidFill>
+            </a:endParaRPr>
+          </a:p>
+        </p:txBody>
+      </p:sp>
+      <p:sp>
+        <p:nvSpPr>
+          <p:cNvPr id="67" name="Hexagon 66" descr="blah blah" title="Test">
+            <a:extLst>
+              <a:ext uri="{FF2B5EF4-FFF2-40B4-BE49-F238E27FC236}">
+                <a16:creationId xmlns:a16="http://schemas.microsoft.com/office/drawing/2014/main" id="{D195CD7A-9B4A-4CC8-84F6-3FE272E4CD0D}"/>
+              </a:ext>
+            </a:extLst>
+          </p:cNvPr>
+          <p:cNvSpPr/>
+          <p:nvPr/>
+        </p:nvSpPr>
+        <p:spPr>
+          <a:xfrm>
+            <a:off x="7624715" y="1789594"/>
+            <a:ext cx="999796" cy="866480"/>
+          </a:xfrm>
+          <a:prstGeom prst="hexagon">
+            <a:avLst/>
+          </a:prstGeom>
+          <a:gradFill flip="none" rotWithShape="1">
+            <a:gsLst>
+              <a:gs pos="0">
+                <a:schemeClr val="accent1">
+                  <a:tint val="66000"/>
+                  <a:satMod val="160000"/>
+                </a:schemeClr>
+              </a:gs>
+              <a:gs pos="50000">
+                <a:schemeClr val="accent1">
+                  <a:tint val="44500"/>
+                  <a:satMod val="160000"/>
+                </a:schemeClr>
+              </a:gs>
+              <a:gs pos="100000">
+                <a:schemeClr val="accent1">
+                  <a:tint val="23500"/>
+                  <a:satMod val="160000"/>
+                </a:schemeClr>
+              </a:gs>
+            </a:gsLst>
+            <a:lin ang="16200000" scaled="1"/>
+            <a:tileRect/>
+          </a:gradFill>
+        </p:spPr>
+        <p:style>
+          <a:lnRef idx="2">
+            <a:schemeClr val="accent1">
+              <a:shade val="50000"/>
+            </a:schemeClr>
+          </a:lnRef>
+          <a:fillRef idx="1">
+            <a:schemeClr val="accent1"/>
+          </a:fillRef>
+          <a:effectRef idx="0">
+            <a:schemeClr val="accent1"/>
+          </a:effectRef>
+          <a:fontRef idx="minor">
+            <a:schemeClr val="lt1"/>
+          </a:fontRef>
+        </p:style>
+        <p:txBody>
+          <a:bodyPr rtlCol="0" anchor="ctr"/>
+          <a:lstStyle/>
+          <a:p>
+            <a:pPr algn="ctr"/>
+            <a:r>
+              <a:rPr lang="en-US" sz="1400" b="1">
+                <a:solidFill>
+                  <a:srgbClr val="002060"/>
+                </a:solidFill>
+              </a:rPr>
+              <a:t>GEOS</a:t>
+            </a:r>
+            <a:endParaRPr lang="en-AU" sz="1600" b="1">
+              <a:solidFill>
+                <a:srgbClr val="002060"/>
+              </a:solidFill>
+            </a:endParaRPr>
+          </a:p>
+        </p:txBody>
+      </p:sp>
+      <p:sp>
+        <p:nvSpPr>
+          <p:cNvPr id="98" name="Hexagon 97">
+            <a:extLst>
+              <a:ext uri="{FF2B5EF4-FFF2-40B4-BE49-F238E27FC236}">
+                <a16:creationId xmlns:a16="http://schemas.microsoft.com/office/drawing/2014/main" id="{7B37FDCF-5ED9-4F37-B6E8-76F152F0EE9F}"/>
+              </a:ext>
+            </a:extLst>
+          </p:cNvPr>
+          <p:cNvSpPr/>
+          <p:nvPr/>
+        </p:nvSpPr>
+        <p:spPr>
+          <a:xfrm>
+            <a:off x="9621987" y="1789594"/>
+            <a:ext cx="999796" cy="866480"/>
+          </a:xfrm>
+          <a:prstGeom prst="hexagon">
+            <a:avLst/>
+          </a:prstGeom>
+          <a:gradFill flip="none" rotWithShape="1">
+            <a:gsLst>
+              <a:gs pos="0">
+                <a:schemeClr val="accent1">
+                  <a:tint val="66000"/>
+                  <a:satMod val="160000"/>
+                </a:schemeClr>
+              </a:gs>
+              <a:gs pos="50000">
+                <a:schemeClr val="accent1">
+                  <a:tint val="44500"/>
+                  <a:satMod val="160000"/>
+                </a:schemeClr>
+              </a:gs>
+              <a:gs pos="100000">
+                <a:schemeClr val="accent1">
+                  <a:tint val="23500"/>
+                  <a:satMod val="160000"/>
+                </a:schemeClr>
+              </a:gs>
+            </a:gsLst>
+            <a:lin ang="16200000" scaled="1"/>
+            <a:tileRect/>
+          </a:gradFill>
+        </p:spPr>
+        <p:style>
+          <a:lnRef idx="2">
+            <a:schemeClr val="accent1">
+              <a:shade val="50000"/>
+            </a:schemeClr>
+          </a:lnRef>
+          <a:fillRef idx="1">
+            <a:schemeClr val="accent1"/>
+          </a:fillRef>
+          <a:effectRef idx="0">
+            <a:schemeClr val="accent1"/>
+          </a:effectRef>
+          <a:fontRef idx="minor">
+            <a:schemeClr val="lt1"/>
+          </a:fontRef>
+        </p:style>
+        <p:txBody>
+          <a:bodyPr rtlCol="0" anchor="ctr"/>
+          <a:lstStyle/>
+          <a:p>
+            <a:pPr algn="ctr"/>
+            <a:r>
+              <a:rPr lang="en-US" sz="1400" b="1">
+                <a:solidFill>
+                  <a:srgbClr val="002060"/>
+                </a:solidFill>
+              </a:rPr>
+              <a:t>Zlib</a:t>
+            </a:r>
+            <a:endParaRPr lang="en-AU" sz="1600" b="1">
+              <a:solidFill>
+                <a:srgbClr val="002060"/>
+              </a:solidFill>
+            </a:endParaRPr>
+          </a:p>
+        </p:txBody>
+      </p:sp>
+      <p:sp>
+        <p:nvSpPr>
+          <p:cNvPr id="68" name="Hexagon 67">
+            <a:extLst>
+              <a:ext uri="{FF2B5EF4-FFF2-40B4-BE49-F238E27FC236}">
+                <a16:creationId xmlns:a16="http://schemas.microsoft.com/office/drawing/2014/main" id="{4C6589CA-0B80-49A6-9CAF-B428E2E00103}"/>
+              </a:ext>
+            </a:extLst>
+          </p:cNvPr>
+          <p:cNvSpPr/>
+          <p:nvPr/>
+        </p:nvSpPr>
+        <p:spPr>
+          <a:xfrm>
+            <a:off x="8625026" y="1789594"/>
+            <a:ext cx="999796" cy="866480"/>
+          </a:xfrm>
+          <a:prstGeom prst="hexagon">
+            <a:avLst/>
+          </a:prstGeom>
+          <a:gradFill flip="none" rotWithShape="1">
+            <a:gsLst>
+              <a:gs pos="0">
+                <a:schemeClr val="accent1">
+                  <a:tint val="66000"/>
+                  <a:satMod val="160000"/>
+                </a:schemeClr>
+              </a:gs>
+              <a:gs pos="50000">
+                <a:schemeClr val="accent1">
+                  <a:tint val="44500"/>
+                  <a:satMod val="160000"/>
+                </a:schemeClr>
+              </a:gs>
+              <a:gs pos="100000">
+                <a:schemeClr val="accent1">
+                  <a:tint val="23500"/>
+                  <a:satMod val="160000"/>
+                </a:schemeClr>
+              </a:gs>
+            </a:gsLst>
+            <a:lin ang="16200000" scaled="1"/>
+            <a:tileRect/>
+          </a:gradFill>
+        </p:spPr>
+        <p:style>
+          <a:lnRef idx="2">
+            <a:schemeClr val="accent1">
+              <a:shade val="50000"/>
+            </a:schemeClr>
+          </a:lnRef>
+          <a:fillRef idx="1">
+            <a:schemeClr val="accent1"/>
+          </a:fillRef>
+          <a:effectRef idx="0">
+            <a:schemeClr val="accent1"/>
+          </a:effectRef>
+          <a:fontRef idx="minor">
+            <a:schemeClr val="lt1"/>
+          </a:fontRef>
+        </p:style>
+        <p:txBody>
+          <a:bodyPr rtlCol="0" anchor="ctr"/>
+          <a:lstStyle/>
+          <a:p>
+            <a:pPr algn="ctr"/>
+            <a:r>
+              <a:rPr lang="en-US" sz="1400" b="1">
+                <a:solidFill>
+                  <a:srgbClr val="002060"/>
+                </a:solidFill>
+              </a:rPr>
+              <a:t>PROJ</a:t>
+            </a:r>
+            <a:endParaRPr lang="en-AU" sz="1400" b="1">
+              <a:solidFill>
+                <a:srgbClr val="002060"/>
+              </a:solidFill>
+            </a:endParaRPr>
+          </a:p>
+        </p:txBody>
+      </p:sp>
+      <p:sp>
+        <p:nvSpPr>
+          <p:cNvPr id="100" name="Hexagon 99">
+            <a:extLst>
+              <a:ext uri="{FF2B5EF4-FFF2-40B4-BE49-F238E27FC236}">
+                <a16:creationId xmlns:a16="http://schemas.microsoft.com/office/drawing/2014/main" id="{105EDD86-56F9-4350-88A9-B35024BA2DD1}"/>
+              </a:ext>
+            </a:extLst>
+          </p:cNvPr>
+          <p:cNvSpPr/>
+          <p:nvPr/>
+        </p:nvSpPr>
+        <p:spPr>
+          <a:xfrm>
+            <a:off x="9621987" y="2651637"/>
+            <a:ext cx="999796" cy="866480"/>
+          </a:xfrm>
+          <a:prstGeom prst="hexagon">
+            <a:avLst/>
+          </a:prstGeom>
+          <a:gradFill flip="none" rotWithShape="1">
+            <a:gsLst>
+              <a:gs pos="0">
+                <a:schemeClr val="accent1">
+                  <a:tint val="66000"/>
+                  <a:satMod val="160000"/>
+                </a:schemeClr>
+              </a:gs>
+              <a:gs pos="50000">
+                <a:schemeClr val="accent1">
+                  <a:tint val="44500"/>
+                  <a:satMod val="160000"/>
+                </a:schemeClr>
+              </a:gs>
+              <a:gs pos="100000">
+                <a:schemeClr val="accent1">
+                  <a:tint val="23500"/>
+                  <a:satMod val="160000"/>
+                </a:schemeClr>
+              </a:gs>
+            </a:gsLst>
+            <a:lin ang="16200000" scaled="1"/>
+            <a:tileRect/>
+          </a:gradFill>
+        </p:spPr>
+        <p:style>
+          <a:lnRef idx="2">
+            <a:schemeClr val="accent1">
+              <a:shade val="50000"/>
+            </a:schemeClr>
+          </a:lnRef>
+          <a:fillRef idx="1">
+            <a:schemeClr val="accent1"/>
+          </a:fillRef>
+          <a:effectRef idx="0">
+            <a:schemeClr val="accent1"/>
+          </a:effectRef>
+          <a:fontRef idx="minor">
+            <a:schemeClr val="lt1"/>
+          </a:fontRef>
+        </p:style>
+        <p:txBody>
+          <a:bodyPr rtlCol="0" anchor="ctr"/>
+          <a:lstStyle/>
+          <a:p>
+            <a:pPr algn="ctr"/>
+            <a:r>
+              <a:rPr lang="en-US" sz="1400" b="1">
+                <a:solidFill>
+                  <a:srgbClr val="002060"/>
+                </a:solidFill>
+              </a:rPr>
+              <a:t>HDF4</a:t>
+            </a:r>
+            <a:endParaRPr lang="en-AU" sz="1600" b="1">
               <a:solidFill>
                 <a:srgbClr val="002060"/>
               </a:solidFill>
@@ -26309,6 +27053,263 @@
                 </a:solidFill>
               </a:rPr>
               <a:t>GDAL</a:t>
+            </a:r>
+            <a:endParaRPr lang="en-AU" sz="1600" b="1">
+              <a:solidFill>
+                <a:srgbClr val="002060"/>
+              </a:solidFill>
+            </a:endParaRPr>
+          </a:p>
+        </p:txBody>
+      </p:sp>
+      <p:sp>
+        <p:nvSpPr>
+          <p:cNvPr id="115" name="Hexagon 114">
+            <a:extLst>
+              <a:ext uri="{FF2B5EF4-FFF2-40B4-BE49-F238E27FC236}">
+                <a16:creationId xmlns:a16="http://schemas.microsoft.com/office/drawing/2014/main" id="{C193354F-33CC-44DA-9B3C-48024C943DEB}"/>
+              </a:ext>
+            </a:extLst>
+          </p:cNvPr>
+          <p:cNvSpPr/>
+          <p:nvPr/>
+        </p:nvSpPr>
+        <p:spPr>
+          <a:xfrm>
+            <a:off x="8625026" y="3522237"/>
+            <a:ext cx="999796" cy="866480"/>
+          </a:xfrm>
+          <a:prstGeom prst="hexagon">
+            <a:avLst/>
+          </a:prstGeom>
+          <a:gradFill flip="none" rotWithShape="1">
+            <a:gsLst>
+              <a:gs pos="0">
+                <a:schemeClr val="accent1">
+                  <a:tint val="66000"/>
+                  <a:satMod val="160000"/>
+                </a:schemeClr>
+              </a:gs>
+              <a:gs pos="50000">
+                <a:schemeClr val="accent1">
+                  <a:tint val="44500"/>
+                  <a:satMod val="160000"/>
+                </a:schemeClr>
+              </a:gs>
+              <a:gs pos="100000">
+                <a:schemeClr val="accent1">
+                  <a:tint val="23500"/>
+                  <a:satMod val="160000"/>
+                </a:schemeClr>
+              </a:gs>
+            </a:gsLst>
+            <a:lin ang="16200000" scaled="1"/>
+            <a:tileRect/>
+          </a:gradFill>
+        </p:spPr>
+        <p:style>
+          <a:lnRef idx="2">
+            <a:schemeClr val="accent1">
+              <a:shade val="50000"/>
+            </a:schemeClr>
+          </a:lnRef>
+          <a:fillRef idx="1">
+            <a:schemeClr val="accent1"/>
+          </a:fillRef>
+          <a:effectRef idx="0">
+            <a:schemeClr val="accent1"/>
+          </a:effectRef>
+          <a:fontRef idx="minor">
+            <a:schemeClr val="lt1"/>
+          </a:fontRef>
+        </p:style>
+        <p:txBody>
+          <a:bodyPr rtlCol="0" anchor="ctr"/>
+          <a:lstStyle/>
+          <a:p>
+            <a:pPr algn="ctr"/>
+            <a:r>
+              <a:rPr lang="en-US" sz="1100" b="1">
+                <a:solidFill>
+                  <a:srgbClr val="002060"/>
+                </a:solidFill>
+              </a:rPr>
+              <a:t>Postgre</a:t>
+            </a:r>
+          </a:p>
+          <a:p>
+            <a:pPr algn="ctr"/>
+            <a:r>
+              <a:rPr lang="en-US" sz="1100" b="1">
+                <a:solidFill>
+                  <a:srgbClr val="002060"/>
+                </a:solidFill>
+              </a:rPr>
+              <a:t>SQL</a:t>
+            </a:r>
+            <a:endParaRPr lang="en-AU" sz="1200" b="1">
+              <a:solidFill>
+                <a:srgbClr val="002060"/>
+              </a:solidFill>
+            </a:endParaRPr>
+          </a:p>
+        </p:txBody>
+      </p:sp>
+      <p:sp>
+        <p:nvSpPr>
+          <p:cNvPr id="116" name="Hexagon 115">
+            <a:extLst>
+              <a:ext uri="{FF2B5EF4-FFF2-40B4-BE49-F238E27FC236}">
+                <a16:creationId xmlns:a16="http://schemas.microsoft.com/office/drawing/2014/main" id="{F2086487-64AB-4893-89EE-4C5B85E0820D}"/>
+              </a:ext>
+            </a:extLst>
+          </p:cNvPr>
+          <p:cNvSpPr/>
+          <p:nvPr/>
+        </p:nvSpPr>
+        <p:spPr>
+          <a:xfrm>
+            <a:off x="8625026" y="2656882"/>
+            <a:ext cx="999796" cy="866480"/>
+          </a:xfrm>
+          <a:prstGeom prst="hexagon">
+            <a:avLst/>
+          </a:prstGeom>
+          <a:gradFill flip="none" rotWithShape="1">
+            <a:gsLst>
+              <a:gs pos="0">
+                <a:schemeClr val="accent1">
+                  <a:tint val="66000"/>
+                  <a:satMod val="160000"/>
+                </a:schemeClr>
+              </a:gs>
+              <a:gs pos="50000">
+                <a:schemeClr val="accent1">
+                  <a:tint val="44500"/>
+                  <a:satMod val="160000"/>
+                </a:schemeClr>
+              </a:gs>
+              <a:gs pos="100000">
+                <a:schemeClr val="accent1">
+                  <a:tint val="23500"/>
+                  <a:satMod val="160000"/>
+                </a:schemeClr>
+              </a:gs>
+            </a:gsLst>
+            <a:lin ang="16200000" scaled="1"/>
+            <a:tileRect/>
+          </a:gradFill>
+        </p:spPr>
+        <p:style>
+          <a:lnRef idx="2">
+            <a:schemeClr val="accent1">
+              <a:shade val="50000"/>
+            </a:schemeClr>
+          </a:lnRef>
+          <a:fillRef idx="1">
+            <a:schemeClr val="accent1"/>
+          </a:fillRef>
+          <a:effectRef idx="0">
+            <a:schemeClr val="accent1"/>
+          </a:effectRef>
+          <a:fontRef idx="minor">
+            <a:schemeClr val="lt1"/>
+          </a:fontRef>
+        </p:style>
+        <p:txBody>
+          <a:bodyPr rtlCol="0" anchor="ctr"/>
+          <a:lstStyle/>
+          <a:p>
+            <a:pPr algn="ctr"/>
+            <a:r>
+              <a:rPr lang="en-US" sz="1200" b="1">
+                <a:solidFill>
+                  <a:srgbClr val="002060"/>
+                </a:solidFill>
+              </a:rPr>
+              <a:t>PostGIS</a:t>
+            </a:r>
+            <a:endParaRPr lang="en-AU" sz="1200" b="1">
+              <a:solidFill>
+                <a:srgbClr val="002060"/>
+              </a:solidFill>
+            </a:endParaRPr>
+          </a:p>
+        </p:txBody>
+      </p:sp>
+      <p:sp>
+        <p:nvSpPr>
+          <p:cNvPr id="112" name="Hexagon 111">
+            <a:extLst>
+              <a:ext uri="{FF2B5EF4-FFF2-40B4-BE49-F238E27FC236}">
+                <a16:creationId xmlns:a16="http://schemas.microsoft.com/office/drawing/2014/main" id="{64692757-4B13-46F8-A78E-E1466E531C9D}"/>
+              </a:ext>
+            </a:extLst>
+          </p:cNvPr>
+          <p:cNvSpPr/>
+          <p:nvPr/>
+        </p:nvSpPr>
+        <p:spPr>
+          <a:xfrm>
+            <a:off x="7624715" y="2656697"/>
+            <a:ext cx="999796" cy="866480"/>
+          </a:xfrm>
+          <a:prstGeom prst="hexagon">
+            <a:avLst/>
+          </a:prstGeom>
+          <a:gradFill flip="none" rotWithShape="1">
+            <a:gsLst>
+              <a:gs pos="0">
+                <a:schemeClr val="accent1">
+                  <a:tint val="66000"/>
+                  <a:satMod val="160000"/>
+                </a:schemeClr>
+              </a:gs>
+              <a:gs pos="50000">
+                <a:schemeClr val="accent1">
+                  <a:tint val="44500"/>
+                  <a:satMod val="160000"/>
+                </a:schemeClr>
+              </a:gs>
+              <a:gs pos="100000">
+                <a:schemeClr val="accent1">
+                  <a:tint val="23500"/>
+                  <a:satMod val="160000"/>
+                </a:schemeClr>
+              </a:gs>
+            </a:gsLst>
+            <a:lin ang="16200000" scaled="1"/>
+            <a:tileRect/>
+          </a:gradFill>
+        </p:spPr>
+        <p:style>
+          <a:lnRef idx="2">
+            <a:schemeClr val="accent1">
+              <a:shade val="50000"/>
+            </a:schemeClr>
+          </a:lnRef>
+          <a:fillRef idx="1">
+            <a:schemeClr val="accent1"/>
+          </a:fillRef>
+          <a:effectRef idx="0">
+            <a:schemeClr val="accent1"/>
+          </a:effectRef>
+          <a:fontRef idx="minor">
+            <a:schemeClr val="lt1"/>
+          </a:fontRef>
+        </p:style>
+        <p:txBody>
+          <a:bodyPr rtlCol="0" anchor="ctr"/>
+          <a:lstStyle/>
+          <a:p>
+            <a:pPr algn="ctr"/>
+            <a:r>
+              <a:rPr lang="en-US" sz="1400" b="1">
+                <a:solidFill>
+                  <a:srgbClr val="002060"/>
+                </a:solidFill>
+              </a:rPr>
+              <a:t>GO</a:t>
             </a:r>
             <a:endParaRPr lang="en-AU" sz="1600" b="1">
               <a:solidFill>
@@ -26887,848 +27888,6 @@
           </a:p>
         </p:txBody>
       </p:sp>
-      <p:sp>
-        <p:nvSpPr>
-          <p:cNvPr id="115" name="Hexagon 114">
-            <a:extLst>
-              <a:ext uri="{FF2B5EF4-FFF2-40B4-BE49-F238E27FC236}">
-                <a16:creationId xmlns:a16="http://schemas.microsoft.com/office/drawing/2014/main" id="{C193354F-33CC-44DA-9B3C-48024C943DEB}"/>
-              </a:ext>
-            </a:extLst>
-          </p:cNvPr>
-          <p:cNvSpPr/>
-          <p:nvPr/>
-        </p:nvSpPr>
-        <p:spPr>
-          <a:xfrm>
-            <a:off x="8625026" y="3522237"/>
-            <a:ext cx="999796" cy="866480"/>
-          </a:xfrm>
-          <a:prstGeom prst="hexagon">
-            <a:avLst/>
-          </a:prstGeom>
-          <a:gradFill flip="none" rotWithShape="1">
-            <a:gsLst>
-              <a:gs pos="0">
-                <a:schemeClr val="accent1">
-                  <a:tint val="66000"/>
-                  <a:satMod val="160000"/>
-                </a:schemeClr>
-              </a:gs>
-              <a:gs pos="50000">
-                <a:schemeClr val="accent1">
-                  <a:tint val="44500"/>
-                  <a:satMod val="160000"/>
-                </a:schemeClr>
-              </a:gs>
-              <a:gs pos="100000">
-                <a:schemeClr val="accent1">
-                  <a:tint val="23500"/>
-                  <a:satMod val="160000"/>
-                </a:schemeClr>
-              </a:gs>
-            </a:gsLst>
-            <a:lin ang="16200000" scaled="1"/>
-            <a:tileRect/>
-          </a:gradFill>
-        </p:spPr>
-        <p:style>
-          <a:lnRef idx="2">
-            <a:schemeClr val="accent1">
-              <a:shade val="50000"/>
-            </a:schemeClr>
-          </a:lnRef>
-          <a:fillRef idx="1">
-            <a:schemeClr val="accent1"/>
-          </a:fillRef>
-          <a:effectRef idx="0">
-            <a:schemeClr val="accent1"/>
-          </a:effectRef>
-          <a:fontRef idx="minor">
-            <a:schemeClr val="lt1"/>
-          </a:fontRef>
-        </p:style>
-        <p:txBody>
-          <a:bodyPr rtlCol="0" anchor="ctr"/>
-          <a:lstStyle/>
-          <a:p>
-            <a:pPr algn="ctr"/>
-            <a:r>
-              <a:rPr lang="en-US" sz="1100" b="1">
-                <a:solidFill>
-                  <a:srgbClr val="002060"/>
-                </a:solidFill>
-              </a:rPr>
-              <a:t>Postgre</a:t>
-            </a:r>
-          </a:p>
-          <a:p>
-            <a:pPr algn="ctr"/>
-            <a:r>
-              <a:rPr lang="en-US" sz="1100" b="1">
-                <a:solidFill>
-                  <a:srgbClr val="002060"/>
-                </a:solidFill>
-              </a:rPr>
-              <a:t>SQL</a:t>
-            </a:r>
-            <a:endParaRPr lang="en-AU" sz="1200" b="1">
-              <a:solidFill>
-                <a:srgbClr val="002060"/>
-              </a:solidFill>
-            </a:endParaRPr>
-          </a:p>
-        </p:txBody>
-      </p:sp>
-      <p:sp>
-        <p:nvSpPr>
-          <p:cNvPr id="64" name="Hexagon 63">
-            <a:extLst>
-              <a:ext uri="{FF2B5EF4-FFF2-40B4-BE49-F238E27FC236}">
-                <a16:creationId xmlns:a16="http://schemas.microsoft.com/office/drawing/2014/main" id="{197A3802-1F40-4AD9-98E5-CBF95B9D720F}"/>
-              </a:ext>
-            </a:extLst>
-          </p:cNvPr>
-          <p:cNvSpPr/>
-          <p:nvPr/>
-        </p:nvSpPr>
-        <p:spPr>
-          <a:xfrm>
-            <a:off x="4634302" y="1783489"/>
-            <a:ext cx="999796" cy="866480"/>
-          </a:xfrm>
-          <a:prstGeom prst="hexagon">
-            <a:avLst/>
-          </a:prstGeom>
-          <a:gradFill flip="none" rotWithShape="1">
-            <a:gsLst>
-              <a:gs pos="0">
-                <a:schemeClr val="accent1">
-                  <a:tint val="66000"/>
-                  <a:satMod val="160000"/>
-                </a:schemeClr>
-              </a:gs>
-              <a:gs pos="50000">
-                <a:schemeClr val="accent1">
-                  <a:tint val="44500"/>
-                  <a:satMod val="160000"/>
-                </a:schemeClr>
-              </a:gs>
-              <a:gs pos="100000">
-                <a:schemeClr val="accent1">
-                  <a:tint val="23500"/>
-                  <a:satMod val="160000"/>
-                </a:schemeClr>
-              </a:gs>
-            </a:gsLst>
-            <a:lin ang="16200000" scaled="1"/>
-            <a:tileRect/>
-          </a:gradFill>
-        </p:spPr>
-        <p:style>
-          <a:lnRef idx="2">
-            <a:schemeClr val="accent1">
-              <a:shade val="50000"/>
-            </a:schemeClr>
-          </a:lnRef>
-          <a:fillRef idx="1">
-            <a:schemeClr val="accent1"/>
-          </a:fillRef>
-          <a:effectRef idx="0">
-            <a:schemeClr val="accent1"/>
-          </a:effectRef>
-          <a:fontRef idx="minor">
-            <a:schemeClr val="lt1"/>
-          </a:fontRef>
-        </p:style>
-        <p:txBody>
-          <a:bodyPr rtlCol="0" anchor="ctr"/>
-          <a:lstStyle/>
-          <a:p>
-            <a:pPr algn="ctr"/>
-            <a:r>
-              <a:rPr lang="en-US" sz="1400" b="1">
-                <a:solidFill>
-                  <a:srgbClr val="002060"/>
-                </a:solidFill>
-              </a:rPr>
-              <a:t>Deps</a:t>
-            </a:r>
-            <a:endParaRPr lang="en-AU" b="1">
-              <a:solidFill>
-                <a:srgbClr val="002060"/>
-              </a:solidFill>
-            </a:endParaRPr>
-          </a:p>
-        </p:txBody>
-      </p:sp>
-      <p:sp>
-        <p:nvSpPr>
-          <p:cNvPr id="65" name="Hexagon 64">
-            <a:extLst>
-              <a:ext uri="{FF2B5EF4-FFF2-40B4-BE49-F238E27FC236}">
-                <a16:creationId xmlns:a16="http://schemas.microsoft.com/office/drawing/2014/main" id="{D63DF021-3DA5-40A1-9564-5F680527AAFA}"/>
-              </a:ext>
-            </a:extLst>
-          </p:cNvPr>
-          <p:cNvSpPr/>
-          <p:nvPr/>
-        </p:nvSpPr>
-        <p:spPr>
-          <a:xfrm>
-            <a:off x="5636659" y="1783489"/>
-            <a:ext cx="999796" cy="866480"/>
-          </a:xfrm>
-          <a:prstGeom prst="hexagon">
-            <a:avLst/>
-          </a:prstGeom>
-          <a:gradFill flip="none" rotWithShape="1">
-            <a:gsLst>
-              <a:gs pos="0">
-                <a:schemeClr val="accent1">
-                  <a:tint val="66000"/>
-                  <a:satMod val="160000"/>
-                </a:schemeClr>
-              </a:gs>
-              <a:gs pos="50000">
-                <a:schemeClr val="accent1">
-                  <a:tint val="44500"/>
-                  <a:satMod val="160000"/>
-                </a:schemeClr>
-              </a:gs>
-              <a:gs pos="100000">
-                <a:schemeClr val="accent1">
-                  <a:tint val="23500"/>
-                  <a:satMod val="160000"/>
-                </a:schemeClr>
-              </a:gs>
-            </a:gsLst>
-            <a:lin ang="16200000" scaled="1"/>
-            <a:tileRect/>
-          </a:gradFill>
-        </p:spPr>
-        <p:style>
-          <a:lnRef idx="2">
-            <a:schemeClr val="accent1">
-              <a:shade val="50000"/>
-            </a:schemeClr>
-          </a:lnRef>
-          <a:fillRef idx="1">
-            <a:schemeClr val="accent1"/>
-          </a:fillRef>
-          <a:effectRef idx="0">
-            <a:schemeClr val="accent1"/>
-          </a:effectRef>
-          <a:fontRef idx="minor">
-            <a:schemeClr val="lt1"/>
-          </a:fontRef>
-        </p:style>
-        <p:txBody>
-          <a:bodyPr rtlCol="0" anchor="ctr"/>
-          <a:lstStyle/>
-          <a:p>
-            <a:pPr algn="ctr"/>
-            <a:r>
-              <a:rPr lang="en-US" sz="1400" b="1">
-                <a:solidFill>
-                  <a:srgbClr val="002060"/>
-                </a:solidFill>
-              </a:rPr>
-              <a:t>JPEG</a:t>
-            </a:r>
-            <a:endParaRPr lang="en-AU" b="1">
-              <a:solidFill>
-                <a:srgbClr val="002060"/>
-              </a:solidFill>
-            </a:endParaRPr>
-          </a:p>
-        </p:txBody>
-      </p:sp>
-      <p:sp>
-        <p:nvSpPr>
-          <p:cNvPr id="66" name="Hexagon 65">
-            <a:extLst>
-              <a:ext uri="{FF2B5EF4-FFF2-40B4-BE49-F238E27FC236}">
-                <a16:creationId xmlns:a16="http://schemas.microsoft.com/office/drawing/2014/main" id="{A7B916F5-CE77-4775-8CB1-BB173CD8D68F}"/>
-              </a:ext>
-            </a:extLst>
-          </p:cNvPr>
-          <p:cNvSpPr/>
-          <p:nvPr/>
-        </p:nvSpPr>
-        <p:spPr>
-          <a:xfrm>
-            <a:off x="6630995" y="1783489"/>
-            <a:ext cx="999796" cy="866480"/>
-          </a:xfrm>
-          <a:prstGeom prst="hexagon">
-            <a:avLst/>
-          </a:prstGeom>
-          <a:gradFill flip="none" rotWithShape="1">
-            <a:gsLst>
-              <a:gs pos="0">
-                <a:schemeClr val="accent1">
-                  <a:tint val="66000"/>
-                  <a:satMod val="160000"/>
-                </a:schemeClr>
-              </a:gs>
-              <a:gs pos="50000">
-                <a:schemeClr val="accent1">
-                  <a:tint val="44500"/>
-                  <a:satMod val="160000"/>
-                </a:schemeClr>
-              </a:gs>
-              <a:gs pos="100000">
-                <a:schemeClr val="accent1">
-                  <a:tint val="23500"/>
-                  <a:satMod val="160000"/>
-                </a:schemeClr>
-              </a:gs>
-            </a:gsLst>
-            <a:lin ang="16200000" scaled="1"/>
-            <a:tileRect/>
-          </a:gradFill>
-        </p:spPr>
-        <p:style>
-          <a:lnRef idx="2">
-            <a:schemeClr val="accent1">
-              <a:shade val="50000"/>
-            </a:schemeClr>
-          </a:lnRef>
-          <a:fillRef idx="1">
-            <a:schemeClr val="accent1"/>
-          </a:fillRef>
-          <a:effectRef idx="0">
-            <a:schemeClr val="accent1"/>
-          </a:effectRef>
-          <a:fontRef idx="minor">
-            <a:schemeClr val="lt1"/>
-          </a:fontRef>
-        </p:style>
-        <p:txBody>
-          <a:bodyPr rtlCol="0" anchor="ctr"/>
-          <a:lstStyle/>
-          <a:p>
-            <a:pPr algn="ctr"/>
-            <a:r>
-              <a:rPr lang="en-US" sz="1400" b="1">
-                <a:solidFill>
-                  <a:srgbClr val="002060"/>
-                </a:solidFill>
-              </a:rPr>
-              <a:t>Open</a:t>
-            </a:r>
-          </a:p>
-          <a:p>
-            <a:pPr algn="ctr"/>
-            <a:r>
-              <a:rPr lang="en-US" sz="1400" b="1">
-                <a:solidFill>
-                  <a:srgbClr val="002060"/>
-                </a:solidFill>
-              </a:rPr>
-              <a:t>JPEG</a:t>
-            </a:r>
-            <a:endParaRPr lang="en-AU" sz="1050" b="1">
-              <a:solidFill>
-                <a:srgbClr val="002060"/>
-              </a:solidFill>
-            </a:endParaRPr>
-          </a:p>
-        </p:txBody>
-      </p:sp>
-      <p:sp>
-        <p:nvSpPr>
-          <p:cNvPr id="67" name="Hexagon 66" descr="blah blah" title="Test">
-            <a:extLst>
-              <a:ext uri="{FF2B5EF4-FFF2-40B4-BE49-F238E27FC236}">
-                <a16:creationId xmlns:a16="http://schemas.microsoft.com/office/drawing/2014/main" id="{D195CD7A-9B4A-4CC8-84F6-3FE272E4CD0D}"/>
-              </a:ext>
-            </a:extLst>
-          </p:cNvPr>
-          <p:cNvSpPr/>
-          <p:nvPr/>
-        </p:nvSpPr>
-        <p:spPr>
-          <a:xfrm>
-            <a:off x="7624715" y="1789594"/>
-            <a:ext cx="999796" cy="866480"/>
-          </a:xfrm>
-          <a:prstGeom prst="hexagon">
-            <a:avLst/>
-          </a:prstGeom>
-          <a:gradFill flip="none" rotWithShape="1">
-            <a:gsLst>
-              <a:gs pos="0">
-                <a:schemeClr val="accent1">
-                  <a:tint val="66000"/>
-                  <a:satMod val="160000"/>
-                </a:schemeClr>
-              </a:gs>
-              <a:gs pos="50000">
-                <a:schemeClr val="accent1">
-                  <a:tint val="44500"/>
-                  <a:satMod val="160000"/>
-                </a:schemeClr>
-              </a:gs>
-              <a:gs pos="100000">
-                <a:schemeClr val="accent1">
-                  <a:tint val="23500"/>
-                  <a:satMod val="160000"/>
-                </a:schemeClr>
-              </a:gs>
-            </a:gsLst>
-            <a:lin ang="16200000" scaled="1"/>
-            <a:tileRect/>
-          </a:gradFill>
-        </p:spPr>
-        <p:style>
-          <a:lnRef idx="2">
-            <a:schemeClr val="accent1">
-              <a:shade val="50000"/>
-            </a:schemeClr>
-          </a:lnRef>
-          <a:fillRef idx="1">
-            <a:schemeClr val="accent1"/>
-          </a:fillRef>
-          <a:effectRef idx="0">
-            <a:schemeClr val="accent1"/>
-          </a:effectRef>
-          <a:fontRef idx="minor">
-            <a:schemeClr val="lt1"/>
-          </a:fontRef>
-        </p:style>
-        <p:txBody>
-          <a:bodyPr rtlCol="0" anchor="ctr"/>
-          <a:lstStyle/>
-          <a:p>
-            <a:pPr algn="ctr"/>
-            <a:r>
-              <a:rPr lang="en-US" sz="1400" b="1">
-                <a:solidFill>
-                  <a:srgbClr val="002060"/>
-                </a:solidFill>
-              </a:rPr>
-              <a:t>GEOS</a:t>
-            </a:r>
-            <a:endParaRPr lang="en-AU" sz="1600" b="1">
-              <a:solidFill>
-                <a:srgbClr val="002060"/>
-              </a:solidFill>
-            </a:endParaRPr>
-          </a:p>
-        </p:txBody>
-      </p:sp>
-      <p:sp>
-        <p:nvSpPr>
-          <p:cNvPr id="98" name="Hexagon 97">
-            <a:extLst>
-              <a:ext uri="{FF2B5EF4-FFF2-40B4-BE49-F238E27FC236}">
-                <a16:creationId xmlns:a16="http://schemas.microsoft.com/office/drawing/2014/main" id="{7B37FDCF-5ED9-4F37-B6E8-76F152F0EE9F}"/>
-              </a:ext>
-            </a:extLst>
-          </p:cNvPr>
-          <p:cNvSpPr/>
-          <p:nvPr/>
-        </p:nvSpPr>
-        <p:spPr>
-          <a:xfrm>
-            <a:off x="9621987" y="1789594"/>
-            <a:ext cx="999796" cy="866480"/>
-          </a:xfrm>
-          <a:prstGeom prst="hexagon">
-            <a:avLst/>
-          </a:prstGeom>
-          <a:gradFill flip="none" rotWithShape="1">
-            <a:gsLst>
-              <a:gs pos="0">
-                <a:schemeClr val="accent1">
-                  <a:tint val="66000"/>
-                  <a:satMod val="160000"/>
-                </a:schemeClr>
-              </a:gs>
-              <a:gs pos="50000">
-                <a:schemeClr val="accent1">
-                  <a:tint val="44500"/>
-                  <a:satMod val="160000"/>
-                </a:schemeClr>
-              </a:gs>
-              <a:gs pos="100000">
-                <a:schemeClr val="accent1">
-                  <a:tint val="23500"/>
-                  <a:satMod val="160000"/>
-                </a:schemeClr>
-              </a:gs>
-            </a:gsLst>
-            <a:lin ang="16200000" scaled="1"/>
-            <a:tileRect/>
-          </a:gradFill>
-        </p:spPr>
-        <p:style>
-          <a:lnRef idx="2">
-            <a:schemeClr val="accent1">
-              <a:shade val="50000"/>
-            </a:schemeClr>
-          </a:lnRef>
-          <a:fillRef idx="1">
-            <a:schemeClr val="accent1"/>
-          </a:fillRef>
-          <a:effectRef idx="0">
-            <a:schemeClr val="accent1"/>
-          </a:effectRef>
-          <a:fontRef idx="minor">
-            <a:schemeClr val="lt1"/>
-          </a:fontRef>
-        </p:style>
-        <p:txBody>
-          <a:bodyPr rtlCol="0" anchor="ctr"/>
-          <a:lstStyle/>
-          <a:p>
-            <a:pPr algn="ctr"/>
-            <a:r>
-              <a:rPr lang="en-US" sz="1400" b="1">
-                <a:solidFill>
-                  <a:srgbClr val="002060"/>
-                </a:solidFill>
-              </a:rPr>
-              <a:t>Zlib</a:t>
-            </a:r>
-            <a:endParaRPr lang="en-AU" sz="1600" b="1">
-              <a:solidFill>
-                <a:srgbClr val="002060"/>
-              </a:solidFill>
-            </a:endParaRPr>
-          </a:p>
-        </p:txBody>
-      </p:sp>
-      <p:sp>
-        <p:nvSpPr>
-          <p:cNvPr id="68" name="Hexagon 67">
-            <a:extLst>
-              <a:ext uri="{FF2B5EF4-FFF2-40B4-BE49-F238E27FC236}">
-                <a16:creationId xmlns:a16="http://schemas.microsoft.com/office/drawing/2014/main" id="{4C6589CA-0B80-49A6-9CAF-B428E2E00103}"/>
-              </a:ext>
-            </a:extLst>
-          </p:cNvPr>
-          <p:cNvSpPr/>
-          <p:nvPr/>
-        </p:nvSpPr>
-        <p:spPr>
-          <a:xfrm>
-            <a:off x="8625026" y="1789594"/>
-            <a:ext cx="999796" cy="866480"/>
-          </a:xfrm>
-          <a:prstGeom prst="hexagon">
-            <a:avLst/>
-          </a:prstGeom>
-          <a:gradFill flip="none" rotWithShape="1">
-            <a:gsLst>
-              <a:gs pos="0">
-                <a:schemeClr val="accent1">
-                  <a:tint val="66000"/>
-                  <a:satMod val="160000"/>
-                </a:schemeClr>
-              </a:gs>
-              <a:gs pos="50000">
-                <a:schemeClr val="accent1">
-                  <a:tint val="44500"/>
-                  <a:satMod val="160000"/>
-                </a:schemeClr>
-              </a:gs>
-              <a:gs pos="100000">
-                <a:schemeClr val="accent1">
-                  <a:tint val="23500"/>
-                  <a:satMod val="160000"/>
-                </a:schemeClr>
-              </a:gs>
-            </a:gsLst>
-            <a:lin ang="16200000" scaled="1"/>
-            <a:tileRect/>
-          </a:gradFill>
-        </p:spPr>
-        <p:style>
-          <a:lnRef idx="2">
-            <a:schemeClr val="accent1">
-              <a:shade val="50000"/>
-            </a:schemeClr>
-          </a:lnRef>
-          <a:fillRef idx="1">
-            <a:schemeClr val="accent1"/>
-          </a:fillRef>
-          <a:effectRef idx="0">
-            <a:schemeClr val="accent1"/>
-          </a:effectRef>
-          <a:fontRef idx="minor">
-            <a:schemeClr val="lt1"/>
-          </a:fontRef>
-        </p:style>
-        <p:txBody>
-          <a:bodyPr rtlCol="0" anchor="ctr"/>
-          <a:lstStyle/>
-          <a:p>
-            <a:pPr algn="ctr"/>
-            <a:r>
-              <a:rPr lang="en-US" sz="1400" b="1">
-                <a:solidFill>
-                  <a:srgbClr val="002060"/>
-                </a:solidFill>
-              </a:rPr>
-              <a:t>PROJ</a:t>
-            </a:r>
-            <a:endParaRPr lang="en-AU" sz="1400" b="1">
-              <a:solidFill>
-                <a:srgbClr val="002060"/>
-              </a:solidFill>
-            </a:endParaRPr>
-          </a:p>
-        </p:txBody>
-      </p:sp>
-      <p:sp>
-        <p:nvSpPr>
-          <p:cNvPr id="112" name="Hexagon 111">
-            <a:extLst>
-              <a:ext uri="{FF2B5EF4-FFF2-40B4-BE49-F238E27FC236}">
-                <a16:creationId xmlns:a16="http://schemas.microsoft.com/office/drawing/2014/main" id="{64692757-4B13-46F8-A78E-E1466E531C9D}"/>
-              </a:ext>
-            </a:extLst>
-          </p:cNvPr>
-          <p:cNvSpPr/>
-          <p:nvPr/>
-        </p:nvSpPr>
-        <p:spPr>
-          <a:xfrm>
-            <a:off x="7624715" y="2656697"/>
-            <a:ext cx="999796" cy="866480"/>
-          </a:xfrm>
-          <a:prstGeom prst="hexagon">
-            <a:avLst/>
-          </a:prstGeom>
-          <a:gradFill flip="none" rotWithShape="1">
-            <a:gsLst>
-              <a:gs pos="0">
-                <a:schemeClr val="accent1">
-                  <a:tint val="66000"/>
-                  <a:satMod val="160000"/>
-                </a:schemeClr>
-              </a:gs>
-              <a:gs pos="50000">
-                <a:schemeClr val="accent1">
-                  <a:tint val="44500"/>
-                  <a:satMod val="160000"/>
-                </a:schemeClr>
-              </a:gs>
-              <a:gs pos="100000">
-                <a:schemeClr val="accent1">
-                  <a:tint val="23500"/>
-                  <a:satMod val="160000"/>
-                </a:schemeClr>
-              </a:gs>
-            </a:gsLst>
-            <a:lin ang="16200000" scaled="1"/>
-            <a:tileRect/>
-          </a:gradFill>
-        </p:spPr>
-        <p:style>
-          <a:lnRef idx="2">
-            <a:schemeClr val="accent1">
-              <a:shade val="50000"/>
-            </a:schemeClr>
-          </a:lnRef>
-          <a:fillRef idx="1">
-            <a:schemeClr val="accent1"/>
-          </a:fillRef>
-          <a:effectRef idx="0">
-            <a:schemeClr val="accent1"/>
-          </a:effectRef>
-          <a:fontRef idx="minor">
-            <a:schemeClr val="lt1"/>
-          </a:fontRef>
-        </p:style>
-        <p:txBody>
-          <a:bodyPr rtlCol="0" anchor="ctr"/>
-          <a:lstStyle/>
-          <a:p>
-            <a:pPr algn="ctr"/>
-            <a:r>
-              <a:rPr lang="en-US" sz="1400" b="1">
-                <a:solidFill>
-                  <a:srgbClr val="002060"/>
-                </a:solidFill>
-              </a:rPr>
-              <a:t>GO</a:t>
-            </a:r>
-            <a:endParaRPr lang="en-AU" sz="1600" b="1">
-              <a:solidFill>
-                <a:srgbClr val="002060"/>
-              </a:solidFill>
-            </a:endParaRPr>
-          </a:p>
-        </p:txBody>
-      </p:sp>
-      <p:sp>
-        <p:nvSpPr>
-          <p:cNvPr id="116" name="Hexagon 115">
-            <a:extLst>
-              <a:ext uri="{FF2B5EF4-FFF2-40B4-BE49-F238E27FC236}">
-                <a16:creationId xmlns:a16="http://schemas.microsoft.com/office/drawing/2014/main" id="{F2086487-64AB-4893-89EE-4C5B85E0820D}"/>
-              </a:ext>
-            </a:extLst>
-          </p:cNvPr>
-          <p:cNvSpPr/>
-          <p:nvPr/>
-        </p:nvSpPr>
-        <p:spPr>
-          <a:xfrm>
-            <a:off x="8625026" y="2656882"/>
-            <a:ext cx="999796" cy="866480"/>
-          </a:xfrm>
-          <a:prstGeom prst="hexagon">
-            <a:avLst/>
-          </a:prstGeom>
-          <a:gradFill flip="none" rotWithShape="1">
-            <a:gsLst>
-              <a:gs pos="0">
-                <a:schemeClr val="accent1">
-                  <a:tint val="66000"/>
-                  <a:satMod val="160000"/>
-                </a:schemeClr>
-              </a:gs>
-              <a:gs pos="50000">
-                <a:schemeClr val="accent1">
-                  <a:tint val="44500"/>
-                  <a:satMod val="160000"/>
-                </a:schemeClr>
-              </a:gs>
-              <a:gs pos="100000">
-                <a:schemeClr val="accent1">
-                  <a:tint val="23500"/>
-                  <a:satMod val="160000"/>
-                </a:schemeClr>
-              </a:gs>
-            </a:gsLst>
-            <a:lin ang="16200000" scaled="1"/>
-            <a:tileRect/>
-          </a:gradFill>
-        </p:spPr>
-        <p:style>
-          <a:lnRef idx="2">
-            <a:schemeClr val="accent1">
-              <a:shade val="50000"/>
-            </a:schemeClr>
-          </a:lnRef>
-          <a:fillRef idx="1">
-            <a:schemeClr val="accent1"/>
-          </a:fillRef>
-          <a:effectRef idx="0">
-            <a:schemeClr val="accent1"/>
-          </a:effectRef>
-          <a:fontRef idx="minor">
-            <a:schemeClr val="lt1"/>
-          </a:fontRef>
-        </p:style>
-        <p:txBody>
-          <a:bodyPr rtlCol="0" anchor="ctr"/>
-          <a:lstStyle/>
-          <a:p>
-            <a:pPr algn="ctr"/>
-            <a:r>
-              <a:rPr lang="en-US" sz="1200" b="1">
-                <a:solidFill>
-                  <a:srgbClr val="002060"/>
-                </a:solidFill>
-              </a:rPr>
-              <a:t>PostGIS</a:t>
-            </a:r>
-            <a:endParaRPr lang="en-AU" sz="1200" b="1">
-              <a:solidFill>
-                <a:srgbClr val="002060"/>
-              </a:solidFill>
-            </a:endParaRPr>
-          </a:p>
-        </p:txBody>
-      </p:sp>
-      <p:sp>
-        <p:nvSpPr>
-          <p:cNvPr id="100" name="Hexagon 99">
-            <a:extLst>
-              <a:ext uri="{FF2B5EF4-FFF2-40B4-BE49-F238E27FC236}">
-                <a16:creationId xmlns:a16="http://schemas.microsoft.com/office/drawing/2014/main" id="{105EDD86-56F9-4350-88A9-B35024BA2DD1}"/>
-              </a:ext>
-            </a:extLst>
-          </p:cNvPr>
-          <p:cNvSpPr/>
-          <p:nvPr/>
-        </p:nvSpPr>
-        <p:spPr>
-          <a:xfrm>
-            <a:off x="9621987" y="2651637"/>
-            <a:ext cx="999796" cy="866480"/>
-          </a:xfrm>
-          <a:prstGeom prst="hexagon">
-            <a:avLst/>
-          </a:prstGeom>
-          <a:gradFill flip="none" rotWithShape="1">
-            <a:gsLst>
-              <a:gs pos="0">
-                <a:schemeClr val="accent1">
-                  <a:tint val="66000"/>
-                  <a:satMod val="160000"/>
-                </a:schemeClr>
-              </a:gs>
-              <a:gs pos="50000">
-                <a:schemeClr val="accent1">
-                  <a:tint val="44500"/>
-                  <a:satMod val="160000"/>
-                </a:schemeClr>
-              </a:gs>
-              <a:gs pos="100000">
-                <a:schemeClr val="accent1">
-                  <a:tint val="23500"/>
-                  <a:satMod val="160000"/>
-                </a:schemeClr>
-              </a:gs>
-            </a:gsLst>
-            <a:lin ang="16200000" scaled="1"/>
-            <a:tileRect/>
-          </a:gradFill>
-        </p:spPr>
-        <p:style>
-          <a:lnRef idx="2">
-            <a:schemeClr val="accent1">
-              <a:shade val="50000"/>
-            </a:schemeClr>
-          </a:lnRef>
-          <a:fillRef idx="1">
-            <a:schemeClr val="accent1"/>
-          </a:fillRef>
-          <a:effectRef idx="0">
-            <a:schemeClr val="accent1"/>
-          </a:effectRef>
-          <a:fontRef idx="minor">
-            <a:schemeClr val="lt1"/>
-          </a:fontRef>
-        </p:style>
-        <p:txBody>
-          <a:bodyPr rtlCol="0" anchor="ctr"/>
-          <a:lstStyle/>
-          <a:p>
-            <a:pPr algn="ctr"/>
-            <a:r>
-              <a:rPr lang="en-US" sz="1400" b="1">
-                <a:solidFill>
-                  <a:srgbClr val="002060"/>
-                </a:solidFill>
-              </a:rPr>
-              <a:t>HDF4</a:t>
-            </a:r>
-            <a:endParaRPr lang="en-AU" sz="1600" b="1">
-              <a:solidFill>
-                <a:srgbClr val="002060"/>
-              </a:solidFill>
-            </a:endParaRPr>
-          </a:p>
-        </p:txBody>
-      </p:sp>
     </p:spTree>
     <p:custDataLst>
       <p:tags r:id="rId1"/>
@@ -27742,12 +27901,12 @@
   <p:clrMapOvr>
     <a:masterClrMapping/>
   </p:clrMapOvr>
-  <mc:AlternateContent xmlns:mc="http://schemas.openxmlformats.org/markup-compatibility/2006" xmlns:p14="http://schemas.microsoft.com/office/powerpoint/2010/main">
-    <mc:Choice Requires="p14">
-      <p:transition spd="slow" p14:dur="2000" advTm="142483"/>
+  <mc:AlternateContent xmlns:mc="http://schemas.openxmlformats.org/markup-compatibility/2006">
+    <mc:Choice xmlns:p14="http://schemas.microsoft.com/office/powerpoint/2010/main" Requires="p14">
+      <p:transition spd="slow" p14:dur="2000" advTm="253861"/>
     </mc:Choice>
-    <mc:Fallback xmlns="">
-      <p:transition spd="slow" advTm="142483"/>
+    <mc:Fallback>
+      <p:transition spd="slow" advTm="253861"/>
     </mc:Fallback>
   </mc:AlternateContent>
   <p:timing>
@@ -32302,36 +32461,46 @@
       </p:par>
     </p:tnLst>
     <p:bldLst>
+      <p:bldP spid="153" grpId="0" animBg="1"/>
+      <p:bldP spid="217" grpId="0" animBg="1"/>
+      <p:bldP spid="216" grpId="0" animBg="1"/>
+      <p:bldP spid="215" grpId="0" animBg="1"/>
+      <p:bldP spid="214" grpId="0" animBg="1"/>
+      <p:bldP spid="213" grpId="0" animBg="1"/>
+      <p:bldP spid="212" grpId="0" animBg="1"/>
+      <p:bldP spid="209" grpId="0" animBg="1"/>
+      <p:bldP spid="208" grpId="0" animBg="1"/>
+      <p:bldP spid="207" grpId="0" animBg="1"/>
+      <p:bldP spid="203" grpId="0" animBg="1"/>
+      <p:bldP spid="200" grpId="0" animBg="1"/>
+      <p:bldP spid="199" grpId="0" animBg="1"/>
+      <p:bldP spid="198" grpId="0" animBg="1"/>
       <p:bldP spid="196" grpId="0" animBg="1"/>
-      <p:bldP spid="209" grpId="0" animBg="1"/>
-      <p:bldP spid="212" grpId="0" animBg="1"/>
       <p:bldP spid="195" grpId="0" animBg="1"/>
       <p:bldP spid="194" grpId="0" animBg="1"/>
       <p:bldP spid="49" grpId="0" animBg="1"/>
       <p:bldP spid="51" grpId="0" animBg="1"/>
       <p:bldP spid="53" grpId="0" animBg="1"/>
       <p:bldP spid="55" grpId="0" animBg="1"/>
-      <p:bldP spid="208" grpId="0" animBg="1"/>
-      <p:bldP spid="153" grpId="0" animBg="1"/>
-      <p:bldP spid="217" grpId="0" animBg="1"/>
-      <p:bldP spid="216" grpId="0" animBg="1"/>
-      <p:bldP spid="215" grpId="0" animBg="1"/>
-      <p:bldP spid="214" grpId="0" animBg="1"/>
-      <p:bldP spid="213" grpId="0" animBg="1"/>
-      <p:bldP spid="207" grpId="0" animBg="1"/>
-      <p:bldP spid="203" grpId="0" animBg="1"/>
-      <p:bldP spid="200" grpId="0" animBg="1"/>
-      <p:bldP spid="199" grpId="0" animBg="1"/>
-      <p:bldP spid="198" grpId="0" animBg="1"/>
       <p:bldP spid="57" grpId="0" animBg="1"/>
       <p:bldP spid="59" grpId="0" animBg="1"/>
       <p:bldP spid="61" grpId="0" animBg="1"/>
       <p:bldP spid="63" grpId="0" animBg="1"/>
+      <p:bldP spid="64" grpId="0" animBg="1"/>
+      <p:bldP spid="65" grpId="0" animBg="1"/>
+      <p:bldP spid="66" grpId="0" animBg="1"/>
+      <p:bldP spid="67" grpId="0" animBg="1"/>
+      <p:bldP spid="98" grpId="0" animBg="1"/>
+      <p:bldP spid="68" grpId="0" animBg="1"/>
+      <p:bldP spid="100" grpId="0" animBg="1"/>
       <p:bldP spid="104" grpId="0" animBg="1"/>
       <p:bldP spid="103" grpId="0" animBg="1"/>
       <p:bldP spid="109" grpId="0" animBg="1"/>
       <p:bldP spid="110" grpId="0" animBg="1"/>
       <p:bldP spid="106" grpId="0" animBg="1"/>
+      <p:bldP spid="115" grpId="0" animBg="1"/>
+      <p:bldP spid="116" grpId="0" animBg="1"/>
+      <p:bldP spid="112" grpId="0" animBg="1"/>
       <p:bldP spid="158" grpId="0" animBg="1"/>
       <p:bldP spid="156" grpId="0" animBg="1"/>
       <p:bldP spid="148" grpId="0" animBg="1"/>
@@ -32339,16 +32508,6 @@
       <p:bldP spid="171" grpId="0" animBg="1"/>
       <p:bldP spid="182" grpId="0" animBg="1"/>
       <p:bldP spid="152" grpId="0" animBg="1"/>
-      <p:bldP spid="115" grpId="0" animBg="1"/>
-      <p:bldP spid="64" grpId="0" animBg="1"/>
-      <p:bldP spid="65" grpId="0" animBg="1"/>
-      <p:bldP spid="66" grpId="0" animBg="1"/>
-      <p:bldP spid="67" grpId="0" animBg="1"/>
-      <p:bldP spid="98" grpId="0" animBg="1"/>
-      <p:bldP spid="68" grpId="0" animBg="1"/>
-      <p:bldP spid="112" grpId="0" animBg="1"/>
-      <p:bldP spid="116" grpId="0" animBg="1"/>
-      <p:bldP spid="100" grpId="0" animBg="1"/>
     </p:bldLst>
   </p:timing>
 </p:sld>
@@ -34284,12 +34443,12 @@
   <p:clrMapOvr>
     <a:masterClrMapping/>
   </p:clrMapOvr>
-  <mc:AlternateContent xmlns:mc="http://schemas.openxmlformats.org/markup-compatibility/2006" xmlns:p14="http://schemas.microsoft.com/office/powerpoint/2010/main">
-    <mc:Choice Requires="p14">
-      <p:transition spd="slow" p14:dur="2000" advTm="53221"/>
+  <mc:AlternateContent xmlns:mc="http://schemas.openxmlformats.org/markup-compatibility/2006">
+    <mc:Choice xmlns:p14="http://schemas.microsoft.com/office/powerpoint/2010/main" Requires="p14">
+      <p:transition spd="slow" p14:dur="2000" advTm="66230"/>
     </mc:Choice>
-    <mc:Fallback xmlns="">
-      <p:transition spd="slow" advTm="53221"/>
+    <mc:Fallback>
+      <p:transition spd="slow" advTm="66230"/>
     </mc:Fallback>
   </mc:AlternateContent>
   <p:timing>
@@ -35405,19 +35564,25 @@
 
 <file path=ppt/tags/tag1.xml><?xml version="1.0" encoding="utf-8"?>
 <p:tagLst xmlns:a="http://schemas.openxmlformats.org/drawingml/2006/main" xmlns:r="http://schemas.openxmlformats.org/officeDocument/2006/relationships" xmlns:p="http://schemas.openxmlformats.org/presentationml/2006/main">
-  <p:tag name="TIMING" val="|2.7"/>
+  <p:tag name="TIMING" val="|2.7|4.4"/>
 </p:tagLst>
 </file>
 
 <file path=ppt/tags/tag2.xml><?xml version="1.0" encoding="utf-8"?>
 <p:tagLst xmlns:a="http://schemas.openxmlformats.org/drawingml/2006/main" xmlns:r="http://schemas.openxmlformats.org/officeDocument/2006/relationships" xmlns:p="http://schemas.openxmlformats.org/presentationml/2006/main">
-  <p:tag name="TIMING" val="|3.4|1.8|2.4|1.5|2.4|1.1|1.8|2|0.6|3|2.1|0.5|3|2|0.5|4.3|2|0.6|4.6|2.1|0.5|2|2|0.5|3.3|2.2|0.5|2.4|2.1|0.6|3.7|2.2|0.6|2.8|2.2|0.6|3.3|2.4|0.6|2.7|2.2|0.6|3.4|2|0.5|2.6|2.2|0.5|2.4|2.2|0.6|2.1|2.2|0.6|3.6|2.3|0.6|1.9|2.2|0.6|3.4|2.2|0.5|2.6|2.3|0.5|2.9|2."/>
+  <p:tag name="TIMING" val="|1.8|3.2|1.9|2.4|2.1|3.8|2|4.3|2|3.3|2|3.9|2.1"/>
 </p:tagLst>
 </file>
 
 <file path=ppt/tags/tag3.xml><?xml version="1.0" encoding="utf-8"?>
 <p:tagLst xmlns:a="http://schemas.openxmlformats.org/drawingml/2006/main" xmlns:r="http://schemas.openxmlformats.org/officeDocument/2006/relationships" xmlns:p="http://schemas.openxmlformats.org/presentationml/2006/main">
-  <p:tag name="TIMING" val="|1.5|2.4|2.3|0.8|2.9|0.9|1.9|1.1|1.9|1.6|2|1.9|2.8|3.3|3|2.1|4|2.1|2.8|2.3|1.5|2.5|2.1"/>
+  <p:tag name="TIMING" val="|0.9|2.7|1.8|3.1|2|1.6|5|2.2|0.7|7.1|2.2|0.5|6.2|2.1|0.5|7.8|2.1|0.6|7.5|2.1|0.6|7.2|1.9|0.5|7.2|2.1|0.5|8.2|2.1|0.7|7.9|2.1|0.5|7.4|2.2|0.5|7.3|2.2|0.6|9.3|2.2|0.5|9.3|2.2|0.6|9.3|2.1|0.6|7.1|2.2|0.6|8.5|2.2|0.6|8.6|2.1|0.6|10.9|2.2|0.5|9|2.3|0.6|9.9|2|0"/>
+</p:tagLst>
+</file>
+
+<file path=ppt/tags/tag4.xml><?xml version="1.0" encoding="utf-8"?>
+<p:tagLst xmlns:a="http://schemas.openxmlformats.org/drawingml/2006/main" xmlns:r="http://schemas.openxmlformats.org/officeDocument/2006/relationships" xmlns:p="http://schemas.openxmlformats.org/presentationml/2006/main">
+  <p:tag name="TIMING" val="|3.4|2.5|3|2.3|2.6|2.3|2.5|2|4.4|3.2|2.1|2|3.4|2.6|2|6.1|2.1|5.2|1.9|1.6|2|2.2"/>
 </p:tagLst>
 </file>
 
